--- a/Podstawy Programowania projekt kalkulator.pptx
+++ b/Podstawy Programowania projekt kalkulator.pptx
@@ -1,33 +1,34 @@
 
 <file path=ppt/presentation.xml><?xml version="1.0" encoding="utf-8"?>
-<p:presentation xmlns:a="http://schemas.openxmlformats.org/drawingml/2006/main" xmlns:r="http://schemas.openxmlformats.org/officeDocument/2006/relationships" xmlns:mc="http://schemas.openxmlformats.org/markup-compatibility/2006" xmlns:mv="urn:schemas-microsoft-com:mac:vml" xmlns:p="http://schemas.openxmlformats.org/presentationml/2006/main" xmlns:c="http://schemas.openxmlformats.org/drawingml/2006/chart" xmlns:dgm="http://schemas.openxmlformats.org/drawingml/2006/diagram" xmlns:o="urn:schemas-microsoft-com:office:office" xmlns:v="urn:schemas-microsoft-com:vml" xmlns:pvml="urn:schemas-microsoft-com:office:powerpoint" xmlns:com="http://schemas.openxmlformats.org/drawingml/2006/compatibility" xmlns:p14="http://schemas.microsoft.com/office/powerpoint/2010/main" xmlns:p15="http://schemas.microsoft.com/office/powerpoint/2012/main" xmlns:ahyp="http://schemas.microsoft.com/office/drawing/2018/hyperlinkcolor" autoCompressPictures="0" strictFirstAndLastChars="0" saveSubsetFonts="1">
+<p:presentation xmlns:a="http://schemas.openxmlformats.org/drawingml/2006/main" xmlns:r="http://schemas.openxmlformats.org/officeDocument/2006/relationships" xmlns:p="http://schemas.openxmlformats.org/presentationml/2006/main" strictFirstAndLastChars="0" saveSubsetFonts="1" autoCompressPictures="0">
   <p:sldMasterIdLst>
-    <p:sldMasterId id="2147483659" r:id="rId4"/>
+    <p:sldMasterId id="2147483659" r:id="rId1"/>
   </p:sldMasterIdLst>
   <p:notesMasterIdLst>
-    <p:notesMasterId r:id="rId5"/>
+    <p:notesMasterId r:id="rId18"/>
   </p:notesMasterIdLst>
   <p:sldIdLst>
-    <p:sldId id="256" r:id="rId6"/>
-    <p:sldId id="257" r:id="rId7"/>
-    <p:sldId id="258" r:id="rId8"/>
-    <p:sldId id="259" r:id="rId9"/>
-    <p:sldId id="260" r:id="rId10"/>
-    <p:sldId id="261" r:id="rId11"/>
-    <p:sldId id="262" r:id="rId12"/>
-    <p:sldId id="263" r:id="rId13"/>
-    <p:sldId id="264" r:id="rId14"/>
-    <p:sldId id="265" r:id="rId15"/>
-    <p:sldId id="266" r:id="rId16"/>
-    <p:sldId id="267" r:id="rId17"/>
-    <p:sldId id="268" r:id="rId18"/>
-    <p:sldId id="269" r:id="rId19"/>
-    <p:sldId id="270" r:id="rId20"/>
+    <p:sldId id="256" r:id="rId2"/>
+    <p:sldId id="257" r:id="rId3"/>
+    <p:sldId id="258" r:id="rId4"/>
+    <p:sldId id="259" r:id="rId5"/>
+    <p:sldId id="260" r:id="rId6"/>
+    <p:sldId id="261" r:id="rId7"/>
+    <p:sldId id="262" r:id="rId8"/>
+    <p:sldId id="263" r:id="rId9"/>
+    <p:sldId id="264" r:id="rId10"/>
+    <p:sldId id="265" r:id="rId11"/>
+    <p:sldId id="266" r:id="rId12"/>
+    <p:sldId id="267" r:id="rId13"/>
+    <p:sldId id="268" r:id="rId14"/>
+    <p:sldId id="269" r:id="rId15"/>
+    <p:sldId id="270" r:id="rId16"/>
+    <p:sldId id="271" r:id="rId17"/>
   </p:sldIdLst>
-  <p:sldSz cy="5143500" cx="9144000"/>
+  <p:sldSz cx="9144000" cy="5143500" type="screen16x9"/>
   <p:notesSz cx="6858000" cy="9144000"/>
   <p:defaultTextStyle>
-    <a:defPPr lvl="0" marR="0" rtl="0" algn="l">
+    <a:defPPr marR="0" lvl="0" algn="l" rtl="0">
       <a:lnSpc>
         <a:spcPct val="100000"/>
       </a:lnSpc>
@@ -38,7 +39,7 @@
         <a:spcPts val="0"/>
       </a:spcAft>
     </a:defPPr>
-    <a:lvl1pPr lvl="0" marR="0" rtl="0" algn="l">
+    <a:lvl1pPr marR="0" lvl="0" algn="l" rtl="0">
       <a:lnSpc>
         <a:spcPct val="100000"/>
       </a:lnSpc>
@@ -52,7 +53,7 @@
         <a:srgbClr val="000000"/>
       </a:buClr>
       <a:buFont typeface="Arial"/>
-      <a:defRPr b="0" i="0" sz="1400" u="none" cap="none" strike="noStrike">
+      <a:defRPr sz="1400" b="0" i="0" u="none" strike="noStrike" cap="none">
         <a:solidFill>
           <a:srgbClr val="000000"/>
         </a:solidFill>
@@ -62,7 +63,7 @@
         <a:sym typeface="Arial"/>
       </a:defRPr>
     </a:lvl1pPr>
-    <a:lvl2pPr lvl="1" marR="0" rtl="0" algn="l">
+    <a:lvl2pPr marR="0" lvl="1" algn="l" rtl="0">
       <a:lnSpc>
         <a:spcPct val="100000"/>
       </a:lnSpc>
@@ -76,7 +77,7 @@
         <a:srgbClr val="000000"/>
       </a:buClr>
       <a:buFont typeface="Arial"/>
-      <a:defRPr b="0" i="0" sz="1400" u="none" cap="none" strike="noStrike">
+      <a:defRPr sz="1400" b="0" i="0" u="none" strike="noStrike" cap="none">
         <a:solidFill>
           <a:srgbClr val="000000"/>
         </a:solidFill>
@@ -86,7 +87,7 @@
         <a:sym typeface="Arial"/>
       </a:defRPr>
     </a:lvl2pPr>
-    <a:lvl3pPr lvl="2" marR="0" rtl="0" algn="l">
+    <a:lvl3pPr marR="0" lvl="2" algn="l" rtl="0">
       <a:lnSpc>
         <a:spcPct val="100000"/>
       </a:lnSpc>
@@ -100,7 +101,7 @@
         <a:srgbClr val="000000"/>
       </a:buClr>
       <a:buFont typeface="Arial"/>
-      <a:defRPr b="0" i="0" sz="1400" u="none" cap="none" strike="noStrike">
+      <a:defRPr sz="1400" b="0" i="0" u="none" strike="noStrike" cap="none">
         <a:solidFill>
           <a:srgbClr val="000000"/>
         </a:solidFill>
@@ -110,7 +111,7 @@
         <a:sym typeface="Arial"/>
       </a:defRPr>
     </a:lvl3pPr>
-    <a:lvl4pPr lvl="3" marR="0" rtl="0" algn="l">
+    <a:lvl4pPr marR="0" lvl="3" algn="l" rtl="0">
       <a:lnSpc>
         <a:spcPct val="100000"/>
       </a:lnSpc>
@@ -124,7 +125,7 @@
         <a:srgbClr val="000000"/>
       </a:buClr>
       <a:buFont typeface="Arial"/>
-      <a:defRPr b="0" i="0" sz="1400" u="none" cap="none" strike="noStrike">
+      <a:defRPr sz="1400" b="0" i="0" u="none" strike="noStrike" cap="none">
         <a:solidFill>
           <a:srgbClr val="000000"/>
         </a:solidFill>
@@ -134,7 +135,7 @@
         <a:sym typeface="Arial"/>
       </a:defRPr>
     </a:lvl4pPr>
-    <a:lvl5pPr lvl="4" marR="0" rtl="0" algn="l">
+    <a:lvl5pPr marR="0" lvl="4" algn="l" rtl="0">
       <a:lnSpc>
         <a:spcPct val="100000"/>
       </a:lnSpc>
@@ -148,7 +149,7 @@
         <a:srgbClr val="000000"/>
       </a:buClr>
       <a:buFont typeface="Arial"/>
-      <a:defRPr b="0" i="0" sz="1400" u="none" cap="none" strike="noStrike">
+      <a:defRPr sz="1400" b="0" i="0" u="none" strike="noStrike" cap="none">
         <a:solidFill>
           <a:srgbClr val="000000"/>
         </a:solidFill>
@@ -158,7 +159,7 @@
         <a:sym typeface="Arial"/>
       </a:defRPr>
     </a:lvl5pPr>
-    <a:lvl6pPr lvl="5" marR="0" rtl="0" algn="l">
+    <a:lvl6pPr marR="0" lvl="5" algn="l" rtl="0">
       <a:lnSpc>
         <a:spcPct val="100000"/>
       </a:lnSpc>
@@ -172,7 +173,7 @@
         <a:srgbClr val="000000"/>
       </a:buClr>
       <a:buFont typeface="Arial"/>
-      <a:defRPr b="0" i="0" sz="1400" u="none" cap="none" strike="noStrike">
+      <a:defRPr sz="1400" b="0" i="0" u="none" strike="noStrike" cap="none">
         <a:solidFill>
           <a:srgbClr val="000000"/>
         </a:solidFill>
@@ -182,7 +183,7 @@
         <a:sym typeface="Arial"/>
       </a:defRPr>
     </a:lvl6pPr>
-    <a:lvl7pPr lvl="6" marR="0" rtl="0" algn="l">
+    <a:lvl7pPr marR="0" lvl="6" algn="l" rtl="0">
       <a:lnSpc>
         <a:spcPct val="100000"/>
       </a:lnSpc>
@@ -196,7 +197,7 @@
         <a:srgbClr val="000000"/>
       </a:buClr>
       <a:buFont typeface="Arial"/>
-      <a:defRPr b="0" i="0" sz="1400" u="none" cap="none" strike="noStrike">
+      <a:defRPr sz="1400" b="0" i="0" u="none" strike="noStrike" cap="none">
         <a:solidFill>
           <a:srgbClr val="000000"/>
         </a:solidFill>
@@ -206,7 +207,7 @@
         <a:sym typeface="Arial"/>
       </a:defRPr>
     </a:lvl7pPr>
-    <a:lvl8pPr lvl="7" marR="0" rtl="0" algn="l">
+    <a:lvl8pPr marR="0" lvl="7" algn="l" rtl="0">
       <a:lnSpc>
         <a:spcPct val="100000"/>
       </a:lnSpc>
@@ -220,7 +221,7 @@
         <a:srgbClr val="000000"/>
       </a:buClr>
       <a:buFont typeface="Arial"/>
-      <a:defRPr b="0" i="0" sz="1400" u="none" cap="none" strike="noStrike">
+      <a:defRPr sz="1400" b="0" i="0" u="none" strike="noStrike" cap="none">
         <a:solidFill>
           <a:srgbClr val="000000"/>
         </a:solidFill>
@@ -230,7 +231,7 @@
         <a:sym typeface="Arial"/>
       </a:defRPr>
     </a:lvl8pPr>
-    <a:lvl9pPr lvl="8" marR="0" rtl="0" algn="l">
+    <a:lvl9pPr marR="0" lvl="8" algn="l" rtl="0">
       <a:lnSpc>
         <a:spcPct val="100000"/>
       </a:lnSpc>
@@ -244,7 +245,7 @@
         <a:srgbClr val="000000"/>
       </a:buClr>
       <a:buFont typeface="Arial"/>
-      <a:defRPr b="0" i="0" sz="1400" u="none" cap="none" strike="noStrike">
+      <a:defRPr sz="1400" b="0" i="0" u="none" strike="noStrike" cap="none">
         <a:solidFill>
           <a:srgbClr val="000000"/>
         </a:solidFill>
@@ -257,7 +258,7 @@
   </p:defaultTextStyle>
   <p:extLst>
     <p:ext uri="{EFAFB233-063F-42B5-8137-9DF3F51BA10A}">
-      <p15:sldGuideLst>
+      <p15:sldGuideLst xmlns:p15="http://schemas.microsoft.com/office/powerpoint/2012/main">
         <p15:guide id="1" orient="horz" pos="1620">
           <p15:clr>
             <a:srgbClr val="747775"/>
@@ -275,11 +276,16 @@
 </file>
 
 <file path=ppt/notesMasters/notesMaster1.xml><?xml version="1.0" encoding="utf-8"?>
-<p:notesMaster xmlns:a="http://schemas.openxmlformats.org/drawingml/2006/main" xmlns:r="http://schemas.openxmlformats.org/officeDocument/2006/relationships" xmlns:mc="http://schemas.openxmlformats.org/markup-compatibility/2006" xmlns:mv="urn:schemas-microsoft-com:mac:vml" xmlns:p="http://schemas.openxmlformats.org/presentationml/2006/main" xmlns:c="http://schemas.openxmlformats.org/drawingml/2006/chart" xmlns:dgm="http://schemas.openxmlformats.org/drawingml/2006/diagram" xmlns:o="urn:schemas-microsoft-com:office:office" xmlns:v="urn:schemas-microsoft-com:vml" xmlns:pvml="urn:schemas-microsoft-com:office:powerpoint" xmlns:com="http://schemas.openxmlformats.org/drawingml/2006/compatibility" xmlns:p14="http://schemas.microsoft.com/office/powerpoint/2010/main" xmlns:p15="http://schemas.microsoft.com/office/powerpoint/2012/main" xmlns:ahyp="http://schemas.microsoft.com/office/drawing/2018/hyperlinkcolor">
+<p:notesMaster xmlns:a="http://schemas.openxmlformats.org/drawingml/2006/main" xmlns:r="http://schemas.openxmlformats.org/officeDocument/2006/relationships" xmlns:p="http://schemas.openxmlformats.org/presentationml/2006/main">
   <p:cSld>
+    <p:bg>
+      <p:bgRef idx="1001">
+        <a:schemeClr val="bg1"/>
+      </p:bgRef>
+    </p:bg>
     <p:spTree>
       <p:nvGrpSpPr>
-        <p:cNvPr id="2" name="Shape 2"/>
+        <p:cNvPr id="1" name="Shape 2"/>
         <p:cNvGrpSpPr/>
         <p:nvPr/>
       </p:nvGrpSpPr>
@@ -294,9 +300,11 @@
       <p:sp>
         <p:nvSpPr>
           <p:cNvPr id="3" name="Google Shape;3;n"/>
-          <p:cNvSpPr/>
+          <p:cNvSpPr>
+            <a:spLocks noGrp="1" noRot="1" noChangeAspect="1"/>
+          </p:cNvSpPr>
           <p:nvPr>
-            <p:ph idx="2" type="sldImg"/>
+            <p:ph type="sldImg" idx="2"/>
           </p:nvPr>
         </p:nvSpPr>
         <p:spPr>
@@ -305,9 +313,13 @@
             <a:ext cx="6096075" cy="3429000"/>
           </a:xfrm>
           <a:custGeom>
-            <a:rect b="b" l="l" r="r" t="t"/>
+            <a:avLst/>
+            <a:gdLst/>
+            <a:ahLst/>
+            <a:cxnLst/>
+            <a:rect l="l" t="t" r="r" b="b"/>
             <a:pathLst>
-              <a:path extrusionOk="0" h="120000" w="120000">
+              <a:path w="120000" h="120000" extrusionOk="0">
                 <a:moveTo>
                   <a:pt x="0" y="0"/>
                 </a:moveTo>
@@ -325,23 +337,25 @@
             </a:pathLst>
           </a:custGeom>
           <a:noFill/>
-          <a:ln cap="flat" cmpd="sng" w="9525">
+          <a:ln w="9525" cap="flat" cmpd="sng">
             <a:solidFill>
               <a:srgbClr val="000000"/>
             </a:solidFill>
             <a:prstDash val="solid"/>
             <a:round/>
-            <a:headEnd len="sm" w="sm" type="none"/>
-            <a:tailEnd len="sm" w="sm" type="none"/>
+            <a:headEnd type="none" w="sm" len="sm"/>
+            <a:tailEnd type="none" w="sm" len="sm"/>
           </a:ln>
         </p:spPr>
       </p:sp>
       <p:sp>
         <p:nvSpPr>
           <p:cNvPr id="4" name="Google Shape;4;n"/>
-          <p:cNvSpPr txBox="1"/>
+          <p:cNvSpPr txBox="1">
+            <a:spLocks noGrp="1"/>
+          </p:cNvSpPr>
           <p:nvPr>
-            <p:ph idx="1" type="body"/>
+            <p:ph type="body" idx="1"/>
           </p:nvPr>
         </p:nvSpPr>
         <p:spPr>
@@ -358,11 +372,11 @@
           </a:ln>
         </p:spPr>
         <p:txBody>
-          <a:bodyPr anchorCtr="0" anchor="t" bIns="91425" lIns="91425" spcFirstLastPara="1" rIns="91425" wrap="square" tIns="91425">
+          <a:bodyPr spcFirstLastPara="1" wrap="square" lIns="91425" tIns="91425" rIns="91425" bIns="91425" anchor="t" anchorCtr="0">
             <a:noAutofit/>
           </a:bodyPr>
           <a:lstStyle>
-            <a:lvl1pPr indent="-298450" lvl="0" marL="457200">
+            <a:lvl1pPr marL="457200" lvl="0" indent="-298450">
               <a:spcBef>
                 <a:spcPts val="0"/>
               </a:spcBef>
@@ -373,7 +387,7 @@
               <a:buChar char="●"/>
               <a:defRPr sz="1100"/>
             </a:lvl1pPr>
-            <a:lvl2pPr indent="-298450" lvl="1" marL="914400">
+            <a:lvl2pPr marL="914400" lvl="1" indent="-298450">
               <a:spcBef>
                 <a:spcPts val="0"/>
               </a:spcBef>
@@ -384,7 +398,7 @@
               <a:buChar char="○"/>
               <a:defRPr sz="1100"/>
             </a:lvl2pPr>
-            <a:lvl3pPr indent="-298450" lvl="2" marL="1371600">
+            <a:lvl3pPr marL="1371600" lvl="2" indent="-298450">
               <a:spcBef>
                 <a:spcPts val="0"/>
               </a:spcBef>
@@ -395,7 +409,7 @@
               <a:buChar char="■"/>
               <a:defRPr sz="1100"/>
             </a:lvl3pPr>
-            <a:lvl4pPr indent="-298450" lvl="3" marL="1828800">
+            <a:lvl4pPr marL="1828800" lvl="3" indent="-298450">
               <a:spcBef>
                 <a:spcPts val="0"/>
               </a:spcBef>
@@ -406,7 +420,7 @@
               <a:buChar char="●"/>
               <a:defRPr sz="1100"/>
             </a:lvl4pPr>
-            <a:lvl5pPr indent="-298450" lvl="4" marL="2286000">
+            <a:lvl5pPr marL="2286000" lvl="4" indent="-298450">
               <a:spcBef>
                 <a:spcPts val="0"/>
               </a:spcBef>
@@ -417,7 +431,7 @@
               <a:buChar char="○"/>
               <a:defRPr sz="1100"/>
             </a:lvl5pPr>
-            <a:lvl6pPr indent="-298450" lvl="5" marL="2743200">
+            <a:lvl6pPr marL="2743200" lvl="5" indent="-298450">
               <a:spcBef>
                 <a:spcPts val="0"/>
               </a:spcBef>
@@ -428,7 +442,7 @@
               <a:buChar char="■"/>
               <a:defRPr sz="1100"/>
             </a:lvl6pPr>
-            <a:lvl7pPr indent="-298450" lvl="6" marL="3200400">
+            <a:lvl7pPr marL="3200400" lvl="6" indent="-298450">
               <a:spcBef>
                 <a:spcPts val="0"/>
               </a:spcBef>
@@ -439,7 +453,7 @@
               <a:buChar char="●"/>
               <a:defRPr sz="1100"/>
             </a:lvl7pPr>
-            <a:lvl8pPr indent="-298450" lvl="7" marL="3657600">
+            <a:lvl8pPr marL="3657600" lvl="7" indent="-298450">
               <a:spcBef>
                 <a:spcPts val="0"/>
               </a:spcBef>
@@ -450,7 +464,7 @@
               <a:buChar char="○"/>
               <a:defRPr sz="1100"/>
             </a:lvl8pPr>
-            <a:lvl9pPr indent="-298450" lvl="8" marL="4114800">
+            <a:lvl9pPr marL="4114800" lvl="8" indent="-298450">
               <a:spcBef>
                 <a:spcPts val="0"/>
               </a:spcBef>
@@ -462,14 +476,16 @@
               <a:defRPr sz="1100"/>
             </a:lvl9pPr>
           </a:lstStyle>
-          <a:p/>
+          <a:p>
+            <a:endParaRPr/>
+          </a:p>
         </p:txBody>
       </p:sp>
     </p:spTree>
   </p:cSld>
-  <p:clrMap accent1="accent1" accent2="accent2" accent3="accent3" accent4="accent4" accent5="accent5" accent6="accent6" bg1="lt1" bg2="dk2" tx1="dk1" tx2="lt2" folHlink="folHlink" hlink="hlink"/>
+  <p:clrMap bg1="lt1" tx1="dk1" bg2="dk2" tx2="lt2" accent1="accent1" accent2="accent2" accent3="accent3" accent4="accent4" accent5="accent5" accent6="accent6" hlink="hlink" folHlink="folHlink"/>
   <p:notesStyle>
-    <a:defPPr lvl="0" marR="0" rtl="0" algn="l">
+    <a:defPPr marR="0" lvl="0" algn="l" rtl="0">
       <a:lnSpc>
         <a:spcPct val="100000"/>
       </a:lnSpc>
@@ -480,7 +496,7 @@
         <a:spcPts val="0"/>
       </a:spcAft>
     </a:defPPr>
-    <a:lvl1pPr lvl="0" marR="0" rtl="0" algn="l">
+    <a:lvl1pPr marR="0" lvl="0" algn="l" rtl="0">
       <a:lnSpc>
         <a:spcPct val="100000"/>
       </a:lnSpc>
@@ -494,7 +510,7 @@
         <a:srgbClr val="000000"/>
       </a:buClr>
       <a:buFont typeface="Arial"/>
-      <a:defRPr b="0" i="0" sz="1400" u="none" cap="none" strike="noStrike">
+      <a:defRPr sz="1400" b="0" i="0" u="none" strike="noStrike" cap="none">
         <a:solidFill>
           <a:srgbClr val="000000"/>
         </a:solidFill>
@@ -504,7 +520,7 @@
         <a:sym typeface="Arial"/>
       </a:defRPr>
     </a:lvl1pPr>
-    <a:lvl2pPr lvl="1" marR="0" rtl="0" algn="l">
+    <a:lvl2pPr marR="0" lvl="1" algn="l" rtl="0">
       <a:lnSpc>
         <a:spcPct val="100000"/>
       </a:lnSpc>
@@ -518,7 +534,7 @@
         <a:srgbClr val="000000"/>
       </a:buClr>
       <a:buFont typeface="Arial"/>
-      <a:defRPr b="0" i="0" sz="1400" u="none" cap="none" strike="noStrike">
+      <a:defRPr sz="1400" b="0" i="0" u="none" strike="noStrike" cap="none">
         <a:solidFill>
           <a:srgbClr val="000000"/>
         </a:solidFill>
@@ -528,7 +544,7 @@
         <a:sym typeface="Arial"/>
       </a:defRPr>
     </a:lvl2pPr>
-    <a:lvl3pPr lvl="2" marR="0" rtl="0" algn="l">
+    <a:lvl3pPr marR="0" lvl="2" algn="l" rtl="0">
       <a:lnSpc>
         <a:spcPct val="100000"/>
       </a:lnSpc>
@@ -542,7 +558,7 @@
         <a:srgbClr val="000000"/>
       </a:buClr>
       <a:buFont typeface="Arial"/>
-      <a:defRPr b="0" i="0" sz="1400" u="none" cap="none" strike="noStrike">
+      <a:defRPr sz="1400" b="0" i="0" u="none" strike="noStrike" cap="none">
         <a:solidFill>
           <a:srgbClr val="000000"/>
         </a:solidFill>
@@ -552,7 +568,7 @@
         <a:sym typeface="Arial"/>
       </a:defRPr>
     </a:lvl3pPr>
-    <a:lvl4pPr lvl="3" marR="0" rtl="0" algn="l">
+    <a:lvl4pPr marR="0" lvl="3" algn="l" rtl="0">
       <a:lnSpc>
         <a:spcPct val="100000"/>
       </a:lnSpc>
@@ -566,7 +582,7 @@
         <a:srgbClr val="000000"/>
       </a:buClr>
       <a:buFont typeface="Arial"/>
-      <a:defRPr b="0" i="0" sz="1400" u="none" cap="none" strike="noStrike">
+      <a:defRPr sz="1400" b="0" i="0" u="none" strike="noStrike" cap="none">
         <a:solidFill>
           <a:srgbClr val="000000"/>
         </a:solidFill>
@@ -576,7 +592,7 @@
         <a:sym typeface="Arial"/>
       </a:defRPr>
     </a:lvl4pPr>
-    <a:lvl5pPr lvl="4" marR="0" rtl="0" algn="l">
+    <a:lvl5pPr marR="0" lvl="4" algn="l" rtl="0">
       <a:lnSpc>
         <a:spcPct val="100000"/>
       </a:lnSpc>
@@ -590,7 +606,7 @@
         <a:srgbClr val="000000"/>
       </a:buClr>
       <a:buFont typeface="Arial"/>
-      <a:defRPr b="0" i="0" sz="1400" u="none" cap="none" strike="noStrike">
+      <a:defRPr sz="1400" b="0" i="0" u="none" strike="noStrike" cap="none">
         <a:solidFill>
           <a:srgbClr val="000000"/>
         </a:solidFill>
@@ -600,7 +616,7 @@
         <a:sym typeface="Arial"/>
       </a:defRPr>
     </a:lvl5pPr>
-    <a:lvl6pPr lvl="5" marR="0" rtl="0" algn="l">
+    <a:lvl6pPr marR="0" lvl="5" algn="l" rtl="0">
       <a:lnSpc>
         <a:spcPct val="100000"/>
       </a:lnSpc>
@@ -614,7 +630,7 @@
         <a:srgbClr val="000000"/>
       </a:buClr>
       <a:buFont typeface="Arial"/>
-      <a:defRPr b="0" i="0" sz="1400" u="none" cap="none" strike="noStrike">
+      <a:defRPr sz="1400" b="0" i="0" u="none" strike="noStrike" cap="none">
         <a:solidFill>
           <a:srgbClr val="000000"/>
         </a:solidFill>
@@ -624,7 +640,7 @@
         <a:sym typeface="Arial"/>
       </a:defRPr>
     </a:lvl6pPr>
-    <a:lvl7pPr lvl="6" marR="0" rtl="0" algn="l">
+    <a:lvl7pPr marR="0" lvl="6" algn="l" rtl="0">
       <a:lnSpc>
         <a:spcPct val="100000"/>
       </a:lnSpc>
@@ -638,7 +654,7 @@
         <a:srgbClr val="000000"/>
       </a:buClr>
       <a:buFont typeface="Arial"/>
-      <a:defRPr b="0" i="0" sz="1400" u="none" cap="none" strike="noStrike">
+      <a:defRPr sz="1400" b="0" i="0" u="none" strike="noStrike" cap="none">
         <a:solidFill>
           <a:srgbClr val="000000"/>
         </a:solidFill>
@@ -648,7 +664,7 @@
         <a:sym typeface="Arial"/>
       </a:defRPr>
     </a:lvl7pPr>
-    <a:lvl8pPr lvl="7" marR="0" rtl="0" algn="l">
+    <a:lvl8pPr marR="0" lvl="7" algn="l" rtl="0">
       <a:lnSpc>
         <a:spcPct val="100000"/>
       </a:lnSpc>
@@ -662,7 +678,7 @@
         <a:srgbClr val="000000"/>
       </a:buClr>
       <a:buFont typeface="Arial"/>
-      <a:defRPr b="0" i="0" sz="1400" u="none" cap="none" strike="noStrike">
+      <a:defRPr sz="1400" b="0" i="0" u="none" strike="noStrike" cap="none">
         <a:solidFill>
           <a:srgbClr val="000000"/>
         </a:solidFill>
@@ -672,7 +688,7 @@
         <a:sym typeface="Arial"/>
       </a:defRPr>
     </a:lvl8pPr>
-    <a:lvl9pPr lvl="8" marR="0" rtl="0" algn="l">
+    <a:lvl9pPr marR="0" lvl="8" algn="l" rtl="0">
       <a:lnSpc>
         <a:spcPct val="100000"/>
       </a:lnSpc>
@@ -686,7 +702,7 @@
         <a:srgbClr val="000000"/>
       </a:buClr>
       <a:buFont typeface="Arial"/>
-      <a:defRPr b="0" i="0" sz="1400" u="none" cap="none" strike="noStrike">
+      <a:defRPr sz="1400" b="0" i="0" u="none" strike="noStrike" cap="none">
         <a:solidFill>
           <a:srgbClr val="000000"/>
         </a:solidFill>
@@ -701,11 +717,11 @@
 </file>
 
 <file path=ppt/notesSlides/notesSlide1.xml><?xml version="1.0" encoding="utf-8"?>
-<p:notes xmlns:a="http://schemas.openxmlformats.org/drawingml/2006/main" xmlns:r="http://schemas.openxmlformats.org/officeDocument/2006/relationships" xmlns:mc="http://schemas.openxmlformats.org/markup-compatibility/2006" xmlns:mv="urn:schemas-microsoft-com:mac:vml" xmlns:p="http://schemas.openxmlformats.org/presentationml/2006/main" xmlns:c="http://schemas.openxmlformats.org/drawingml/2006/chart" xmlns:dgm="http://schemas.openxmlformats.org/drawingml/2006/diagram" xmlns:o="urn:schemas-microsoft-com:office:office" xmlns:v="urn:schemas-microsoft-com:vml" xmlns:pvml="urn:schemas-microsoft-com:office:powerpoint" xmlns:com="http://schemas.openxmlformats.org/drawingml/2006/compatibility" xmlns:p14="http://schemas.microsoft.com/office/powerpoint/2010/main" xmlns:p15="http://schemas.microsoft.com/office/powerpoint/2012/main" xmlns:ahyp="http://schemas.microsoft.com/office/drawing/2018/hyperlinkcolor" showMasterPhAnim="0" showMasterSp="0">
+<p:notes xmlns:a="http://schemas.openxmlformats.org/drawingml/2006/main" xmlns:r="http://schemas.openxmlformats.org/officeDocument/2006/relationships" xmlns:p="http://schemas.openxmlformats.org/presentationml/2006/main" showMasterSp="0" showMasterPhAnim="0">
   <p:cSld>
     <p:spTree>
       <p:nvGrpSpPr>
-        <p:cNvPr id="50" name="Shape 50"/>
+        <p:cNvPr id="1" name="Shape 50"/>
         <p:cNvGrpSpPr/>
         <p:nvPr/>
       </p:nvGrpSpPr>
@@ -720,20 +736,26 @@
       <p:sp>
         <p:nvSpPr>
           <p:cNvPr id="51" name="Google Shape;51;g3923378910a_0_64:notes"/>
-          <p:cNvSpPr/>
+          <p:cNvSpPr>
+            <a:spLocks noGrp="1" noRot="1" noChangeAspect="1"/>
+          </p:cNvSpPr>
           <p:nvPr>
-            <p:ph idx="2" type="sldImg"/>
+            <p:ph type="sldImg" idx="2"/>
           </p:nvPr>
         </p:nvSpPr>
         <p:spPr>
           <a:xfrm>
-            <a:off x="381300" y="685800"/>
+            <a:off x="381000" y="685800"/>
             <a:ext cx="6096000" cy="3429000"/>
           </a:xfrm>
           <a:custGeom>
-            <a:rect b="b" l="l" r="r" t="t"/>
+            <a:avLst/>
+            <a:gdLst/>
+            <a:ahLst/>
+            <a:cxnLst/>
+            <a:rect l="l" t="t" r="r" b="b"/>
             <a:pathLst>
-              <a:path extrusionOk="0" h="120000" w="120000">
+              <a:path w="120000" h="120000" extrusionOk="0">
                 <a:moveTo>
                   <a:pt x="0" y="0"/>
                 </a:moveTo>
@@ -755,9 +777,11 @@
       <p:sp>
         <p:nvSpPr>
           <p:cNvPr id="52" name="Google Shape;52;g3923378910a_0_64:notes"/>
-          <p:cNvSpPr txBox="1"/>
+          <p:cNvSpPr txBox="1">
+            <a:spLocks noGrp="1"/>
+          </p:cNvSpPr>
           <p:nvPr>
-            <p:ph idx="1" type="body"/>
+            <p:ph type="body" idx="1"/>
           </p:nvPr>
         </p:nvSpPr>
         <p:spPr>
@@ -770,12 +794,12 @@
           </a:prstGeom>
         </p:spPr>
         <p:txBody>
-          <a:bodyPr anchorCtr="0" anchor="t" bIns="91425" lIns="91425" spcFirstLastPara="1" rIns="91425" wrap="square" tIns="91425">
+          <a:bodyPr spcFirstLastPara="1" wrap="square" lIns="91425" tIns="91425" rIns="91425" bIns="91425" anchor="t" anchorCtr="0">
             <a:noAutofit/>
           </a:bodyPr>
           <a:lstStyle/>
           <a:p>
-            <a:pPr indent="0" lvl="0" marL="0" rtl="0" algn="l">
+            <a:pPr marL="0" lvl="0" indent="0" algn="l" rtl="0">
               <a:spcBef>
                 <a:spcPts val="0"/>
               </a:spcBef>
@@ -784,9 +808,6 @@
               </a:spcAft>
               <a:buNone/>
             </a:pPr>
-            <a:r>
-              <a:t/>
-            </a:r>
             <a:endParaRPr/>
           </a:p>
         </p:txBody>
@@ -800,11 +821,11 @@
 </file>
 
 <file path=ppt/notesSlides/notesSlide10.xml><?xml version="1.0" encoding="utf-8"?>
-<p:notes xmlns:a="http://schemas.openxmlformats.org/drawingml/2006/main" xmlns:r="http://schemas.openxmlformats.org/officeDocument/2006/relationships" xmlns:mc="http://schemas.openxmlformats.org/markup-compatibility/2006" xmlns:mv="urn:schemas-microsoft-com:mac:vml" xmlns:p="http://schemas.openxmlformats.org/presentationml/2006/main" xmlns:c="http://schemas.openxmlformats.org/drawingml/2006/chart" xmlns:dgm="http://schemas.openxmlformats.org/drawingml/2006/diagram" xmlns:o="urn:schemas-microsoft-com:office:office" xmlns:v="urn:schemas-microsoft-com:vml" xmlns:pvml="urn:schemas-microsoft-com:office:powerpoint" xmlns:com="http://schemas.openxmlformats.org/drawingml/2006/compatibility" xmlns:p14="http://schemas.microsoft.com/office/powerpoint/2010/main" xmlns:p15="http://schemas.microsoft.com/office/powerpoint/2012/main" xmlns:ahyp="http://schemas.microsoft.com/office/drawing/2018/hyperlinkcolor" showMasterPhAnim="0" showMasterSp="0">
+<p:notes xmlns:a="http://schemas.openxmlformats.org/drawingml/2006/main" xmlns:r="http://schemas.openxmlformats.org/officeDocument/2006/relationships" xmlns:p="http://schemas.openxmlformats.org/presentationml/2006/main" showMasterSp="0" showMasterPhAnim="0">
   <p:cSld>
     <p:spTree>
       <p:nvGrpSpPr>
-        <p:cNvPr id="110" name="Shape 110"/>
+        <p:cNvPr id="1" name="Shape 111"/>
         <p:cNvGrpSpPr/>
         <p:nvPr/>
       </p:nvGrpSpPr>
@@ -818,10 +839,12 @@
       </p:grpSpPr>
       <p:sp>
         <p:nvSpPr>
-          <p:cNvPr id="111" name="Google Shape;111;g3923356c5ed_3_41:notes"/>
-          <p:cNvSpPr/>
+          <p:cNvPr id="112" name="Google Shape;112;g3923356c5ed_3_41:notes"/>
+          <p:cNvSpPr>
+            <a:spLocks noGrp="1" noRot="1" noChangeAspect="1"/>
+          </p:cNvSpPr>
           <p:nvPr>
-            <p:ph idx="2" type="sldImg"/>
+            <p:ph type="sldImg" idx="2"/>
           </p:nvPr>
         </p:nvSpPr>
         <p:spPr>
@@ -830,9 +853,13 @@
             <a:ext cx="6096000" cy="3429000"/>
           </a:xfrm>
           <a:custGeom>
-            <a:rect b="b" l="l" r="r" t="t"/>
+            <a:avLst/>
+            <a:gdLst/>
+            <a:ahLst/>
+            <a:cxnLst/>
+            <a:rect l="l" t="t" r="r" b="b"/>
             <a:pathLst>
-              <a:path extrusionOk="0" h="120000" w="120000">
+              <a:path w="120000" h="120000" extrusionOk="0">
                 <a:moveTo>
                   <a:pt x="0" y="0"/>
                 </a:moveTo>
@@ -853,10 +880,12 @@
       </p:sp>
       <p:sp>
         <p:nvSpPr>
-          <p:cNvPr id="112" name="Google Shape;112;g3923356c5ed_3_41:notes"/>
-          <p:cNvSpPr txBox="1"/>
+          <p:cNvPr id="113" name="Google Shape;113;g3923356c5ed_3_41:notes"/>
+          <p:cNvSpPr txBox="1">
+            <a:spLocks noGrp="1"/>
+          </p:cNvSpPr>
           <p:nvPr>
-            <p:ph idx="1" type="body"/>
+            <p:ph type="body" idx="1"/>
           </p:nvPr>
         </p:nvSpPr>
         <p:spPr>
@@ -869,12 +898,12 @@
           </a:prstGeom>
         </p:spPr>
         <p:txBody>
-          <a:bodyPr anchorCtr="0" anchor="t" bIns="91425" lIns="91425" spcFirstLastPara="1" rIns="91425" wrap="square" tIns="91425">
+          <a:bodyPr spcFirstLastPara="1" wrap="square" lIns="91425" tIns="91425" rIns="91425" bIns="91425" anchor="t" anchorCtr="0">
             <a:noAutofit/>
           </a:bodyPr>
           <a:lstStyle/>
           <a:p>
-            <a:pPr indent="0" lvl="0" marL="0" rtl="0" algn="l">
+            <a:pPr marL="0" lvl="0" indent="0" algn="l" rtl="0">
               <a:spcBef>
                 <a:spcPts val="0"/>
               </a:spcBef>
@@ -883,9 +912,6 @@
               </a:spcAft>
               <a:buNone/>
             </a:pPr>
-            <a:r>
-              <a:t/>
-            </a:r>
             <a:endParaRPr/>
           </a:p>
         </p:txBody>
@@ -899,11 +925,11 @@
 </file>
 
 <file path=ppt/notesSlides/notesSlide11.xml><?xml version="1.0" encoding="utf-8"?>
-<p:notes xmlns:a="http://schemas.openxmlformats.org/drawingml/2006/main" xmlns:r="http://schemas.openxmlformats.org/officeDocument/2006/relationships" xmlns:mc="http://schemas.openxmlformats.org/markup-compatibility/2006" xmlns:mv="urn:schemas-microsoft-com:mac:vml" xmlns:p="http://schemas.openxmlformats.org/presentationml/2006/main" xmlns:c="http://schemas.openxmlformats.org/drawingml/2006/chart" xmlns:dgm="http://schemas.openxmlformats.org/drawingml/2006/diagram" xmlns:o="urn:schemas-microsoft-com:office:office" xmlns:v="urn:schemas-microsoft-com:vml" xmlns:pvml="urn:schemas-microsoft-com:office:powerpoint" xmlns:com="http://schemas.openxmlformats.org/drawingml/2006/compatibility" xmlns:p14="http://schemas.microsoft.com/office/powerpoint/2010/main" xmlns:p15="http://schemas.microsoft.com/office/powerpoint/2012/main" xmlns:ahyp="http://schemas.microsoft.com/office/drawing/2018/hyperlinkcolor" showMasterPhAnim="0" showMasterSp="0">
+<p:notes xmlns:a="http://schemas.openxmlformats.org/drawingml/2006/main" xmlns:r="http://schemas.openxmlformats.org/officeDocument/2006/relationships" xmlns:p="http://schemas.openxmlformats.org/presentationml/2006/main" showMasterSp="0" showMasterPhAnim="0">
   <p:cSld>
     <p:spTree>
       <p:nvGrpSpPr>
-        <p:cNvPr id="116" name="Shape 116"/>
+        <p:cNvPr id="1" name="Shape 118"/>
         <p:cNvGrpSpPr/>
         <p:nvPr/>
       </p:nvGrpSpPr>
@@ -917,10 +943,12 @@
       </p:grpSpPr>
       <p:sp>
         <p:nvSpPr>
-          <p:cNvPr id="117" name="Google Shape;117;g3923356c5ed_3_46:notes"/>
-          <p:cNvSpPr/>
+          <p:cNvPr id="119" name="Google Shape;119;g3923356c5ed_3_46:notes"/>
+          <p:cNvSpPr>
+            <a:spLocks noGrp="1" noRot="1" noChangeAspect="1"/>
+          </p:cNvSpPr>
           <p:nvPr>
-            <p:ph idx="2" type="sldImg"/>
+            <p:ph type="sldImg" idx="2"/>
           </p:nvPr>
         </p:nvSpPr>
         <p:spPr>
@@ -929,9 +957,13 @@
             <a:ext cx="6096000" cy="3429000"/>
           </a:xfrm>
           <a:custGeom>
-            <a:rect b="b" l="l" r="r" t="t"/>
+            <a:avLst/>
+            <a:gdLst/>
+            <a:ahLst/>
+            <a:cxnLst/>
+            <a:rect l="l" t="t" r="r" b="b"/>
             <a:pathLst>
-              <a:path extrusionOk="0" h="120000" w="120000">
+              <a:path w="120000" h="120000" extrusionOk="0">
                 <a:moveTo>
                   <a:pt x="0" y="0"/>
                 </a:moveTo>
@@ -952,10 +984,12 @@
       </p:sp>
       <p:sp>
         <p:nvSpPr>
-          <p:cNvPr id="118" name="Google Shape;118;g3923356c5ed_3_46:notes"/>
-          <p:cNvSpPr txBox="1"/>
+          <p:cNvPr id="120" name="Google Shape;120;g3923356c5ed_3_46:notes"/>
+          <p:cNvSpPr txBox="1">
+            <a:spLocks noGrp="1"/>
+          </p:cNvSpPr>
           <p:nvPr>
-            <p:ph idx="1" type="body"/>
+            <p:ph type="body" idx="1"/>
           </p:nvPr>
         </p:nvSpPr>
         <p:spPr>
@@ -968,12 +1002,12 @@
           </a:prstGeom>
         </p:spPr>
         <p:txBody>
-          <a:bodyPr anchorCtr="0" anchor="t" bIns="91425" lIns="91425" spcFirstLastPara="1" rIns="91425" wrap="square" tIns="91425">
+          <a:bodyPr spcFirstLastPara="1" wrap="square" lIns="91425" tIns="91425" rIns="91425" bIns="91425" anchor="t" anchorCtr="0">
             <a:noAutofit/>
           </a:bodyPr>
           <a:lstStyle/>
           <a:p>
-            <a:pPr indent="0" lvl="0" marL="0" rtl="0" algn="l">
+            <a:pPr marL="0" lvl="0" indent="0" algn="l" rtl="0">
               <a:spcBef>
                 <a:spcPts val="0"/>
               </a:spcBef>
@@ -982,9 +1016,6 @@
               </a:spcAft>
               <a:buNone/>
             </a:pPr>
-            <a:r>
-              <a:t/>
-            </a:r>
             <a:endParaRPr/>
           </a:p>
         </p:txBody>
@@ -998,11 +1029,11 @@
 </file>
 
 <file path=ppt/notesSlides/notesSlide12.xml><?xml version="1.0" encoding="utf-8"?>
-<p:notes xmlns:a="http://schemas.openxmlformats.org/drawingml/2006/main" xmlns:r="http://schemas.openxmlformats.org/officeDocument/2006/relationships" xmlns:mc="http://schemas.openxmlformats.org/markup-compatibility/2006" xmlns:mv="urn:schemas-microsoft-com:mac:vml" xmlns:p="http://schemas.openxmlformats.org/presentationml/2006/main" xmlns:c="http://schemas.openxmlformats.org/drawingml/2006/chart" xmlns:dgm="http://schemas.openxmlformats.org/drawingml/2006/diagram" xmlns:o="urn:schemas-microsoft-com:office:office" xmlns:v="urn:schemas-microsoft-com:vml" xmlns:pvml="urn:schemas-microsoft-com:office:powerpoint" xmlns:com="http://schemas.openxmlformats.org/drawingml/2006/compatibility" xmlns:p14="http://schemas.microsoft.com/office/powerpoint/2010/main" xmlns:p15="http://schemas.microsoft.com/office/powerpoint/2012/main" xmlns:ahyp="http://schemas.microsoft.com/office/drawing/2018/hyperlinkcolor" showMasterPhAnim="0" showMasterSp="0">
+<p:notes xmlns:a="http://schemas.openxmlformats.org/drawingml/2006/main" xmlns:r="http://schemas.openxmlformats.org/officeDocument/2006/relationships" xmlns:p="http://schemas.openxmlformats.org/presentationml/2006/main" showMasterSp="0" showMasterPhAnim="0">
   <p:cSld>
     <p:spTree>
       <p:nvGrpSpPr>
-        <p:cNvPr id="123" name="Shape 123"/>
+        <p:cNvPr id="1" name="Shape 125"/>
         <p:cNvGrpSpPr/>
         <p:nvPr/>
       </p:nvGrpSpPr>
@@ -1016,10 +1047,12 @@
       </p:grpSpPr>
       <p:sp>
         <p:nvSpPr>
-          <p:cNvPr id="124" name="Google Shape;124;g3923356c5ed_3_51:notes"/>
-          <p:cNvSpPr/>
+          <p:cNvPr id="126" name="Google Shape;126;g3923356c5ed_3_51:notes"/>
+          <p:cNvSpPr>
+            <a:spLocks noGrp="1" noRot="1" noChangeAspect="1"/>
+          </p:cNvSpPr>
           <p:nvPr>
-            <p:ph idx="2" type="sldImg"/>
+            <p:ph type="sldImg" idx="2"/>
           </p:nvPr>
         </p:nvSpPr>
         <p:spPr>
@@ -1028,9 +1061,13 @@
             <a:ext cx="6096000" cy="3429000"/>
           </a:xfrm>
           <a:custGeom>
-            <a:rect b="b" l="l" r="r" t="t"/>
+            <a:avLst/>
+            <a:gdLst/>
+            <a:ahLst/>
+            <a:cxnLst/>
+            <a:rect l="l" t="t" r="r" b="b"/>
             <a:pathLst>
-              <a:path extrusionOk="0" h="120000" w="120000">
+              <a:path w="120000" h="120000" extrusionOk="0">
                 <a:moveTo>
                   <a:pt x="0" y="0"/>
                 </a:moveTo>
@@ -1051,10 +1088,12 @@
       </p:sp>
       <p:sp>
         <p:nvSpPr>
-          <p:cNvPr id="125" name="Google Shape;125;g3923356c5ed_3_51:notes"/>
-          <p:cNvSpPr txBox="1"/>
+          <p:cNvPr id="127" name="Google Shape;127;g3923356c5ed_3_51:notes"/>
+          <p:cNvSpPr txBox="1">
+            <a:spLocks noGrp="1"/>
+          </p:cNvSpPr>
           <p:nvPr>
-            <p:ph idx="1" type="body"/>
+            <p:ph type="body" idx="1"/>
           </p:nvPr>
         </p:nvSpPr>
         <p:spPr>
@@ -1067,12 +1106,12 @@
           </a:prstGeom>
         </p:spPr>
         <p:txBody>
-          <a:bodyPr anchorCtr="0" anchor="t" bIns="91425" lIns="91425" spcFirstLastPara="1" rIns="91425" wrap="square" tIns="91425">
+          <a:bodyPr spcFirstLastPara="1" wrap="square" lIns="91425" tIns="91425" rIns="91425" bIns="91425" anchor="t" anchorCtr="0">
             <a:noAutofit/>
           </a:bodyPr>
           <a:lstStyle/>
           <a:p>
-            <a:pPr indent="0" lvl="0" marL="0" rtl="0" algn="l">
+            <a:pPr marL="0" lvl="0" indent="0" algn="l" rtl="0">
               <a:spcBef>
                 <a:spcPts val="0"/>
               </a:spcBef>
@@ -1081,9 +1120,6 @@
               </a:spcAft>
               <a:buNone/>
             </a:pPr>
-            <a:r>
-              <a:t/>
-            </a:r>
             <a:endParaRPr/>
           </a:p>
         </p:txBody>
@@ -1097,11 +1133,11 @@
 </file>
 
 <file path=ppt/notesSlides/notesSlide13.xml><?xml version="1.0" encoding="utf-8"?>
-<p:notes xmlns:a="http://schemas.openxmlformats.org/drawingml/2006/main" xmlns:r="http://schemas.openxmlformats.org/officeDocument/2006/relationships" xmlns:mc="http://schemas.openxmlformats.org/markup-compatibility/2006" xmlns:mv="urn:schemas-microsoft-com:mac:vml" xmlns:p="http://schemas.openxmlformats.org/presentationml/2006/main" xmlns:c="http://schemas.openxmlformats.org/drawingml/2006/chart" xmlns:dgm="http://schemas.openxmlformats.org/drawingml/2006/diagram" xmlns:o="urn:schemas-microsoft-com:office:office" xmlns:v="urn:schemas-microsoft-com:vml" xmlns:pvml="urn:schemas-microsoft-com:office:powerpoint" xmlns:com="http://schemas.openxmlformats.org/drawingml/2006/compatibility" xmlns:p14="http://schemas.microsoft.com/office/powerpoint/2010/main" xmlns:p15="http://schemas.microsoft.com/office/powerpoint/2012/main" xmlns:ahyp="http://schemas.microsoft.com/office/drawing/2018/hyperlinkcolor" showMasterPhAnim="0" showMasterSp="0">
+<p:notes xmlns:a="http://schemas.openxmlformats.org/drawingml/2006/main" xmlns:r="http://schemas.openxmlformats.org/officeDocument/2006/relationships" xmlns:p="http://schemas.openxmlformats.org/presentationml/2006/main" showMasterSp="0" showMasterPhAnim="0">
   <p:cSld>
     <p:spTree>
       <p:nvGrpSpPr>
-        <p:cNvPr id="130" name="Shape 130"/>
+        <p:cNvPr id="1" name="Shape 132"/>
         <p:cNvGrpSpPr/>
         <p:nvPr/>
       </p:nvGrpSpPr>
@@ -1115,10 +1151,12 @@
       </p:grpSpPr>
       <p:sp>
         <p:nvSpPr>
-          <p:cNvPr id="131" name="Google Shape;131;g3923356c5ed_3_56:notes"/>
-          <p:cNvSpPr/>
+          <p:cNvPr id="133" name="Google Shape;133;g3923356c5ed_3_56:notes"/>
+          <p:cNvSpPr>
+            <a:spLocks noGrp="1" noRot="1" noChangeAspect="1"/>
+          </p:cNvSpPr>
           <p:nvPr>
-            <p:ph idx="2" type="sldImg"/>
+            <p:ph type="sldImg" idx="2"/>
           </p:nvPr>
         </p:nvSpPr>
         <p:spPr>
@@ -1127,9 +1165,13 @@
             <a:ext cx="6096000" cy="3429000"/>
           </a:xfrm>
           <a:custGeom>
-            <a:rect b="b" l="l" r="r" t="t"/>
+            <a:avLst/>
+            <a:gdLst/>
+            <a:ahLst/>
+            <a:cxnLst/>
+            <a:rect l="l" t="t" r="r" b="b"/>
             <a:pathLst>
-              <a:path extrusionOk="0" h="120000" w="120000">
+              <a:path w="120000" h="120000" extrusionOk="0">
                 <a:moveTo>
                   <a:pt x="0" y="0"/>
                 </a:moveTo>
@@ -1150,10 +1192,12 @@
       </p:sp>
       <p:sp>
         <p:nvSpPr>
-          <p:cNvPr id="132" name="Google Shape;132;g3923356c5ed_3_56:notes"/>
-          <p:cNvSpPr txBox="1"/>
+          <p:cNvPr id="134" name="Google Shape;134;g3923356c5ed_3_56:notes"/>
+          <p:cNvSpPr txBox="1">
+            <a:spLocks noGrp="1"/>
+          </p:cNvSpPr>
           <p:nvPr>
-            <p:ph idx="1" type="body"/>
+            <p:ph type="body" idx="1"/>
           </p:nvPr>
         </p:nvSpPr>
         <p:spPr>
@@ -1166,12 +1210,12 @@
           </a:prstGeom>
         </p:spPr>
         <p:txBody>
-          <a:bodyPr anchorCtr="0" anchor="t" bIns="91425" lIns="91425" spcFirstLastPara="1" rIns="91425" wrap="square" tIns="91425">
+          <a:bodyPr spcFirstLastPara="1" wrap="square" lIns="91425" tIns="91425" rIns="91425" bIns="91425" anchor="t" anchorCtr="0">
             <a:noAutofit/>
           </a:bodyPr>
           <a:lstStyle/>
           <a:p>
-            <a:pPr indent="0" lvl="0" marL="0" rtl="0" algn="l">
+            <a:pPr marL="0" lvl="0" indent="0" algn="l" rtl="0">
               <a:spcBef>
                 <a:spcPts val="0"/>
               </a:spcBef>
@@ -1180,9 +1224,6 @@
               </a:spcAft>
               <a:buNone/>
             </a:pPr>
-            <a:r>
-              <a:t/>
-            </a:r>
             <a:endParaRPr/>
           </a:p>
         </p:txBody>
@@ -1196,11 +1237,11 @@
 </file>
 
 <file path=ppt/notesSlides/notesSlide14.xml><?xml version="1.0" encoding="utf-8"?>
-<p:notes xmlns:a="http://schemas.openxmlformats.org/drawingml/2006/main" xmlns:r="http://schemas.openxmlformats.org/officeDocument/2006/relationships" xmlns:mc="http://schemas.openxmlformats.org/markup-compatibility/2006" xmlns:mv="urn:schemas-microsoft-com:mac:vml" xmlns:p="http://schemas.openxmlformats.org/presentationml/2006/main" xmlns:c="http://schemas.openxmlformats.org/drawingml/2006/chart" xmlns:dgm="http://schemas.openxmlformats.org/drawingml/2006/diagram" xmlns:o="urn:schemas-microsoft-com:office:office" xmlns:v="urn:schemas-microsoft-com:vml" xmlns:pvml="urn:schemas-microsoft-com:office:powerpoint" xmlns:com="http://schemas.openxmlformats.org/drawingml/2006/compatibility" xmlns:p14="http://schemas.microsoft.com/office/powerpoint/2010/main" xmlns:p15="http://schemas.microsoft.com/office/powerpoint/2012/main" xmlns:ahyp="http://schemas.microsoft.com/office/drawing/2018/hyperlinkcolor" showMasterPhAnim="0" showMasterSp="0">
+<p:notes xmlns:a="http://schemas.openxmlformats.org/drawingml/2006/main" xmlns:r="http://schemas.openxmlformats.org/officeDocument/2006/relationships" xmlns:p="http://schemas.openxmlformats.org/presentationml/2006/main" showMasterSp="0" showMasterPhAnim="0">
   <p:cSld>
     <p:spTree>
       <p:nvGrpSpPr>
-        <p:cNvPr id="137" name="Shape 137"/>
+        <p:cNvPr id="1" name="Shape 139"/>
         <p:cNvGrpSpPr/>
         <p:nvPr/>
       </p:nvGrpSpPr>
@@ -1214,10 +1255,12 @@
       </p:grpSpPr>
       <p:sp>
         <p:nvSpPr>
-          <p:cNvPr id="138" name="Google Shape;138;g3923356c5ed_3_61:notes"/>
-          <p:cNvSpPr/>
+          <p:cNvPr id="140" name="Google Shape;140;g3923356c5ed_3_61:notes"/>
+          <p:cNvSpPr>
+            <a:spLocks noGrp="1" noRot="1" noChangeAspect="1"/>
+          </p:cNvSpPr>
           <p:nvPr>
-            <p:ph idx="2" type="sldImg"/>
+            <p:ph type="sldImg" idx="2"/>
           </p:nvPr>
         </p:nvSpPr>
         <p:spPr>
@@ -1226,9 +1269,13 @@
             <a:ext cx="6096000" cy="3429000"/>
           </a:xfrm>
           <a:custGeom>
-            <a:rect b="b" l="l" r="r" t="t"/>
+            <a:avLst/>
+            <a:gdLst/>
+            <a:ahLst/>
+            <a:cxnLst/>
+            <a:rect l="l" t="t" r="r" b="b"/>
             <a:pathLst>
-              <a:path extrusionOk="0" h="120000" w="120000">
+              <a:path w="120000" h="120000" extrusionOk="0">
                 <a:moveTo>
                   <a:pt x="0" y="0"/>
                 </a:moveTo>
@@ -1249,10 +1296,12 @@
       </p:sp>
       <p:sp>
         <p:nvSpPr>
-          <p:cNvPr id="139" name="Google Shape;139;g3923356c5ed_3_61:notes"/>
-          <p:cNvSpPr txBox="1"/>
+          <p:cNvPr id="141" name="Google Shape;141;g3923356c5ed_3_61:notes"/>
+          <p:cNvSpPr txBox="1">
+            <a:spLocks noGrp="1"/>
+          </p:cNvSpPr>
           <p:nvPr>
-            <p:ph idx="1" type="body"/>
+            <p:ph type="body" idx="1"/>
           </p:nvPr>
         </p:nvSpPr>
         <p:spPr>
@@ -1265,12 +1314,12 @@
           </a:prstGeom>
         </p:spPr>
         <p:txBody>
-          <a:bodyPr anchorCtr="0" anchor="t" bIns="91425" lIns="91425" spcFirstLastPara="1" rIns="91425" wrap="square" tIns="91425">
+          <a:bodyPr spcFirstLastPara="1" wrap="square" lIns="91425" tIns="91425" rIns="91425" bIns="91425" anchor="t" anchorCtr="0">
             <a:noAutofit/>
           </a:bodyPr>
           <a:lstStyle/>
           <a:p>
-            <a:pPr indent="0" lvl="0" marL="0" rtl="0" algn="l">
+            <a:pPr marL="0" lvl="0" indent="0" algn="l" rtl="0">
               <a:spcBef>
                 <a:spcPts val="0"/>
               </a:spcBef>
@@ -1279,9 +1328,6 @@
               </a:spcAft>
               <a:buNone/>
             </a:pPr>
-            <a:r>
-              <a:t/>
-            </a:r>
             <a:endParaRPr/>
           </a:p>
         </p:txBody>
@@ -1295,11 +1341,11 @@
 </file>
 
 <file path=ppt/notesSlides/notesSlide15.xml><?xml version="1.0" encoding="utf-8"?>
-<p:notes xmlns:a="http://schemas.openxmlformats.org/drawingml/2006/main" xmlns:r="http://schemas.openxmlformats.org/officeDocument/2006/relationships" xmlns:mc="http://schemas.openxmlformats.org/markup-compatibility/2006" xmlns:mv="urn:schemas-microsoft-com:mac:vml" xmlns:p="http://schemas.openxmlformats.org/presentationml/2006/main" xmlns:c="http://schemas.openxmlformats.org/drawingml/2006/chart" xmlns:dgm="http://schemas.openxmlformats.org/drawingml/2006/diagram" xmlns:o="urn:schemas-microsoft-com:office:office" xmlns:v="urn:schemas-microsoft-com:vml" xmlns:pvml="urn:schemas-microsoft-com:office:powerpoint" xmlns:com="http://schemas.openxmlformats.org/drawingml/2006/compatibility" xmlns:p14="http://schemas.microsoft.com/office/powerpoint/2010/main" xmlns:p15="http://schemas.microsoft.com/office/powerpoint/2012/main" xmlns:ahyp="http://schemas.microsoft.com/office/drawing/2018/hyperlinkcolor" showMasterPhAnim="0" showMasterSp="0">
+<p:notes xmlns:a="http://schemas.openxmlformats.org/drawingml/2006/main" xmlns:r="http://schemas.openxmlformats.org/officeDocument/2006/relationships" xmlns:p="http://schemas.openxmlformats.org/presentationml/2006/main" showMasterSp="0" showMasterPhAnim="0">
   <p:cSld>
     <p:spTree>
       <p:nvGrpSpPr>
-        <p:cNvPr id="144" name="Shape 144"/>
+        <p:cNvPr id="1" name="Shape 146"/>
         <p:cNvGrpSpPr/>
         <p:nvPr/>
       </p:nvGrpSpPr>
@@ -1313,10 +1359,12 @@
       </p:grpSpPr>
       <p:sp>
         <p:nvSpPr>
-          <p:cNvPr id="145" name="Google Shape;145;g3923356c5ed_3_74:notes"/>
-          <p:cNvSpPr/>
+          <p:cNvPr id="147" name="Google Shape;147;g3923356c5ed_3_74:notes"/>
+          <p:cNvSpPr>
+            <a:spLocks noGrp="1" noRot="1" noChangeAspect="1"/>
+          </p:cNvSpPr>
           <p:nvPr>
-            <p:ph idx="2" type="sldImg"/>
+            <p:ph type="sldImg" idx="2"/>
           </p:nvPr>
         </p:nvSpPr>
         <p:spPr>
@@ -1325,9 +1373,13 @@
             <a:ext cx="6096000" cy="3429000"/>
           </a:xfrm>
           <a:custGeom>
-            <a:rect b="b" l="l" r="r" t="t"/>
+            <a:avLst/>
+            <a:gdLst/>
+            <a:ahLst/>
+            <a:cxnLst/>
+            <a:rect l="l" t="t" r="r" b="b"/>
             <a:pathLst>
-              <a:path extrusionOk="0" h="120000" w="120000">
+              <a:path w="120000" h="120000" extrusionOk="0">
                 <a:moveTo>
                   <a:pt x="0" y="0"/>
                 </a:moveTo>
@@ -1348,10 +1400,12 @@
       </p:sp>
       <p:sp>
         <p:nvSpPr>
-          <p:cNvPr id="146" name="Google Shape;146;g3923356c5ed_3_74:notes"/>
-          <p:cNvSpPr txBox="1"/>
+          <p:cNvPr id="148" name="Google Shape;148;g3923356c5ed_3_74:notes"/>
+          <p:cNvSpPr txBox="1">
+            <a:spLocks noGrp="1"/>
+          </p:cNvSpPr>
           <p:nvPr>
-            <p:ph idx="1" type="body"/>
+            <p:ph type="body" idx="1"/>
           </p:nvPr>
         </p:nvSpPr>
         <p:spPr>
@@ -1364,12 +1418,12 @@
           </a:prstGeom>
         </p:spPr>
         <p:txBody>
-          <a:bodyPr anchorCtr="0" anchor="t" bIns="91425" lIns="91425" spcFirstLastPara="1" rIns="91425" wrap="square" tIns="91425">
+          <a:bodyPr spcFirstLastPara="1" wrap="square" lIns="91425" tIns="91425" rIns="91425" bIns="91425" anchor="t" anchorCtr="0">
             <a:noAutofit/>
           </a:bodyPr>
           <a:lstStyle/>
           <a:p>
-            <a:pPr indent="0" lvl="0" marL="0" rtl="0" algn="l">
+            <a:pPr marL="0" lvl="0" indent="0" algn="l" rtl="0">
               <a:spcBef>
                 <a:spcPts val="0"/>
               </a:spcBef>
@@ -1378,9 +1432,6 @@
               </a:spcAft>
               <a:buNone/>
             </a:pPr>
-            <a:r>
-              <a:t/>
-            </a:r>
             <a:endParaRPr/>
           </a:p>
         </p:txBody>
@@ -1393,12 +1444,12 @@
 </p:notes>
 </file>
 
-<file path=ppt/notesSlides/notesSlide2.xml><?xml version="1.0" encoding="utf-8"?>
-<p:notes xmlns:a="http://schemas.openxmlformats.org/drawingml/2006/main" xmlns:r="http://schemas.openxmlformats.org/officeDocument/2006/relationships" xmlns:mc="http://schemas.openxmlformats.org/markup-compatibility/2006" xmlns:mv="urn:schemas-microsoft-com:mac:vml" xmlns:p="http://schemas.openxmlformats.org/presentationml/2006/main" xmlns:c="http://schemas.openxmlformats.org/drawingml/2006/chart" xmlns:dgm="http://schemas.openxmlformats.org/drawingml/2006/diagram" xmlns:o="urn:schemas-microsoft-com:office:office" xmlns:v="urn:schemas-microsoft-com:vml" xmlns:pvml="urn:schemas-microsoft-com:office:powerpoint" xmlns:com="http://schemas.openxmlformats.org/drawingml/2006/compatibility" xmlns:p14="http://schemas.microsoft.com/office/powerpoint/2010/main" xmlns:p15="http://schemas.microsoft.com/office/powerpoint/2012/main" xmlns:ahyp="http://schemas.microsoft.com/office/drawing/2018/hyperlinkcolor" showMasterPhAnim="0" showMasterSp="0">
+<file path=ppt/notesSlides/notesSlide16.xml><?xml version="1.0" encoding="utf-8"?>
+<p:notes xmlns:a="http://schemas.openxmlformats.org/drawingml/2006/main" xmlns:r="http://schemas.openxmlformats.org/officeDocument/2006/relationships" xmlns:p="http://schemas.openxmlformats.org/presentationml/2006/main" showMasterSp="0" showMasterPhAnim="0">
   <p:cSld>
     <p:spTree>
       <p:nvGrpSpPr>
-        <p:cNvPr id="56" name="Shape 56"/>
+        <p:cNvPr id="1" name="Shape 152"/>
         <p:cNvGrpSpPr/>
         <p:nvPr/>
       </p:nvGrpSpPr>
@@ -1412,21 +1463,27 @@
       </p:grpSpPr>
       <p:sp>
         <p:nvSpPr>
-          <p:cNvPr id="57" name="Google Shape;57;p:notes"/>
-          <p:cNvSpPr/>
+          <p:cNvPr id="153" name="Google Shape;153;g3b61897cc0d_0_1:notes"/>
+          <p:cNvSpPr>
+            <a:spLocks noGrp="1" noRot="1" noChangeAspect="1"/>
+          </p:cNvSpPr>
           <p:nvPr>
-            <p:ph idx="2" type="sldImg"/>
+            <p:ph type="sldImg" idx="2"/>
           </p:nvPr>
         </p:nvSpPr>
         <p:spPr>
           <a:xfrm>
             <a:off x="381300" y="685800"/>
-            <a:ext cx="6096075" cy="3429000"/>
+            <a:ext cx="6096000" cy="3429000"/>
           </a:xfrm>
           <a:custGeom>
-            <a:rect b="b" l="l" r="r" t="t"/>
+            <a:avLst/>
+            <a:gdLst/>
+            <a:ahLst/>
+            <a:cxnLst/>
+            <a:rect l="l" t="t" r="r" b="b"/>
             <a:pathLst>
-              <a:path extrusionOk="0" h="120000" w="120000">
+              <a:path w="120000" h="120000" extrusionOk="0">
                 <a:moveTo>
                   <a:pt x="0" y="0"/>
                 </a:moveTo>
@@ -1447,10 +1504,12 @@
       </p:sp>
       <p:sp>
         <p:nvSpPr>
-          <p:cNvPr id="58" name="Google Shape;58;p:notes"/>
-          <p:cNvSpPr txBox="1"/>
+          <p:cNvPr id="154" name="Google Shape;154;g3b61897cc0d_0_1:notes"/>
+          <p:cNvSpPr txBox="1">
+            <a:spLocks noGrp="1"/>
+          </p:cNvSpPr>
           <p:nvPr>
-            <p:ph idx="1" type="body"/>
+            <p:ph type="body" idx="1"/>
           </p:nvPr>
         </p:nvSpPr>
         <p:spPr>
@@ -1463,12 +1522,12 @@
           </a:prstGeom>
         </p:spPr>
         <p:txBody>
-          <a:bodyPr anchorCtr="0" anchor="t" bIns="91425" lIns="91425" spcFirstLastPara="1" rIns="91425" wrap="square" tIns="91425">
+          <a:bodyPr spcFirstLastPara="1" wrap="square" lIns="91425" tIns="91425" rIns="91425" bIns="91425" anchor="t" anchorCtr="0">
             <a:noAutofit/>
           </a:bodyPr>
           <a:lstStyle/>
           <a:p>
-            <a:pPr indent="0" lvl="0" marL="0" rtl="0" algn="l">
+            <a:pPr marL="0" lvl="0" indent="0" algn="l" rtl="0">
               <a:spcBef>
                 <a:spcPts val="0"/>
               </a:spcBef>
@@ -1477,9 +1536,6 @@
               </a:spcAft>
               <a:buNone/>
             </a:pPr>
-            <a:r>
-              <a:t/>
-            </a:r>
             <a:endParaRPr/>
           </a:p>
         </p:txBody>
@@ -1492,12 +1548,12 @@
 </p:notes>
 </file>
 
-<file path=ppt/notesSlides/notesSlide3.xml><?xml version="1.0" encoding="utf-8"?>
-<p:notes xmlns:a="http://schemas.openxmlformats.org/drawingml/2006/main" xmlns:r="http://schemas.openxmlformats.org/officeDocument/2006/relationships" xmlns:mc="http://schemas.openxmlformats.org/markup-compatibility/2006" xmlns:mv="urn:schemas-microsoft-com:mac:vml" xmlns:p="http://schemas.openxmlformats.org/presentationml/2006/main" xmlns:c="http://schemas.openxmlformats.org/drawingml/2006/chart" xmlns:dgm="http://schemas.openxmlformats.org/drawingml/2006/diagram" xmlns:o="urn:schemas-microsoft-com:office:office" xmlns:v="urn:schemas-microsoft-com:vml" xmlns:pvml="urn:schemas-microsoft-com:office:powerpoint" xmlns:com="http://schemas.openxmlformats.org/drawingml/2006/compatibility" xmlns:p14="http://schemas.microsoft.com/office/powerpoint/2010/main" xmlns:p15="http://schemas.microsoft.com/office/powerpoint/2012/main" xmlns:ahyp="http://schemas.microsoft.com/office/drawing/2018/hyperlinkcolor" showMasterPhAnim="0" showMasterSp="0">
+<file path=ppt/notesSlides/notesSlide2.xml><?xml version="1.0" encoding="utf-8"?>
+<p:notes xmlns:a="http://schemas.openxmlformats.org/drawingml/2006/main" xmlns:r="http://schemas.openxmlformats.org/officeDocument/2006/relationships" xmlns:p="http://schemas.openxmlformats.org/presentationml/2006/main" showMasterSp="0" showMasterPhAnim="0">
   <p:cSld>
     <p:spTree>
       <p:nvGrpSpPr>
-        <p:cNvPr id="62" name="Shape 62"/>
+        <p:cNvPr id="1" name="Shape 56"/>
         <p:cNvGrpSpPr/>
         <p:nvPr/>
       </p:nvGrpSpPr>
@@ -1511,21 +1567,27 @@
       </p:grpSpPr>
       <p:sp>
         <p:nvSpPr>
-          <p:cNvPr id="63" name="Google Shape;63;g3923356c5ed_3_0:notes"/>
-          <p:cNvSpPr/>
+          <p:cNvPr id="57" name="Google Shape;57;p:notes"/>
+          <p:cNvSpPr>
+            <a:spLocks noGrp="1" noRot="1" noChangeAspect="1"/>
+          </p:cNvSpPr>
           <p:nvPr>
-            <p:ph idx="2" type="sldImg"/>
+            <p:ph type="sldImg" idx="2"/>
           </p:nvPr>
         </p:nvSpPr>
         <p:spPr>
           <a:xfrm>
             <a:off x="381300" y="685800"/>
-            <a:ext cx="6096000" cy="3429000"/>
+            <a:ext cx="6096075" cy="3429000"/>
           </a:xfrm>
           <a:custGeom>
-            <a:rect b="b" l="l" r="r" t="t"/>
+            <a:avLst/>
+            <a:gdLst/>
+            <a:ahLst/>
+            <a:cxnLst/>
+            <a:rect l="l" t="t" r="r" b="b"/>
             <a:pathLst>
-              <a:path extrusionOk="0" h="120000" w="120000">
+              <a:path w="120000" h="120000" extrusionOk="0">
                 <a:moveTo>
                   <a:pt x="0" y="0"/>
                 </a:moveTo>
@@ -1546,10 +1608,12 @@
       </p:sp>
       <p:sp>
         <p:nvSpPr>
-          <p:cNvPr id="64" name="Google Shape;64;g3923356c5ed_3_0:notes"/>
-          <p:cNvSpPr txBox="1"/>
+          <p:cNvPr id="58" name="Google Shape;58;p:notes"/>
+          <p:cNvSpPr txBox="1">
+            <a:spLocks noGrp="1"/>
+          </p:cNvSpPr>
           <p:nvPr>
-            <p:ph idx="1" type="body"/>
+            <p:ph type="body" idx="1"/>
           </p:nvPr>
         </p:nvSpPr>
         <p:spPr>
@@ -1562,12 +1626,12 @@
           </a:prstGeom>
         </p:spPr>
         <p:txBody>
-          <a:bodyPr anchorCtr="0" anchor="t" bIns="91425" lIns="91425" spcFirstLastPara="1" rIns="91425" wrap="square" tIns="91425">
+          <a:bodyPr spcFirstLastPara="1" wrap="square" lIns="91425" tIns="91425" rIns="91425" bIns="91425" anchor="t" anchorCtr="0">
             <a:noAutofit/>
           </a:bodyPr>
           <a:lstStyle/>
           <a:p>
-            <a:pPr indent="0" lvl="0" marL="0" rtl="0" algn="l">
+            <a:pPr marL="0" lvl="0" indent="0" algn="l" rtl="0">
               <a:spcBef>
                 <a:spcPts val="0"/>
               </a:spcBef>
@@ -1576,9 +1640,6 @@
               </a:spcAft>
               <a:buNone/>
             </a:pPr>
-            <a:r>
-              <a:t/>
-            </a:r>
             <a:endParaRPr/>
           </a:p>
         </p:txBody>
@@ -1591,12 +1652,12 @@
 </p:notes>
 </file>
 
-<file path=ppt/notesSlides/notesSlide4.xml><?xml version="1.0" encoding="utf-8"?>
-<p:notes xmlns:a="http://schemas.openxmlformats.org/drawingml/2006/main" xmlns:r="http://schemas.openxmlformats.org/officeDocument/2006/relationships" xmlns:mc="http://schemas.openxmlformats.org/markup-compatibility/2006" xmlns:mv="urn:schemas-microsoft-com:mac:vml" xmlns:p="http://schemas.openxmlformats.org/presentationml/2006/main" xmlns:c="http://schemas.openxmlformats.org/drawingml/2006/chart" xmlns:dgm="http://schemas.openxmlformats.org/drawingml/2006/diagram" xmlns:o="urn:schemas-microsoft-com:office:office" xmlns:v="urn:schemas-microsoft-com:vml" xmlns:pvml="urn:schemas-microsoft-com:office:powerpoint" xmlns:com="http://schemas.openxmlformats.org/drawingml/2006/compatibility" xmlns:p14="http://schemas.microsoft.com/office/powerpoint/2010/main" xmlns:p15="http://schemas.microsoft.com/office/powerpoint/2012/main" xmlns:ahyp="http://schemas.microsoft.com/office/drawing/2018/hyperlinkcolor" showMasterPhAnim="0" showMasterSp="0">
+<file path=ppt/notesSlides/notesSlide3.xml><?xml version="1.0" encoding="utf-8"?>
+<p:notes xmlns:a="http://schemas.openxmlformats.org/drawingml/2006/main" xmlns:r="http://schemas.openxmlformats.org/officeDocument/2006/relationships" xmlns:p="http://schemas.openxmlformats.org/presentationml/2006/main" showMasterSp="0" showMasterPhAnim="0">
   <p:cSld>
     <p:spTree>
       <p:nvGrpSpPr>
-        <p:cNvPr id="69" name="Shape 69"/>
+        <p:cNvPr id="1" name="Shape 62"/>
         <p:cNvGrpSpPr/>
         <p:nvPr/>
       </p:nvGrpSpPr>
@@ -1610,10 +1671,12 @@
       </p:grpSpPr>
       <p:sp>
         <p:nvSpPr>
-          <p:cNvPr id="70" name="Google Shape;70;g3923356c5ed_3_7:notes"/>
-          <p:cNvSpPr/>
+          <p:cNvPr id="63" name="Google Shape;63;g3923356c5ed_3_0:notes"/>
+          <p:cNvSpPr>
+            <a:spLocks noGrp="1" noRot="1" noChangeAspect="1"/>
+          </p:cNvSpPr>
           <p:nvPr>
-            <p:ph idx="2" type="sldImg"/>
+            <p:ph type="sldImg" idx="2"/>
           </p:nvPr>
         </p:nvSpPr>
         <p:spPr>
@@ -1622,9 +1685,13 @@
             <a:ext cx="6096000" cy="3429000"/>
           </a:xfrm>
           <a:custGeom>
-            <a:rect b="b" l="l" r="r" t="t"/>
+            <a:avLst/>
+            <a:gdLst/>
+            <a:ahLst/>
+            <a:cxnLst/>
+            <a:rect l="l" t="t" r="r" b="b"/>
             <a:pathLst>
-              <a:path extrusionOk="0" h="120000" w="120000">
+              <a:path w="120000" h="120000" extrusionOk="0">
                 <a:moveTo>
                   <a:pt x="0" y="0"/>
                 </a:moveTo>
@@ -1645,10 +1712,12 @@
       </p:sp>
       <p:sp>
         <p:nvSpPr>
-          <p:cNvPr id="71" name="Google Shape;71;g3923356c5ed_3_7:notes"/>
-          <p:cNvSpPr txBox="1"/>
+          <p:cNvPr id="64" name="Google Shape;64;g3923356c5ed_3_0:notes"/>
+          <p:cNvSpPr txBox="1">
+            <a:spLocks noGrp="1"/>
+          </p:cNvSpPr>
           <p:nvPr>
-            <p:ph idx="1" type="body"/>
+            <p:ph type="body" idx="1"/>
           </p:nvPr>
         </p:nvSpPr>
         <p:spPr>
@@ -1661,12 +1730,12 @@
           </a:prstGeom>
         </p:spPr>
         <p:txBody>
-          <a:bodyPr anchorCtr="0" anchor="t" bIns="91425" lIns="91425" spcFirstLastPara="1" rIns="91425" wrap="square" tIns="91425">
+          <a:bodyPr spcFirstLastPara="1" wrap="square" lIns="91425" tIns="91425" rIns="91425" bIns="91425" anchor="t" anchorCtr="0">
             <a:noAutofit/>
           </a:bodyPr>
           <a:lstStyle/>
           <a:p>
-            <a:pPr indent="0" lvl="0" marL="0" rtl="0" algn="l">
+            <a:pPr marL="0" lvl="0" indent="0" algn="l" rtl="0">
               <a:spcBef>
                 <a:spcPts val="0"/>
               </a:spcBef>
@@ -1675,9 +1744,6 @@
               </a:spcAft>
               <a:buNone/>
             </a:pPr>
-            <a:r>
-              <a:t/>
-            </a:r>
             <a:endParaRPr/>
           </a:p>
         </p:txBody>
@@ -1690,12 +1756,12 @@
 </p:notes>
 </file>
 
-<file path=ppt/notesSlides/notesSlide5.xml><?xml version="1.0" encoding="utf-8"?>
-<p:notes xmlns:a="http://schemas.openxmlformats.org/drawingml/2006/main" xmlns:r="http://schemas.openxmlformats.org/officeDocument/2006/relationships" xmlns:mc="http://schemas.openxmlformats.org/markup-compatibility/2006" xmlns:mv="urn:schemas-microsoft-com:mac:vml" xmlns:p="http://schemas.openxmlformats.org/presentationml/2006/main" xmlns:c="http://schemas.openxmlformats.org/drawingml/2006/chart" xmlns:dgm="http://schemas.openxmlformats.org/drawingml/2006/diagram" xmlns:o="urn:schemas-microsoft-com:office:office" xmlns:v="urn:schemas-microsoft-com:vml" xmlns:pvml="urn:schemas-microsoft-com:office:powerpoint" xmlns:com="http://schemas.openxmlformats.org/drawingml/2006/compatibility" xmlns:p14="http://schemas.microsoft.com/office/powerpoint/2010/main" xmlns:p15="http://schemas.microsoft.com/office/powerpoint/2012/main" xmlns:ahyp="http://schemas.microsoft.com/office/drawing/2018/hyperlinkcolor" showMasterPhAnim="0" showMasterSp="0">
+<file path=ppt/notesSlides/notesSlide4.xml><?xml version="1.0" encoding="utf-8"?>
+<p:notes xmlns:a="http://schemas.openxmlformats.org/drawingml/2006/main" xmlns:r="http://schemas.openxmlformats.org/officeDocument/2006/relationships" xmlns:p="http://schemas.openxmlformats.org/presentationml/2006/main" showMasterSp="0" showMasterPhAnim="0">
   <p:cSld>
     <p:spTree>
       <p:nvGrpSpPr>
-        <p:cNvPr id="76" name="Shape 76"/>
+        <p:cNvPr id="1" name="Shape 69"/>
         <p:cNvGrpSpPr/>
         <p:nvPr/>
       </p:nvGrpSpPr>
@@ -1709,10 +1775,12 @@
       </p:grpSpPr>
       <p:sp>
         <p:nvSpPr>
-          <p:cNvPr id="77" name="Google Shape;77;g3923356c5ed_3_13:notes"/>
-          <p:cNvSpPr/>
+          <p:cNvPr id="70" name="Google Shape;70;g3923356c5ed_3_7:notes"/>
+          <p:cNvSpPr>
+            <a:spLocks noGrp="1" noRot="1" noChangeAspect="1"/>
+          </p:cNvSpPr>
           <p:nvPr>
-            <p:ph idx="2" type="sldImg"/>
+            <p:ph type="sldImg" idx="2"/>
           </p:nvPr>
         </p:nvSpPr>
         <p:spPr>
@@ -1721,9 +1789,13 @@
             <a:ext cx="6096000" cy="3429000"/>
           </a:xfrm>
           <a:custGeom>
-            <a:rect b="b" l="l" r="r" t="t"/>
+            <a:avLst/>
+            <a:gdLst/>
+            <a:ahLst/>
+            <a:cxnLst/>
+            <a:rect l="l" t="t" r="r" b="b"/>
             <a:pathLst>
-              <a:path extrusionOk="0" h="120000" w="120000">
+              <a:path w="120000" h="120000" extrusionOk="0">
                 <a:moveTo>
                   <a:pt x="0" y="0"/>
                 </a:moveTo>
@@ -1744,10 +1816,12 @@
       </p:sp>
       <p:sp>
         <p:nvSpPr>
-          <p:cNvPr id="78" name="Google Shape;78;g3923356c5ed_3_13:notes"/>
-          <p:cNvSpPr txBox="1"/>
+          <p:cNvPr id="71" name="Google Shape;71;g3923356c5ed_3_7:notes"/>
+          <p:cNvSpPr txBox="1">
+            <a:spLocks noGrp="1"/>
+          </p:cNvSpPr>
           <p:nvPr>
-            <p:ph idx="1" type="body"/>
+            <p:ph type="body" idx="1"/>
           </p:nvPr>
         </p:nvSpPr>
         <p:spPr>
@@ -1760,12 +1834,12 @@
           </a:prstGeom>
         </p:spPr>
         <p:txBody>
-          <a:bodyPr anchorCtr="0" anchor="t" bIns="91425" lIns="91425" spcFirstLastPara="1" rIns="91425" wrap="square" tIns="91425">
+          <a:bodyPr spcFirstLastPara="1" wrap="square" lIns="91425" tIns="91425" rIns="91425" bIns="91425" anchor="t" anchorCtr="0">
             <a:noAutofit/>
           </a:bodyPr>
           <a:lstStyle/>
           <a:p>
-            <a:pPr indent="0" lvl="0" marL="0" rtl="0" algn="l">
+            <a:pPr marL="0" lvl="0" indent="0" algn="l" rtl="0">
               <a:spcBef>
                 <a:spcPts val="0"/>
               </a:spcBef>
@@ -1774,9 +1848,6 @@
               </a:spcAft>
               <a:buNone/>
             </a:pPr>
-            <a:r>
-              <a:t/>
-            </a:r>
             <a:endParaRPr/>
           </a:p>
         </p:txBody>
@@ -1789,12 +1860,12 @@
 </p:notes>
 </file>
 
-<file path=ppt/notesSlides/notesSlide6.xml><?xml version="1.0" encoding="utf-8"?>
-<p:notes xmlns:a="http://schemas.openxmlformats.org/drawingml/2006/main" xmlns:r="http://schemas.openxmlformats.org/officeDocument/2006/relationships" xmlns:mc="http://schemas.openxmlformats.org/markup-compatibility/2006" xmlns:mv="urn:schemas-microsoft-com:mac:vml" xmlns:p="http://schemas.openxmlformats.org/presentationml/2006/main" xmlns:c="http://schemas.openxmlformats.org/drawingml/2006/chart" xmlns:dgm="http://schemas.openxmlformats.org/drawingml/2006/diagram" xmlns:o="urn:schemas-microsoft-com:office:office" xmlns:v="urn:schemas-microsoft-com:vml" xmlns:pvml="urn:schemas-microsoft-com:office:powerpoint" xmlns:com="http://schemas.openxmlformats.org/drawingml/2006/compatibility" xmlns:p14="http://schemas.microsoft.com/office/powerpoint/2010/main" xmlns:p15="http://schemas.microsoft.com/office/powerpoint/2012/main" xmlns:ahyp="http://schemas.microsoft.com/office/drawing/2018/hyperlinkcolor" showMasterPhAnim="0" showMasterSp="0">
+<file path=ppt/notesSlides/notesSlide5.xml><?xml version="1.0" encoding="utf-8"?>
+<p:notes xmlns:a="http://schemas.openxmlformats.org/drawingml/2006/main" xmlns:r="http://schemas.openxmlformats.org/officeDocument/2006/relationships" xmlns:p="http://schemas.openxmlformats.org/presentationml/2006/main" showMasterSp="0" showMasterPhAnim="0">
   <p:cSld>
     <p:spTree>
       <p:nvGrpSpPr>
-        <p:cNvPr id="83" name="Shape 83"/>
+        <p:cNvPr id="1" name="Shape 76"/>
         <p:cNvGrpSpPr/>
         <p:nvPr/>
       </p:nvGrpSpPr>
@@ -1808,10 +1879,12 @@
       </p:grpSpPr>
       <p:sp>
         <p:nvSpPr>
-          <p:cNvPr id="84" name="Google Shape;84;g3923356c5ed_3_18:notes"/>
-          <p:cNvSpPr/>
+          <p:cNvPr id="77" name="Google Shape;77;g3923356c5ed_3_13:notes"/>
+          <p:cNvSpPr>
+            <a:spLocks noGrp="1" noRot="1" noChangeAspect="1"/>
+          </p:cNvSpPr>
           <p:nvPr>
-            <p:ph idx="2" type="sldImg"/>
+            <p:ph type="sldImg" idx="2"/>
           </p:nvPr>
         </p:nvSpPr>
         <p:spPr>
@@ -1820,9 +1893,13 @@
             <a:ext cx="6096000" cy="3429000"/>
           </a:xfrm>
           <a:custGeom>
-            <a:rect b="b" l="l" r="r" t="t"/>
+            <a:avLst/>
+            <a:gdLst/>
+            <a:ahLst/>
+            <a:cxnLst/>
+            <a:rect l="l" t="t" r="r" b="b"/>
             <a:pathLst>
-              <a:path extrusionOk="0" h="120000" w="120000">
+              <a:path w="120000" h="120000" extrusionOk="0">
                 <a:moveTo>
                   <a:pt x="0" y="0"/>
                 </a:moveTo>
@@ -1843,10 +1920,12 @@
       </p:sp>
       <p:sp>
         <p:nvSpPr>
-          <p:cNvPr id="85" name="Google Shape;85;g3923356c5ed_3_18:notes"/>
-          <p:cNvSpPr txBox="1"/>
+          <p:cNvPr id="78" name="Google Shape;78;g3923356c5ed_3_13:notes"/>
+          <p:cNvSpPr txBox="1">
+            <a:spLocks noGrp="1"/>
+          </p:cNvSpPr>
           <p:nvPr>
-            <p:ph idx="1" type="body"/>
+            <p:ph type="body" idx="1"/>
           </p:nvPr>
         </p:nvSpPr>
         <p:spPr>
@@ -1859,12 +1938,12 @@
           </a:prstGeom>
         </p:spPr>
         <p:txBody>
-          <a:bodyPr anchorCtr="0" anchor="t" bIns="91425" lIns="91425" spcFirstLastPara="1" rIns="91425" wrap="square" tIns="91425">
+          <a:bodyPr spcFirstLastPara="1" wrap="square" lIns="91425" tIns="91425" rIns="91425" bIns="91425" anchor="t" anchorCtr="0">
             <a:noAutofit/>
           </a:bodyPr>
           <a:lstStyle/>
           <a:p>
-            <a:pPr indent="0" lvl="0" marL="0" rtl="0" algn="l">
+            <a:pPr marL="0" lvl="0" indent="0" algn="l" rtl="0">
               <a:spcBef>
                 <a:spcPts val="0"/>
               </a:spcBef>
@@ -1873,9 +1952,6 @@
               </a:spcAft>
               <a:buNone/>
             </a:pPr>
-            <a:r>
-              <a:t/>
-            </a:r>
             <a:endParaRPr/>
           </a:p>
         </p:txBody>
@@ -1888,12 +1964,12 @@
 </p:notes>
 </file>
 
-<file path=ppt/notesSlides/notesSlide7.xml><?xml version="1.0" encoding="utf-8"?>
-<p:notes xmlns:a="http://schemas.openxmlformats.org/drawingml/2006/main" xmlns:r="http://schemas.openxmlformats.org/officeDocument/2006/relationships" xmlns:mc="http://schemas.openxmlformats.org/markup-compatibility/2006" xmlns:mv="urn:schemas-microsoft-com:mac:vml" xmlns:p="http://schemas.openxmlformats.org/presentationml/2006/main" xmlns:c="http://schemas.openxmlformats.org/drawingml/2006/chart" xmlns:dgm="http://schemas.openxmlformats.org/drawingml/2006/diagram" xmlns:o="urn:schemas-microsoft-com:office:office" xmlns:v="urn:schemas-microsoft-com:vml" xmlns:pvml="urn:schemas-microsoft-com:office:powerpoint" xmlns:com="http://schemas.openxmlformats.org/drawingml/2006/compatibility" xmlns:p14="http://schemas.microsoft.com/office/powerpoint/2010/main" xmlns:p15="http://schemas.microsoft.com/office/powerpoint/2012/main" xmlns:ahyp="http://schemas.microsoft.com/office/drawing/2018/hyperlinkcolor" showMasterPhAnim="0" showMasterSp="0">
+<file path=ppt/notesSlides/notesSlide6.xml><?xml version="1.0" encoding="utf-8"?>
+<p:notes xmlns:a="http://schemas.openxmlformats.org/drawingml/2006/main" xmlns:r="http://schemas.openxmlformats.org/officeDocument/2006/relationships" xmlns:p="http://schemas.openxmlformats.org/presentationml/2006/main" showMasterSp="0" showMasterPhAnim="0">
   <p:cSld>
     <p:spTree>
       <p:nvGrpSpPr>
-        <p:cNvPr id="90" name="Shape 90"/>
+        <p:cNvPr id="1" name="Shape 83"/>
         <p:cNvGrpSpPr/>
         <p:nvPr/>
       </p:nvGrpSpPr>
@@ -1907,10 +1983,12 @@
       </p:grpSpPr>
       <p:sp>
         <p:nvSpPr>
-          <p:cNvPr id="91" name="Google Shape;91;g3923356c5ed_3_23:notes"/>
-          <p:cNvSpPr/>
+          <p:cNvPr id="84" name="Google Shape;84;g3923356c5ed_3_18:notes"/>
+          <p:cNvSpPr>
+            <a:spLocks noGrp="1" noRot="1" noChangeAspect="1"/>
+          </p:cNvSpPr>
           <p:nvPr>
-            <p:ph idx="2" type="sldImg"/>
+            <p:ph type="sldImg" idx="2"/>
           </p:nvPr>
         </p:nvSpPr>
         <p:spPr>
@@ -1919,9 +1997,13 @@
             <a:ext cx="6096000" cy="3429000"/>
           </a:xfrm>
           <a:custGeom>
-            <a:rect b="b" l="l" r="r" t="t"/>
+            <a:avLst/>
+            <a:gdLst/>
+            <a:ahLst/>
+            <a:cxnLst/>
+            <a:rect l="l" t="t" r="r" b="b"/>
             <a:pathLst>
-              <a:path extrusionOk="0" h="120000" w="120000">
+              <a:path w="120000" h="120000" extrusionOk="0">
                 <a:moveTo>
                   <a:pt x="0" y="0"/>
                 </a:moveTo>
@@ -1942,10 +2024,12 @@
       </p:sp>
       <p:sp>
         <p:nvSpPr>
-          <p:cNvPr id="92" name="Google Shape;92;g3923356c5ed_3_23:notes"/>
-          <p:cNvSpPr txBox="1"/>
+          <p:cNvPr id="85" name="Google Shape;85;g3923356c5ed_3_18:notes"/>
+          <p:cNvSpPr txBox="1">
+            <a:spLocks noGrp="1"/>
+          </p:cNvSpPr>
           <p:nvPr>
-            <p:ph idx="1" type="body"/>
+            <p:ph type="body" idx="1"/>
           </p:nvPr>
         </p:nvSpPr>
         <p:spPr>
@@ -1958,12 +2042,12 @@
           </a:prstGeom>
         </p:spPr>
         <p:txBody>
-          <a:bodyPr anchorCtr="0" anchor="t" bIns="91425" lIns="91425" spcFirstLastPara="1" rIns="91425" wrap="square" tIns="91425">
+          <a:bodyPr spcFirstLastPara="1" wrap="square" lIns="91425" tIns="91425" rIns="91425" bIns="91425" anchor="t" anchorCtr="0">
             <a:noAutofit/>
           </a:bodyPr>
           <a:lstStyle/>
           <a:p>
-            <a:pPr indent="0" lvl="0" marL="0" rtl="0" algn="l">
+            <a:pPr marL="0" lvl="0" indent="0" algn="l" rtl="0">
               <a:spcBef>
                 <a:spcPts val="0"/>
               </a:spcBef>
@@ -1972,9 +2056,6 @@
               </a:spcAft>
               <a:buNone/>
             </a:pPr>
-            <a:r>
-              <a:t/>
-            </a:r>
             <a:endParaRPr/>
           </a:p>
         </p:txBody>
@@ -1987,12 +2068,12 @@
 </p:notes>
 </file>
 
-<file path=ppt/notesSlides/notesSlide8.xml><?xml version="1.0" encoding="utf-8"?>
-<p:notes xmlns:a="http://schemas.openxmlformats.org/drawingml/2006/main" xmlns:r="http://schemas.openxmlformats.org/officeDocument/2006/relationships" xmlns:mc="http://schemas.openxmlformats.org/markup-compatibility/2006" xmlns:mv="urn:schemas-microsoft-com:mac:vml" xmlns:p="http://schemas.openxmlformats.org/presentationml/2006/main" xmlns:c="http://schemas.openxmlformats.org/drawingml/2006/chart" xmlns:dgm="http://schemas.openxmlformats.org/drawingml/2006/diagram" xmlns:o="urn:schemas-microsoft-com:office:office" xmlns:v="urn:schemas-microsoft-com:vml" xmlns:pvml="urn:schemas-microsoft-com:office:powerpoint" xmlns:com="http://schemas.openxmlformats.org/drawingml/2006/compatibility" xmlns:p14="http://schemas.microsoft.com/office/powerpoint/2010/main" xmlns:p15="http://schemas.microsoft.com/office/powerpoint/2012/main" xmlns:ahyp="http://schemas.microsoft.com/office/drawing/2018/hyperlinkcolor" showMasterPhAnim="0" showMasterSp="0">
+<file path=ppt/notesSlides/notesSlide7.xml><?xml version="1.0" encoding="utf-8"?>
+<p:notes xmlns:a="http://schemas.openxmlformats.org/drawingml/2006/main" xmlns:r="http://schemas.openxmlformats.org/officeDocument/2006/relationships" xmlns:p="http://schemas.openxmlformats.org/presentationml/2006/main" showMasterSp="0" showMasterPhAnim="0">
   <p:cSld>
     <p:spTree>
       <p:nvGrpSpPr>
-        <p:cNvPr id="97" name="Shape 97"/>
+        <p:cNvPr id="1" name="Shape 90"/>
         <p:cNvGrpSpPr/>
         <p:nvPr/>
       </p:nvGrpSpPr>
@@ -2006,10 +2087,12 @@
       </p:grpSpPr>
       <p:sp>
         <p:nvSpPr>
-          <p:cNvPr id="98" name="Google Shape;98;g3923356c5ed_3_31:notes"/>
-          <p:cNvSpPr/>
+          <p:cNvPr id="91" name="Google Shape;91;g3923356c5ed_3_23:notes"/>
+          <p:cNvSpPr>
+            <a:spLocks noGrp="1" noRot="1" noChangeAspect="1"/>
+          </p:cNvSpPr>
           <p:nvPr>
-            <p:ph idx="2" type="sldImg"/>
+            <p:ph type="sldImg" idx="2"/>
           </p:nvPr>
         </p:nvSpPr>
         <p:spPr>
@@ -2018,9 +2101,13 @@
             <a:ext cx="6096000" cy="3429000"/>
           </a:xfrm>
           <a:custGeom>
-            <a:rect b="b" l="l" r="r" t="t"/>
+            <a:avLst/>
+            <a:gdLst/>
+            <a:ahLst/>
+            <a:cxnLst/>
+            <a:rect l="l" t="t" r="r" b="b"/>
             <a:pathLst>
-              <a:path extrusionOk="0" h="120000" w="120000">
+              <a:path w="120000" h="120000" extrusionOk="0">
                 <a:moveTo>
                   <a:pt x="0" y="0"/>
                 </a:moveTo>
@@ -2041,10 +2128,12 @@
       </p:sp>
       <p:sp>
         <p:nvSpPr>
-          <p:cNvPr id="99" name="Google Shape;99;g3923356c5ed_3_31:notes"/>
-          <p:cNvSpPr txBox="1"/>
+          <p:cNvPr id="92" name="Google Shape;92;g3923356c5ed_3_23:notes"/>
+          <p:cNvSpPr txBox="1">
+            <a:spLocks noGrp="1"/>
+          </p:cNvSpPr>
           <p:nvPr>
-            <p:ph idx="1" type="body"/>
+            <p:ph type="body" idx="1"/>
           </p:nvPr>
         </p:nvSpPr>
         <p:spPr>
@@ -2057,12 +2146,12 @@
           </a:prstGeom>
         </p:spPr>
         <p:txBody>
-          <a:bodyPr anchorCtr="0" anchor="t" bIns="91425" lIns="91425" spcFirstLastPara="1" rIns="91425" wrap="square" tIns="91425">
+          <a:bodyPr spcFirstLastPara="1" wrap="square" lIns="91425" tIns="91425" rIns="91425" bIns="91425" anchor="t" anchorCtr="0">
             <a:noAutofit/>
           </a:bodyPr>
           <a:lstStyle/>
           <a:p>
-            <a:pPr indent="0" lvl="0" marL="0" rtl="0" algn="l">
+            <a:pPr marL="0" lvl="0" indent="0" algn="l" rtl="0">
               <a:spcBef>
                 <a:spcPts val="0"/>
               </a:spcBef>
@@ -2071,9 +2160,6 @@
               </a:spcAft>
               <a:buNone/>
             </a:pPr>
-            <a:r>
-              <a:t/>
-            </a:r>
             <a:endParaRPr/>
           </a:p>
         </p:txBody>
@@ -2086,12 +2172,12 @@
 </p:notes>
 </file>
 
-<file path=ppt/notesSlides/notesSlide9.xml><?xml version="1.0" encoding="utf-8"?>
-<p:notes xmlns:a="http://schemas.openxmlformats.org/drawingml/2006/main" xmlns:r="http://schemas.openxmlformats.org/officeDocument/2006/relationships" xmlns:mc="http://schemas.openxmlformats.org/markup-compatibility/2006" xmlns:mv="urn:schemas-microsoft-com:mac:vml" xmlns:p="http://schemas.openxmlformats.org/presentationml/2006/main" xmlns:c="http://schemas.openxmlformats.org/drawingml/2006/chart" xmlns:dgm="http://schemas.openxmlformats.org/drawingml/2006/diagram" xmlns:o="urn:schemas-microsoft-com:office:office" xmlns:v="urn:schemas-microsoft-com:vml" xmlns:pvml="urn:schemas-microsoft-com:office:powerpoint" xmlns:com="http://schemas.openxmlformats.org/drawingml/2006/compatibility" xmlns:p14="http://schemas.microsoft.com/office/powerpoint/2010/main" xmlns:p15="http://schemas.microsoft.com/office/powerpoint/2012/main" xmlns:ahyp="http://schemas.microsoft.com/office/drawing/2018/hyperlinkcolor" showMasterPhAnim="0" showMasterSp="0">
+<file path=ppt/notesSlides/notesSlide8.xml><?xml version="1.0" encoding="utf-8"?>
+<p:notes xmlns:a="http://schemas.openxmlformats.org/drawingml/2006/main" xmlns:r="http://schemas.openxmlformats.org/officeDocument/2006/relationships" xmlns:p="http://schemas.openxmlformats.org/presentationml/2006/main" showMasterSp="0" showMasterPhAnim="0">
   <p:cSld>
     <p:spTree>
       <p:nvGrpSpPr>
-        <p:cNvPr id="104" name="Shape 104"/>
+        <p:cNvPr id="1" name="Shape 97"/>
         <p:cNvGrpSpPr/>
         <p:nvPr/>
       </p:nvGrpSpPr>
@@ -2105,10 +2191,12 @@
       </p:grpSpPr>
       <p:sp>
         <p:nvSpPr>
-          <p:cNvPr id="105" name="Google Shape;105;g3923356c5ed_3_36:notes"/>
-          <p:cNvSpPr/>
+          <p:cNvPr id="98" name="Google Shape;98;g3923356c5ed_3_31:notes"/>
+          <p:cNvSpPr>
+            <a:spLocks noGrp="1" noRot="1" noChangeAspect="1"/>
+          </p:cNvSpPr>
           <p:nvPr>
-            <p:ph idx="2" type="sldImg"/>
+            <p:ph type="sldImg" idx="2"/>
           </p:nvPr>
         </p:nvSpPr>
         <p:spPr>
@@ -2117,9 +2205,13 @@
             <a:ext cx="6096000" cy="3429000"/>
           </a:xfrm>
           <a:custGeom>
-            <a:rect b="b" l="l" r="r" t="t"/>
+            <a:avLst/>
+            <a:gdLst/>
+            <a:ahLst/>
+            <a:cxnLst/>
+            <a:rect l="l" t="t" r="r" b="b"/>
             <a:pathLst>
-              <a:path extrusionOk="0" h="120000" w="120000">
+              <a:path w="120000" h="120000" extrusionOk="0">
                 <a:moveTo>
                   <a:pt x="0" y="0"/>
                 </a:moveTo>
@@ -2140,10 +2232,12 @@
       </p:sp>
       <p:sp>
         <p:nvSpPr>
-          <p:cNvPr id="106" name="Google Shape;106;g3923356c5ed_3_36:notes"/>
-          <p:cNvSpPr txBox="1"/>
+          <p:cNvPr id="99" name="Google Shape;99;g3923356c5ed_3_31:notes"/>
+          <p:cNvSpPr txBox="1">
+            <a:spLocks noGrp="1"/>
+          </p:cNvSpPr>
           <p:nvPr>
-            <p:ph idx="1" type="body"/>
+            <p:ph type="body" idx="1"/>
           </p:nvPr>
         </p:nvSpPr>
         <p:spPr>
@@ -2156,12 +2250,12 @@
           </a:prstGeom>
         </p:spPr>
         <p:txBody>
-          <a:bodyPr anchorCtr="0" anchor="t" bIns="91425" lIns="91425" spcFirstLastPara="1" rIns="91425" wrap="square" tIns="91425">
+          <a:bodyPr spcFirstLastPara="1" wrap="square" lIns="91425" tIns="91425" rIns="91425" bIns="91425" anchor="t" anchorCtr="0">
             <a:noAutofit/>
           </a:bodyPr>
           <a:lstStyle/>
           <a:p>
-            <a:pPr indent="0" lvl="0" marL="0" rtl="0" algn="l">
+            <a:pPr marL="0" lvl="0" indent="0" algn="l" rtl="0">
               <a:spcBef>
                 <a:spcPts val="0"/>
               </a:spcBef>
@@ -2170,9 +2264,110 @@
               </a:spcAft>
               <a:buNone/>
             </a:pPr>
-            <a:r>
-              <a:t/>
-            </a:r>
+            <a:endParaRPr/>
+          </a:p>
+        </p:txBody>
+      </p:sp>
+    </p:spTree>
+  </p:cSld>
+  <p:clrMapOvr>
+    <a:masterClrMapping/>
+  </p:clrMapOvr>
+</p:notes>
+</file>
+
+<file path=ppt/notesSlides/notesSlide9.xml><?xml version="1.0" encoding="utf-8"?>
+<p:notes xmlns:a="http://schemas.openxmlformats.org/drawingml/2006/main" xmlns:r="http://schemas.openxmlformats.org/officeDocument/2006/relationships" xmlns:p="http://schemas.openxmlformats.org/presentationml/2006/main" showMasterSp="0" showMasterPhAnim="0">
+  <p:cSld>
+    <p:spTree>
+      <p:nvGrpSpPr>
+        <p:cNvPr id="1" name="Shape 104"/>
+        <p:cNvGrpSpPr/>
+        <p:nvPr/>
+      </p:nvGrpSpPr>
+      <p:grpSpPr>
+        <a:xfrm>
+          <a:off x="0" y="0"/>
+          <a:ext cx="0" cy="0"/>
+          <a:chOff x="0" y="0"/>
+          <a:chExt cx="0" cy="0"/>
+        </a:xfrm>
+      </p:grpSpPr>
+      <p:sp>
+        <p:nvSpPr>
+          <p:cNvPr id="105" name="Google Shape;105;g3923356c5ed_3_36:notes"/>
+          <p:cNvSpPr>
+            <a:spLocks noGrp="1" noRot="1" noChangeAspect="1"/>
+          </p:cNvSpPr>
+          <p:nvPr>
+            <p:ph type="sldImg" idx="2"/>
+          </p:nvPr>
+        </p:nvSpPr>
+        <p:spPr>
+          <a:xfrm>
+            <a:off x="381300" y="685800"/>
+            <a:ext cx="6096000" cy="3429000"/>
+          </a:xfrm>
+          <a:custGeom>
+            <a:avLst/>
+            <a:gdLst/>
+            <a:ahLst/>
+            <a:cxnLst/>
+            <a:rect l="l" t="t" r="r" b="b"/>
+            <a:pathLst>
+              <a:path w="120000" h="120000" extrusionOk="0">
+                <a:moveTo>
+                  <a:pt x="0" y="0"/>
+                </a:moveTo>
+                <a:lnTo>
+                  <a:pt x="120000" y="0"/>
+                </a:lnTo>
+                <a:lnTo>
+                  <a:pt x="120000" y="120000"/>
+                </a:lnTo>
+                <a:lnTo>
+                  <a:pt x="0" y="120000"/>
+                </a:lnTo>
+                <a:close/>
+              </a:path>
+            </a:pathLst>
+          </a:custGeom>
+        </p:spPr>
+      </p:sp>
+      <p:sp>
+        <p:nvSpPr>
+          <p:cNvPr id="106" name="Google Shape;106;g3923356c5ed_3_36:notes"/>
+          <p:cNvSpPr txBox="1">
+            <a:spLocks noGrp="1"/>
+          </p:cNvSpPr>
+          <p:nvPr>
+            <p:ph type="body" idx="1"/>
+          </p:nvPr>
+        </p:nvSpPr>
+        <p:spPr>
+          <a:xfrm>
+            <a:off x="685800" y="4343400"/>
+            <a:ext cx="5486400" cy="4114800"/>
+          </a:xfrm>
+          <a:prstGeom prst="rect">
+            <a:avLst/>
+          </a:prstGeom>
+        </p:spPr>
+        <p:txBody>
+          <a:bodyPr spcFirstLastPara="1" wrap="square" lIns="91425" tIns="91425" rIns="91425" bIns="91425" anchor="t" anchorCtr="0">
+            <a:noAutofit/>
+          </a:bodyPr>
+          <a:lstStyle/>
+          <a:p>
+            <a:pPr marL="0" lvl="0" indent="0" algn="l" rtl="0">
+              <a:spcBef>
+                <a:spcPts val="0"/>
+              </a:spcBef>
+              <a:spcAft>
+                <a:spcPts val="0"/>
+              </a:spcAft>
+              <a:buNone/>
+            </a:pPr>
             <a:endParaRPr/>
           </a:p>
         </p:txBody>
@@ -2186,11 +2381,11 @@
 </file>
 
 <file path=ppt/slideLayouts/slideLayout1.xml><?xml version="1.0" encoding="utf-8"?>
-<p:sldLayout xmlns:a="http://schemas.openxmlformats.org/drawingml/2006/main" xmlns:r="http://schemas.openxmlformats.org/officeDocument/2006/relationships" xmlns:mc="http://schemas.openxmlformats.org/markup-compatibility/2006" xmlns:mv="urn:schemas-microsoft-com:mac:vml" xmlns:p="http://schemas.openxmlformats.org/presentationml/2006/main" xmlns:c="http://schemas.openxmlformats.org/drawingml/2006/chart" xmlns:dgm="http://schemas.openxmlformats.org/drawingml/2006/diagram" xmlns:o="urn:schemas-microsoft-com:office:office" xmlns:v="urn:schemas-microsoft-com:vml" xmlns:pvml="urn:schemas-microsoft-com:office:powerpoint" xmlns:com="http://schemas.openxmlformats.org/drawingml/2006/compatibility" xmlns:p14="http://schemas.microsoft.com/office/powerpoint/2010/main" xmlns:p15="http://schemas.microsoft.com/office/powerpoint/2012/main" xmlns:ahyp="http://schemas.microsoft.com/office/drawing/2018/hyperlinkcolor" matchingName="Title slide" type="title">
+<p:sldLayout xmlns:a="http://schemas.openxmlformats.org/drawingml/2006/main" xmlns:r="http://schemas.openxmlformats.org/officeDocument/2006/relationships" xmlns:p="http://schemas.openxmlformats.org/presentationml/2006/main" matchingName="Title slide" type="title">
   <p:cSld name="TITLE">
     <p:spTree>
       <p:nvGrpSpPr>
-        <p:cNvPr id="9" name="Shape 9"/>
+        <p:cNvPr id="1" name="Shape 9"/>
         <p:cNvGrpSpPr/>
         <p:nvPr/>
       </p:nvGrpSpPr>
@@ -2205,7 +2400,9 @@
       <p:sp>
         <p:nvSpPr>
           <p:cNvPr id="10" name="Google Shape;10;p2"/>
-          <p:cNvSpPr txBox="1"/>
+          <p:cNvSpPr txBox="1">
+            <a:spLocks noGrp="1"/>
+          </p:cNvSpPr>
           <p:nvPr>
             <p:ph type="ctrTitle"/>
           </p:nvPr>
@@ -2220,7 +2417,7 @@
           </a:prstGeom>
         </p:spPr>
         <p:txBody>
-          <a:bodyPr anchorCtr="0" anchor="b" bIns="91425" lIns="91425" spcFirstLastPara="1" rIns="91425" wrap="square" tIns="91425">
+          <a:bodyPr spcFirstLastPara="1" wrap="square" lIns="91425" tIns="91425" rIns="91425" bIns="91425" anchor="b" anchorCtr="0">
             <a:normAutofit/>
           </a:bodyPr>
           <a:lstStyle>
@@ -2324,15 +2521,19 @@
               <a:defRPr sz="5200"/>
             </a:lvl9pPr>
           </a:lstStyle>
-          <a:p/>
+          <a:p>
+            <a:endParaRPr/>
+          </a:p>
         </p:txBody>
       </p:sp>
       <p:sp>
         <p:nvSpPr>
           <p:cNvPr id="11" name="Google Shape;11;p2"/>
-          <p:cNvSpPr txBox="1"/>
+          <p:cNvSpPr txBox="1">
+            <a:spLocks noGrp="1"/>
+          </p:cNvSpPr>
           <p:nvPr>
-            <p:ph idx="1" type="subTitle"/>
+            <p:ph type="subTitle" idx="1"/>
           </p:nvPr>
         </p:nvSpPr>
         <p:spPr>
@@ -2345,7 +2546,7 @@
           </a:prstGeom>
         </p:spPr>
         <p:txBody>
-          <a:bodyPr anchorCtr="0" anchor="t" bIns="91425" lIns="91425" spcFirstLastPara="1" rIns="91425" wrap="square" tIns="91425">
+          <a:bodyPr spcFirstLastPara="1" wrap="square" lIns="91425" tIns="91425" rIns="91425" bIns="91425" anchor="t" anchorCtr="0">
             <a:normAutofit/>
           </a:bodyPr>
           <a:lstStyle>
@@ -2476,15 +2677,19 @@
               <a:defRPr sz="2800"/>
             </a:lvl9pPr>
           </a:lstStyle>
-          <a:p/>
+          <a:p>
+            <a:endParaRPr/>
+          </a:p>
         </p:txBody>
       </p:sp>
       <p:sp>
         <p:nvSpPr>
           <p:cNvPr id="12" name="Google Shape;12;p2"/>
-          <p:cNvSpPr txBox="1"/>
+          <p:cNvSpPr txBox="1">
+            <a:spLocks noGrp="1"/>
+          </p:cNvSpPr>
           <p:nvPr>
-            <p:ph idx="12" type="sldNum"/>
+            <p:ph type="sldNum" idx="12"/>
           </p:nvPr>
         </p:nvSpPr>
         <p:spPr>
@@ -2497,7 +2702,7 @@
           </a:prstGeom>
         </p:spPr>
         <p:txBody>
-          <a:bodyPr anchorCtr="0" anchor="ctr" bIns="91425" lIns="91425" spcFirstLastPara="1" rIns="91425" wrap="square" tIns="91425">
+          <a:bodyPr spcFirstLastPara="1" wrap="square" lIns="91425" tIns="91425" rIns="91425" bIns="91425" anchor="ctr" anchorCtr="0">
             <a:normAutofit/>
           </a:bodyPr>
           <a:lstStyle>
@@ -2539,7 +2744,7 @@
             </a:lvl9pPr>
           </a:lstStyle>
           <a:p>
-            <a:pPr indent="0" lvl="0" marL="0" rtl="0" algn="r">
+            <a:pPr marL="0" lvl="0" indent="0" algn="r" rtl="0">
               <a:spcBef>
                 <a:spcPts val="0"/>
               </a:spcBef>
@@ -2565,11 +2770,11 @@
 </file>
 
 <file path=ppt/slideLayouts/slideLayout10.xml><?xml version="1.0" encoding="utf-8"?>
-<p:sldLayout xmlns:a="http://schemas.openxmlformats.org/drawingml/2006/main" xmlns:r="http://schemas.openxmlformats.org/officeDocument/2006/relationships" xmlns:mc="http://schemas.openxmlformats.org/markup-compatibility/2006" xmlns:mv="urn:schemas-microsoft-com:mac:vml" xmlns:p="http://schemas.openxmlformats.org/presentationml/2006/main" xmlns:c="http://schemas.openxmlformats.org/drawingml/2006/chart" xmlns:dgm="http://schemas.openxmlformats.org/drawingml/2006/diagram" xmlns:o="urn:schemas-microsoft-com:office:office" xmlns:v="urn:schemas-microsoft-com:vml" xmlns:pvml="urn:schemas-microsoft-com:office:powerpoint" xmlns:com="http://schemas.openxmlformats.org/drawingml/2006/compatibility" xmlns:p14="http://schemas.microsoft.com/office/powerpoint/2010/main" xmlns:p15="http://schemas.microsoft.com/office/powerpoint/2012/main" xmlns:ahyp="http://schemas.microsoft.com/office/drawing/2018/hyperlinkcolor" matchingName="Big number">
+<p:sldLayout xmlns:a="http://schemas.openxmlformats.org/drawingml/2006/main" xmlns:r="http://schemas.openxmlformats.org/officeDocument/2006/relationships" xmlns:p="http://schemas.openxmlformats.org/presentationml/2006/main" matchingName="Big number">
   <p:cSld name="BIG_NUMBER">
     <p:spTree>
       <p:nvGrpSpPr>
-        <p:cNvPr id="44" name="Shape 44"/>
+        <p:cNvPr id="1" name="Shape 44"/>
         <p:cNvGrpSpPr/>
         <p:nvPr/>
       </p:nvGrpSpPr>
@@ -2584,9 +2789,11 @@
       <p:sp>
         <p:nvSpPr>
           <p:cNvPr id="45" name="Google Shape;45;p11"/>
-          <p:cNvSpPr txBox="1"/>
+          <p:cNvSpPr txBox="1">
+            <a:spLocks noGrp="1"/>
+          </p:cNvSpPr>
           <p:nvPr>
-            <p:ph hasCustomPrompt="1" type="title"/>
+            <p:ph type="title" hasCustomPrompt="1"/>
           </p:nvPr>
         </p:nvSpPr>
         <p:spPr>
@@ -2599,7 +2806,7 @@
           </a:prstGeom>
         </p:spPr>
         <p:txBody>
-          <a:bodyPr anchorCtr="0" anchor="b" bIns="91425" lIns="91425" spcFirstLastPara="1" rIns="91425" wrap="square" tIns="91425">
+          <a:bodyPr spcFirstLastPara="1" wrap="square" lIns="91425" tIns="91425" rIns="91425" bIns="91425" anchor="b" anchorCtr="0">
             <a:normAutofit/>
           </a:bodyPr>
           <a:lstStyle>
@@ -2713,9 +2920,11 @@
       <p:sp>
         <p:nvSpPr>
           <p:cNvPr id="46" name="Google Shape;46;p11"/>
-          <p:cNvSpPr txBox="1"/>
+          <p:cNvSpPr txBox="1">
+            <a:spLocks noGrp="1"/>
+          </p:cNvSpPr>
           <p:nvPr>
-            <p:ph idx="1" type="body"/>
+            <p:ph type="body" idx="1"/>
           </p:nvPr>
         </p:nvSpPr>
         <p:spPr>
@@ -2728,11 +2937,11 @@
           </a:prstGeom>
         </p:spPr>
         <p:txBody>
-          <a:bodyPr anchorCtr="0" anchor="t" bIns="91425" lIns="91425" spcFirstLastPara="1" rIns="91425" wrap="square" tIns="91425">
+          <a:bodyPr spcFirstLastPara="1" wrap="square" lIns="91425" tIns="91425" rIns="91425" bIns="91425" anchor="t" anchorCtr="0">
             <a:normAutofit/>
           </a:bodyPr>
           <a:lstStyle>
-            <a:lvl1pPr indent="-342900" lvl="0" marL="457200" algn="ctr">
+            <a:lvl1pPr marL="457200" lvl="0" indent="-342900" algn="ctr">
               <a:spcBef>
                 <a:spcPts val="0"/>
               </a:spcBef>
@@ -2743,7 +2952,7 @@
               <a:buChar char="●"/>
               <a:defRPr/>
             </a:lvl1pPr>
-            <a:lvl2pPr indent="-317500" lvl="1" marL="914400" algn="ctr">
+            <a:lvl2pPr marL="914400" lvl="1" indent="-317500" algn="ctr">
               <a:spcBef>
                 <a:spcPts val="0"/>
               </a:spcBef>
@@ -2754,7 +2963,7 @@
               <a:buChar char="○"/>
               <a:defRPr/>
             </a:lvl2pPr>
-            <a:lvl3pPr indent="-317500" lvl="2" marL="1371600" algn="ctr">
+            <a:lvl3pPr marL="1371600" lvl="2" indent="-317500" algn="ctr">
               <a:spcBef>
                 <a:spcPts val="0"/>
               </a:spcBef>
@@ -2765,7 +2974,7 @@
               <a:buChar char="■"/>
               <a:defRPr/>
             </a:lvl3pPr>
-            <a:lvl4pPr indent="-317500" lvl="3" marL="1828800" algn="ctr">
+            <a:lvl4pPr marL="1828800" lvl="3" indent="-317500" algn="ctr">
               <a:spcBef>
                 <a:spcPts val="0"/>
               </a:spcBef>
@@ -2776,7 +2985,7 @@
               <a:buChar char="●"/>
               <a:defRPr/>
             </a:lvl4pPr>
-            <a:lvl5pPr indent="-317500" lvl="4" marL="2286000" algn="ctr">
+            <a:lvl5pPr marL="2286000" lvl="4" indent="-317500" algn="ctr">
               <a:spcBef>
                 <a:spcPts val="0"/>
               </a:spcBef>
@@ -2787,7 +2996,7 @@
               <a:buChar char="○"/>
               <a:defRPr/>
             </a:lvl5pPr>
-            <a:lvl6pPr indent="-317500" lvl="5" marL="2743200" algn="ctr">
+            <a:lvl6pPr marL="2743200" lvl="5" indent="-317500" algn="ctr">
               <a:spcBef>
                 <a:spcPts val="0"/>
               </a:spcBef>
@@ -2798,7 +3007,7 @@
               <a:buChar char="■"/>
               <a:defRPr/>
             </a:lvl6pPr>
-            <a:lvl7pPr indent="-317500" lvl="6" marL="3200400" algn="ctr">
+            <a:lvl7pPr marL="3200400" lvl="6" indent="-317500" algn="ctr">
               <a:spcBef>
                 <a:spcPts val="0"/>
               </a:spcBef>
@@ -2809,7 +3018,7 @@
               <a:buChar char="●"/>
               <a:defRPr/>
             </a:lvl7pPr>
-            <a:lvl8pPr indent="-317500" lvl="7" marL="3657600" algn="ctr">
+            <a:lvl8pPr marL="3657600" lvl="7" indent="-317500" algn="ctr">
               <a:spcBef>
                 <a:spcPts val="0"/>
               </a:spcBef>
@@ -2820,7 +3029,7 @@
               <a:buChar char="○"/>
               <a:defRPr/>
             </a:lvl8pPr>
-            <a:lvl9pPr indent="-317500" lvl="8" marL="4114800" algn="ctr">
+            <a:lvl9pPr marL="4114800" lvl="8" indent="-317500" algn="ctr">
               <a:spcBef>
                 <a:spcPts val="0"/>
               </a:spcBef>
@@ -2832,15 +3041,19 @@
               <a:defRPr/>
             </a:lvl9pPr>
           </a:lstStyle>
-          <a:p/>
+          <a:p>
+            <a:endParaRPr/>
+          </a:p>
         </p:txBody>
       </p:sp>
       <p:sp>
         <p:nvSpPr>
           <p:cNvPr id="47" name="Google Shape;47;p11"/>
-          <p:cNvSpPr txBox="1"/>
+          <p:cNvSpPr txBox="1">
+            <a:spLocks noGrp="1"/>
+          </p:cNvSpPr>
           <p:nvPr>
-            <p:ph idx="12" type="sldNum"/>
+            <p:ph type="sldNum" idx="12"/>
           </p:nvPr>
         </p:nvSpPr>
         <p:spPr>
@@ -2853,7 +3066,7 @@
           </a:prstGeom>
         </p:spPr>
         <p:txBody>
-          <a:bodyPr anchorCtr="0" anchor="ctr" bIns="91425" lIns="91425" spcFirstLastPara="1" rIns="91425" wrap="square" tIns="91425">
+          <a:bodyPr spcFirstLastPara="1" wrap="square" lIns="91425" tIns="91425" rIns="91425" bIns="91425" anchor="ctr" anchorCtr="0">
             <a:normAutofit/>
           </a:bodyPr>
           <a:lstStyle>
@@ -2895,7 +3108,7 @@
             </a:lvl9pPr>
           </a:lstStyle>
           <a:p>
-            <a:pPr indent="0" lvl="0" marL="0" rtl="0" algn="r">
+            <a:pPr marL="0" lvl="0" indent="0" algn="r" rtl="0">
               <a:spcBef>
                 <a:spcPts val="0"/>
               </a:spcBef>
@@ -2921,11 +3134,11 @@
 </file>
 
 <file path=ppt/slideLayouts/slideLayout11.xml><?xml version="1.0" encoding="utf-8"?>
-<p:sldLayout xmlns:a="http://schemas.openxmlformats.org/drawingml/2006/main" xmlns:r="http://schemas.openxmlformats.org/officeDocument/2006/relationships" xmlns:mc="http://schemas.openxmlformats.org/markup-compatibility/2006" xmlns:mv="urn:schemas-microsoft-com:mac:vml" xmlns:p="http://schemas.openxmlformats.org/presentationml/2006/main" xmlns:c="http://schemas.openxmlformats.org/drawingml/2006/chart" xmlns:dgm="http://schemas.openxmlformats.org/drawingml/2006/diagram" xmlns:o="urn:schemas-microsoft-com:office:office" xmlns:v="urn:schemas-microsoft-com:vml" xmlns:pvml="urn:schemas-microsoft-com:office:powerpoint" xmlns:com="http://schemas.openxmlformats.org/drawingml/2006/compatibility" xmlns:p14="http://schemas.microsoft.com/office/powerpoint/2010/main" xmlns:p15="http://schemas.microsoft.com/office/powerpoint/2012/main" xmlns:ahyp="http://schemas.microsoft.com/office/drawing/2018/hyperlinkcolor" matchingName="Blank" type="blank">
+<p:sldLayout xmlns:a="http://schemas.openxmlformats.org/drawingml/2006/main" xmlns:r="http://schemas.openxmlformats.org/officeDocument/2006/relationships" xmlns:p="http://schemas.openxmlformats.org/presentationml/2006/main" matchingName="Blank" type="blank">
   <p:cSld name="BLANK">
     <p:spTree>
       <p:nvGrpSpPr>
-        <p:cNvPr id="48" name="Shape 48"/>
+        <p:cNvPr id="1" name="Shape 48"/>
         <p:cNvGrpSpPr/>
         <p:nvPr/>
       </p:nvGrpSpPr>
@@ -2940,9 +3153,11 @@
       <p:sp>
         <p:nvSpPr>
           <p:cNvPr id="49" name="Google Shape;49;p12"/>
-          <p:cNvSpPr txBox="1"/>
+          <p:cNvSpPr txBox="1">
+            <a:spLocks noGrp="1"/>
+          </p:cNvSpPr>
           <p:nvPr>
-            <p:ph idx="12" type="sldNum"/>
+            <p:ph type="sldNum" idx="12"/>
           </p:nvPr>
         </p:nvSpPr>
         <p:spPr>
@@ -2955,7 +3170,7 @@
           </a:prstGeom>
         </p:spPr>
         <p:txBody>
-          <a:bodyPr anchorCtr="0" anchor="ctr" bIns="91425" lIns="91425" spcFirstLastPara="1" rIns="91425" wrap="square" tIns="91425">
+          <a:bodyPr spcFirstLastPara="1" wrap="square" lIns="91425" tIns="91425" rIns="91425" bIns="91425" anchor="ctr" anchorCtr="0">
             <a:normAutofit/>
           </a:bodyPr>
           <a:lstStyle>
@@ -2997,7 +3212,7 @@
             </a:lvl9pPr>
           </a:lstStyle>
           <a:p>
-            <a:pPr indent="0" lvl="0" marL="0" rtl="0" algn="r">
+            <a:pPr marL="0" lvl="0" indent="0" algn="r" rtl="0">
               <a:spcBef>
                 <a:spcPts val="0"/>
               </a:spcBef>
@@ -3023,11 +3238,11 @@
 </file>
 
 <file path=ppt/slideLayouts/slideLayout2.xml><?xml version="1.0" encoding="utf-8"?>
-<p:sldLayout xmlns:a="http://schemas.openxmlformats.org/drawingml/2006/main" xmlns:r="http://schemas.openxmlformats.org/officeDocument/2006/relationships" xmlns:mc="http://schemas.openxmlformats.org/markup-compatibility/2006" xmlns:mv="urn:schemas-microsoft-com:mac:vml" xmlns:p="http://schemas.openxmlformats.org/presentationml/2006/main" xmlns:c="http://schemas.openxmlformats.org/drawingml/2006/chart" xmlns:dgm="http://schemas.openxmlformats.org/drawingml/2006/diagram" xmlns:o="urn:schemas-microsoft-com:office:office" xmlns:v="urn:schemas-microsoft-com:vml" xmlns:pvml="urn:schemas-microsoft-com:office:powerpoint" xmlns:com="http://schemas.openxmlformats.org/drawingml/2006/compatibility" xmlns:p14="http://schemas.microsoft.com/office/powerpoint/2010/main" xmlns:p15="http://schemas.microsoft.com/office/powerpoint/2012/main" xmlns:ahyp="http://schemas.microsoft.com/office/drawing/2018/hyperlinkcolor" matchingName="Section header" type="secHead">
+<p:sldLayout xmlns:a="http://schemas.openxmlformats.org/drawingml/2006/main" xmlns:r="http://schemas.openxmlformats.org/officeDocument/2006/relationships" xmlns:p="http://schemas.openxmlformats.org/presentationml/2006/main" matchingName="Section header" type="secHead">
   <p:cSld name="SECTION_HEADER">
     <p:spTree>
       <p:nvGrpSpPr>
-        <p:cNvPr id="13" name="Shape 13"/>
+        <p:cNvPr id="1" name="Shape 13"/>
         <p:cNvGrpSpPr/>
         <p:nvPr/>
       </p:nvGrpSpPr>
@@ -3042,7 +3257,9 @@
       <p:sp>
         <p:nvSpPr>
           <p:cNvPr id="14" name="Google Shape;14;p3"/>
-          <p:cNvSpPr txBox="1"/>
+          <p:cNvSpPr txBox="1">
+            <a:spLocks noGrp="1"/>
+          </p:cNvSpPr>
           <p:nvPr>
             <p:ph type="title"/>
           </p:nvPr>
@@ -3057,7 +3274,7 @@
           </a:prstGeom>
         </p:spPr>
         <p:txBody>
-          <a:bodyPr anchorCtr="0" anchor="ctr" bIns="91425" lIns="91425" spcFirstLastPara="1" rIns="91425" wrap="square" tIns="91425">
+          <a:bodyPr spcFirstLastPara="1" wrap="square" lIns="91425" tIns="91425" rIns="91425" bIns="91425" anchor="ctr" anchorCtr="0">
             <a:normAutofit/>
           </a:bodyPr>
           <a:lstStyle>
@@ -3161,15 +3378,19 @@
               <a:defRPr sz="3600"/>
             </a:lvl9pPr>
           </a:lstStyle>
-          <a:p/>
+          <a:p>
+            <a:endParaRPr/>
+          </a:p>
         </p:txBody>
       </p:sp>
       <p:sp>
         <p:nvSpPr>
           <p:cNvPr id="15" name="Google Shape;15;p3"/>
-          <p:cNvSpPr txBox="1"/>
+          <p:cNvSpPr txBox="1">
+            <a:spLocks noGrp="1"/>
+          </p:cNvSpPr>
           <p:nvPr>
-            <p:ph idx="12" type="sldNum"/>
+            <p:ph type="sldNum" idx="12"/>
           </p:nvPr>
         </p:nvSpPr>
         <p:spPr>
@@ -3182,7 +3403,7 @@
           </a:prstGeom>
         </p:spPr>
         <p:txBody>
-          <a:bodyPr anchorCtr="0" anchor="ctr" bIns="91425" lIns="91425" spcFirstLastPara="1" rIns="91425" wrap="square" tIns="91425">
+          <a:bodyPr spcFirstLastPara="1" wrap="square" lIns="91425" tIns="91425" rIns="91425" bIns="91425" anchor="ctr" anchorCtr="0">
             <a:normAutofit/>
           </a:bodyPr>
           <a:lstStyle>
@@ -3224,7 +3445,7 @@
             </a:lvl9pPr>
           </a:lstStyle>
           <a:p>
-            <a:pPr indent="0" lvl="0" marL="0" rtl="0" algn="r">
+            <a:pPr marL="0" lvl="0" indent="0" algn="r" rtl="0">
               <a:spcBef>
                 <a:spcPts val="0"/>
               </a:spcBef>
@@ -3250,11 +3471,11 @@
 </file>
 
 <file path=ppt/slideLayouts/slideLayout3.xml><?xml version="1.0" encoding="utf-8"?>
-<p:sldLayout xmlns:a="http://schemas.openxmlformats.org/drawingml/2006/main" xmlns:r="http://schemas.openxmlformats.org/officeDocument/2006/relationships" xmlns:mc="http://schemas.openxmlformats.org/markup-compatibility/2006" xmlns:mv="urn:schemas-microsoft-com:mac:vml" xmlns:p="http://schemas.openxmlformats.org/presentationml/2006/main" xmlns:c="http://schemas.openxmlformats.org/drawingml/2006/chart" xmlns:dgm="http://schemas.openxmlformats.org/drawingml/2006/diagram" xmlns:o="urn:schemas-microsoft-com:office:office" xmlns:v="urn:schemas-microsoft-com:vml" xmlns:pvml="urn:schemas-microsoft-com:office:powerpoint" xmlns:com="http://schemas.openxmlformats.org/drawingml/2006/compatibility" xmlns:p14="http://schemas.microsoft.com/office/powerpoint/2010/main" xmlns:p15="http://schemas.microsoft.com/office/powerpoint/2012/main" xmlns:ahyp="http://schemas.microsoft.com/office/drawing/2018/hyperlinkcolor" matchingName="Title and body" type="tx">
+<p:sldLayout xmlns:a="http://schemas.openxmlformats.org/drawingml/2006/main" xmlns:r="http://schemas.openxmlformats.org/officeDocument/2006/relationships" xmlns:p="http://schemas.openxmlformats.org/presentationml/2006/main" matchingName="Title and body" type="tx">
   <p:cSld name="TITLE_AND_BODY">
     <p:spTree>
       <p:nvGrpSpPr>
-        <p:cNvPr id="16" name="Shape 16"/>
+        <p:cNvPr id="1" name="Shape 16"/>
         <p:cNvGrpSpPr/>
         <p:nvPr/>
       </p:nvGrpSpPr>
@@ -3269,7 +3490,9 @@
       <p:sp>
         <p:nvSpPr>
           <p:cNvPr id="17" name="Google Shape;17;p4"/>
-          <p:cNvSpPr txBox="1"/>
+          <p:cNvSpPr txBox="1">
+            <a:spLocks noGrp="1"/>
+          </p:cNvSpPr>
           <p:nvPr>
             <p:ph type="title"/>
           </p:nvPr>
@@ -3284,7 +3507,7 @@
           </a:prstGeom>
         </p:spPr>
         <p:txBody>
-          <a:bodyPr anchorCtr="0" anchor="t" bIns="91425" lIns="91425" spcFirstLastPara="1" rIns="91425" wrap="square" tIns="91425">
+          <a:bodyPr spcFirstLastPara="1" wrap="square" lIns="91425" tIns="91425" rIns="91425" bIns="91425" anchor="t" anchorCtr="0">
             <a:normAutofit/>
           </a:bodyPr>
           <a:lstStyle>
@@ -3388,15 +3611,19 @@
               <a:defRPr/>
             </a:lvl9pPr>
           </a:lstStyle>
-          <a:p/>
+          <a:p>
+            <a:endParaRPr/>
+          </a:p>
         </p:txBody>
       </p:sp>
       <p:sp>
         <p:nvSpPr>
           <p:cNvPr id="18" name="Google Shape;18;p4"/>
-          <p:cNvSpPr txBox="1"/>
+          <p:cNvSpPr txBox="1">
+            <a:spLocks noGrp="1"/>
+          </p:cNvSpPr>
           <p:nvPr>
-            <p:ph idx="1" type="body"/>
+            <p:ph type="body" idx="1"/>
           </p:nvPr>
         </p:nvSpPr>
         <p:spPr>
@@ -3409,11 +3636,11 @@
           </a:prstGeom>
         </p:spPr>
         <p:txBody>
-          <a:bodyPr anchorCtr="0" anchor="t" bIns="91425" lIns="91425" spcFirstLastPara="1" rIns="91425" wrap="square" tIns="91425">
+          <a:bodyPr spcFirstLastPara="1" wrap="square" lIns="91425" tIns="91425" rIns="91425" bIns="91425" anchor="t" anchorCtr="0">
             <a:normAutofit/>
           </a:bodyPr>
           <a:lstStyle>
-            <a:lvl1pPr indent="-342900" lvl="0" marL="457200">
+            <a:lvl1pPr marL="457200" lvl="0" indent="-342900">
               <a:spcBef>
                 <a:spcPts val="0"/>
               </a:spcBef>
@@ -3424,7 +3651,7 @@
               <a:buChar char="●"/>
               <a:defRPr/>
             </a:lvl1pPr>
-            <a:lvl2pPr indent="-317500" lvl="1" marL="914400">
+            <a:lvl2pPr marL="914400" lvl="1" indent="-317500">
               <a:spcBef>
                 <a:spcPts val="0"/>
               </a:spcBef>
@@ -3435,7 +3662,7 @@
               <a:buChar char="○"/>
               <a:defRPr/>
             </a:lvl2pPr>
-            <a:lvl3pPr indent="-317500" lvl="2" marL="1371600">
+            <a:lvl3pPr marL="1371600" lvl="2" indent="-317500">
               <a:spcBef>
                 <a:spcPts val="0"/>
               </a:spcBef>
@@ -3446,7 +3673,7 @@
               <a:buChar char="■"/>
               <a:defRPr/>
             </a:lvl3pPr>
-            <a:lvl4pPr indent="-317500" lvl="3" marL="1828800">
+            <a:lvl4pPr marL="1828800" lvl="3" indent="-317500">
               <a:spcBef>
                 <a:spcPts val="0"/>
               </a:spcBef>
@@ -3457,7 +3684,7 @@
               <a:buChar char="●"/>
               <a:defRPr/>
             </a:lvl4pPr>
-            <a:lvl5pPr indent="-317500" lvl="4" marL="2286000">
+            <a:lvl5pPr marL="2286000" lvl="4" indent="-317500">
               <a:spcBef>
                 <a:spcPts val="0"/>
               </a:spcBef>
@@ -3468,7 +3695,7 @@
               <a:buChar char="○"/>
               <a:defRPr/>
             </a:lvl5pPr>
-            <a:lvl6pPr indent="-317500" lvl="5" marL="2743200">
+            <a:lvl6pPr marL="2743200" lvl="5" indent="-317500">
               <a:spcBef>
                 <a:spcPts val="0"/>
               </a:spcBef>
@@ -3479,7 +3706,7 @@
               <a:buChar char="■"/>
               <a:defRPr/>
             </a:lvl6pPr>
-            <a:lvl7pPr indent="-317500" lvl="6" marL="3200400">
+            <a:lvl7pPr marL="3200400" lvl="6" indent="-317500">
               <a:spcBef>
                 <a:spcPts val="0"/>
               </a:spcBef>
@@ -3490,7 +3717,7 @@
               <a:buChar char="●"/>
               <a:defRPr/>
             </a:lvl7pPr>
-            <a:lvl8pPr indent="-317500" lvl="7" marL="3657600">
+            <a:lvl8pPr marL="3657600" lvl="7" indent="-317500">
               <a:spcBef>
                 <a:spcPts val="0"/>
               </a:spcBef>
@@ -3501,7 +3728,7 @@
               <a:buChar char="○"/>
               <a:defRPr/>
             </a:lvl8pPr>
-            <a:lvl9pPr indent="-317500" lvl="8" marL="4114800">
+            <a:lvl9pPr marL="4114800" lvl="8" indent="-317500">
               <a:spcBef>
                 <a:spcPts val="0"/>
               </a:spcBef>
@@ -3513,15 +3740,19 @@
               <a:defRPr/>
             </a:lvl9pPr>
           </a:lstStyle>
-          <a:p/>
+          <a:p>
+            <a:endParaRPr/>
+          </a:p>
         </p:txBody>
       </p:sp>
       <p:sp>
         <p:nvSpPr>
           <p:cNvPr id="19" name="Google Shape;19;p4"/>
-          <p:cNvSpPr txBox="1"/>
+          <p:cNvSpPr txBox="1">
+            <a:spLocks noGrp="1"/>
+          </p:cNvSpPr>
           <p:nvPr>
-            <p:ph idx="12" type="sldNum"/>
+            <p:ph type="sldNum" idx="12"/>
           </p:nvPr>
         </p:nvSpPr>
         <p:spPr>
@@ -3534,7 +3765,7 @@
           </a:prstGeom>
         </p:spPr>
         <p:txBody>
-          <a:bodyPr anchorCtr="0" anchor="ctr" bIns="91425" lIns="91425" spcFirstLastPara="1" rIns="91425" wrap="square" tIns="91425">
+          <a:bodyPr spcFirstLastPara="1" wrap="square" lIns="91425" tIns="91425" rIns="91425" bIns="91425" anchor="ctr" anchorCtr="0">
             <a:normAutofit/>
           </a:bodyPr>
           <a:lstStyle>
@@ -3576,7 +3807,7 @@
             </a:lvl9pPr>
           </a:lstStyle>
           <a:p>
-            <a:pPr indent="0" lvl="0" marL="0" rtl="0" algn="r">
+            <a:pPr marL="0" lvl="0" indent="0" algn="r" rtl="0">
               <a:spcBef>
                 <a:spcPts val="0"/>
               </a:spcBef>
@@ -3602,11 +3833,11 @@
 </file>
 
 <file path=ppt/slideLayouts/slideLayout4.xml><?xml version="1.0" encoding="utf-8"?>
-<p:sldLayout xmlns:a="http://schemas.openxmlformats.org/drawingml/2006/main" xmlns:r="http://schemas.openxmlformats.org/officeDocument/2006/relationships" xmlns:mc="http://schemas.openxmlformats.org/markup-compatibility/2006" xmlns:mv="urn:schemas-microsoft-com:mac:vml" xmlns:p="http://schemas.openxmlformats.org/presentationml/2006/main" xmlns:c="http://schemas.openxmlformats.org/drawingml/2006/chart" xmlns:dgm="http://schemas.openxmlformats.org/drawingml/2006/diagram" xmlns:o="urn:schemas-microsoft-com:office:office" xmlns:v="urn:schemas-microsoft-com:vml" xmlns:pvml="urn:schemas-microsoft-com:office:powerpoint" xmlns:com="http://schemas.openxmlformats.org/drawingml/2006/compatibility" xmlns:p14="http://schemas.microsoft.com/office/powerpoint/2010/main" xmlns:p15="http://schemas.microsoft.com/office/powerpoint/2012/main" xmlns:ahyp="http://schemas.microsoft.com/office/drawing/2018/hyperlinkcolor" matchingName="Title and two columns" type="twoColTx">
+<p:sldLayout xmlns:a="http://schemas.openxmlformats.org/drawingml/2006/main" xmlns:r="http://schemas.openxmlformats.org/officeDocument/2006/relationships" xmlns:p="http://schemas.openxmlformats.org/presentationml/2006/main" matchingName="Title and two columns" type="twoColTx">
   <p:cSld name="TITLE_AND_TWO_COLUMNS">
     <p:spTree>
       <p:nvGrpSpPr>
-        <p:cNvPr id="20" name="Shape 20"/>
+        <p:cNvPr id="1" name="Shape 20"/>
         <p:cNvGrpSpPr/>
         <p:nvPr/>
       </p:nvGrpSpPr>
@@ -3621,7 +3852,9 @@
       <p:sp>
         <p:nvSpPr>
           <p:cNvPr id="21" name="Google Shape;21;p5"/>
-          <p:cNvSpPr txBox="1"/>
+          <p:cNvSpPr txBox="1">
+            <a:spLocks noGrp="1"/>
+          </p:cNvSpPr>
           <p:nvPr>
             <p:ph type="title"/>
           </p:nvPr>
@@ -3636,7 +3869,7 @@
           </a:prstGeom>
         </p:spPr>
         <p:txBody>
-          <a:bodyPr anchorCtr="0" anchor="t" bIns="91425" lIns="91425" spcFirstLastPara="1" rIns="91425" wrap="square" tIns="91425">
+          <a:bodyPr spcFirstLastPara="1" wrap="square" lIns="91425" tIns="91425" rIns="91425" bIns="91425" anchor="t" anchorCtr="0">
             <a:normAutofit/>
           </a:bodyPr>
           <a:lstStyle>
@@ -3740,15 +3973,19 @@
               <a:defRPr/>
             </a:lvl9pPr>
           </a:lstStyle>
-          <a:p/>
+          <a:p>
+            <a:endParaRPr/>
+          </a:p>
         </p:txBody>
       </p:sp>
       <p:sp>
         <p:nvSpPr>
           <p:cNvPr id="22" name="Google Shape;22;p5"/>
-          <p:cNvSpPr txBox="1"/>
+          <p:cNvSpPr txBox="1">
+            <a:spLocks noGrp="1"/>
+          </p:cNvSpPr>
           <p:nvPr>
-            <p:ph idx="1" type="body"/>
+            <p:ph type="body" idx="1"/>
           </p:nvPr>
         </p:nvSpPr>
         <p:spPr>
@@ -3761,11 +3998,11 @@
           </a:prstGeom>
         </p:spPr>
         <p:txBody>
-          <a:bodyPr anchorCtr="0" anchor="t" bIns="91425" lIns="91425" spcFirstLastPara="1" rIns="91425" wrap="square" tIns="91425">
+          <a:bodyPr spcFirstLastPara="1" wrap="square" lIns="91425" tIns="91425" rIns="91425" bIns="91425" anchor="t" anchorCtr="0">
             <a:normAutofit/>
           </a:bodyPr>
           <a:lstStyle>
-            <a:lvl1pPr indent="-317500" lvl="0" marL="457200">
+            <a:lvl1pPr marL="457200" lvl="0" indent="-317500">
               <a:spcBef>
                 <a:spcPts val="0"/>
               </a:spcBef>
@@ -3776,7 +4013,7 @@
               <a:buChar char="●"/>
               <a:defRPr sz="1400"/>
             </a:lvl1pPr>
-            <a:lvl2pPr indent="-304800" lvl="1" marL="914400">
+            <a:lvl2pPr marL="914400" lvl="1" indent="-304800">
               <a:spcBef>
                 <a:spcPts val="0"/>
               </a:spcBef>
@@ -3787,7 +4024,7 @@
               <a:buChar char="○"/>
               <a:defRPr sz="1200"/>
             </a:lvl2pPr>
-            <a:lvl3pPr indent="-304800" lvl="2" marL="1371600">
+            <a:lvl3pPr marL="1371600" lvl="2" indent="-304800">
               <a:spcBef>
                 <a:spcPts val="0"/>
               </a:spcBef>
@@ -3798,7 +4035,7 @@
               <a:buChar char="■"/>
               <a:defRPr sz="1200"/>
             </a:lvl3pPr>
-            <a:lvl4pPr indent="-304800" lvl="3" marL="1828800">
+            <a:lvl4pPr marL="1828800" lvl="3" indent="-304800">
               <a:spcBef>
                 <a:spcPts val="0"/>
               </a:spcBef>
@@ -3809,7 +4046,7 @@
               <a:buChar char="●"/>
               <a:defRPr sz="1200"/>
             </a:lvl4pPr>
-            <a:lvl5pPr indent="-304800" lvl="4" marL="2286000">
+            <a:lvl5pPr marL="2286000" lvl="4" indent="-304800">
               <a:spcBef>
                 <a:spcPts val="0"/>
               </a:spcBef>
@@ -3820,7 +4057,7 @@
               <a:buChar char="○"/>
               <a:defRPr sz="1200"/>
             </a:lvl5pPr>
-            <a:lvl6pPr indent="-304800" lvl="5" marL="2743200">
+            <a:lvl6pPr marL="2743200" lvl="5" indent="-304800">
               <a:spcBef>
                 <a:spcPts val="0"/>
               </a:spcBef>
@@ -3831,7 +4068,7 @@
               <a:buChar char="■"/>
               <a:defRPr sz="1200"/>
             </a:lvl6pPr>
-            <a:lvl7pPr indent="-304800" lvl="6" marL="3200400">
+            <a:lvl7pPr marL="3200400" lvl="6" indent="-304800">
               <a:spcBef>
                 <a:spcPts val="0"/>
               </a:spcBef>
@@ -3842,7 +4079,7 @@
               <a:buChar char="●"/>
               <a:defRPr sz="1200"/>
             </a:lvl7pPr>
-            <a:lvl8pPr indent="-304800" lvl="7" marL="3657600">
+            <a:lvl8pPr marL="3657600" lvl="7" indent="-304800">
               <a:spcBef>
                 <a:spcPts val="0"/>
               </a:spcBef>
@@ -3853,7 +4090,7 @@
               <a:buChar char="○"/>
               <a:defRPr sz="1200"/>
             </a:lvl8pPr>
-            <a:lvl9pPr indent="-304800" lvl="8" marL="4114800">
+            <a:lvl9pPr marL="4114800" lvl="8" indent="-304800">
               <a:spcBef>
                 <a:spcPts val="0"/>
               </a:spcBef>
@@ -3865,15 +4102,19 @@
               <a:defRPr sz="1200"/>
             </a:lvl9pPr>
           </a:lstStyle>
-          <a:p/>
+          <a:p>
+            <a:endParaRPr/>
+          </a:p>
         </p:txBody>
       </p:sp>
       <p:sp>
         <p:nvSpPr>
           <p:cNvPr id="23" name="Google Shape;23;p5"/>
-          <p:cNvSpPr txBox="1"/>
+          <p:cNvSpPr txBox="1">
+            <a:spLocks noGrp="1"/>
+          </p:cNvSpPr>
           <p:nvPr>
-            <p:ph idx="2" type="body"/>
+            <p:ph type="body" idx="2"/>
           </p:nvPr>
         </p:nvSpPr>
         <p:spPr>
@@ -3886,11 +4127,11 @@
           </a:prstGeom>
         </p:spPr>
         <p:txBody>
-          <a:bodyPr anchorCtr="0" anchor="t" bIns="91425" lIns="91425" spcFirstLastPara="1" rIns="91425" wrap="square" tIns="91425">
+          <a:bodyPr spcFirstLastPara="1" wrap="square" lIns="91425" tIns="91425" rIns="91425" bIns="91425" anchor="t" anchorCtr="0">
             <a:normAutofit/>
           </a:bodyPr>
           <a:lstStyle>
-            <a:lvl1pPr indent="-317500" lvl="0" marL="457200">
+            <a:lvl1pPr marL="457200" lvl="0" indent="-317500">
               <a:spcBef>
                 <a:spcPts val="0"/>
               </a:spcBef>
@@ -3901,7 +4142,7 @@
               <a:buChar char="●"/>
               <a:defRPr sz="1400"/>
             </a:lvl1pPr>
-            <a:lvl2pPr indent="-304800" lvl="1" marL="914400">
+            <a:lvl2pPr marL="914400" lvl="1" indent="-304800">
               <a:spcBef>
                 <a:spcPts val="0"/>
               </a:spcBef>
@@ -3912,7 +4153,7 @@
               <a:buChar char="○"/>
               <a:defRPr sz="1200"/>
             </a:lvl2pPr>
-            <a:lvl3pPr indent="-304800" lvl="2" marL="1371600">
+            <a:lvl3pPr marL="1371600" lvl="2" indent="-304800">
               <a:spcBef>
                 <a:spcPts val="0"/>
               </a:spcBef>
@@ -3923,7 +4164,7 @@
               <a:buChar char="■"/>
               <a:defRPr sz="1200"/>
             </a:lvl3pPr>
-            <a:lvl4pPr indent="-304800" lvl="3" marL="1828800">
+            <a:lvl4pPr marL="1828800" lvl="3" indent="-304800">
               <a:spcBef>
                 <a:spcPts val="0"/>
               </a:spcBef>
@@ -3934,7 +4175,7 @@
               <a:buChar char="●"/>
               <a:defRPr sz="1200"/>
             </a:lvl4pPr>
-            <a:lvl5pPr indent="-304800" lvl="4" marL="2286000">
+            <a:lvl5pPr marL="2286000" lvl="4" indent="-304800">
               <a:spcBef>
                 <a:spcPts val="0"/>
               </a:spcBef>
@@ -3945,7 +4186,7 @@
               <a:buChar char="○"/>
               <a:defRPr sz="1200"/>
             </a:lvl5pPr>
-            <a:lvl6pPr indent="-304800" lvl="5" marL="2743200">
+            <a:lvl6pPr marL="2743200" lvl="5" indent="-304800">
               <a:spcBef>
                 <a:spcPts val="0"/>
               </a:spcBef>
@@ -3956,7 +4197,7 @@
               <a:buChar char="■"/>
               <a:defRPr sz="1200"/>
             </a:lvl6pPr>
-            <a:lvl7pPr indent="-304800" lvl="6" marL="3200400">
+            <a:lvl7pPr marL="3200400" lvl="6" indent="-304800">
               <a:spcBef>
                 <a:spcPts val="0"/>
               </a:spcBef>
@@ -3967,7 +4208,7 @@
               <a:buChar char="●"/>
               <a:defRPr sz="1200"/>
             </a:lvl7pPr>
-            <a:lvl8pPr indent="-304800" lvl="7" marL="3657600">
+            <a:lvl8pPr marL="3657600" lvl="7" indent="-304800">
               <a:spcBef>
                 <a:spcPts val="0"/>
               </a:spcBef>
@@ -3978,7 +4219,7 @@
               <a:buChar char="○"/>
               <a:defRPr sz="1200"/>
             </a:lvl8pPr>
-            <a:lvl9pPr indent="-304800" lvl="8" marL="4114800">
+            <a:lvl9pPr marL="4114800" lvl="8" indent="-304800">
               <a:spcBef>
                 <a:spcPts val="0"/>
               </a:spcBef>
@@ -3990,15 +4231,19 @@
               <a:defRPr sz="1200"/>
             </a:lvl9pPr>
           </a:lstStyle>
-          <a:p/>
+          <a:p>
+            <a:endParaRPr/>
+          </a:p>
         </p:txBody>
       </p:sp>
       <p:sp>
         <p:nvSpPr>
           <p:cNvPr id="24" name="Google Shape;24;p5"/>
-          <p:cNvSpPr txBox="1"/>
+          <p:cNvSpPr txBox="1">
+            <a:spLocks noGrp="1"/>
+          </p:cNvSpPr>
           <p:nvPr>
-            <p:ph idx="12" type="sldNum"/>
+            <p:ph type="sldNum" idx="12"/>
           </p:nvPr>
         </p:nvSpPr>
         <p:spPr>
@@ -4011,7 +4256,7 @@
           </a:prstGeom>
         </p:spPr>
         <p:txBody>
-          <a:bodyPr anchorCtr="0" anchor="ctr" bIns="91425" lIns="91425" spcFirstLastPara="1" rIns="91425" wrap="square" tIns="91425">
+          <a:bodyPr spcFirstLastPara="1" wrap="square" lIns="91425" tIns="91425" rIns="91425" bIns="91425" anchor="ctr" anchorCtr="0">
             <a:normAutofit/>
           </a:bodyPr>
           <a:lstStyle>
@@ -4053,7 +4298,7 @@
             </a:lvl9pPr>
           </a:lstStyle>
           <a:p>
-            <a:pPr indent="0" lvl="0" marL="0" rtl="0" algn="r">
+            <a:pPr marL="0" lvl="0" indent="0" algn="r" rtl="0">
               <a:spcBef>
                 <a:spcPts val="0"/>
               </a:spcBef>
@@ -4079,11 +4324,11 @@
 </file>
 
 <file path=ppt/slideLayouts/slideLayout5.xml><?xml version="1.0" encoding="utf-8"?>
-<p:sldLayout xmlns:a="http://schemas.openxmlformats.org/drawingml/2006/main" xmlns:r="http://schemas.openxmlformats.org/officeDocument/2006/relationships" xmlns:mc="http://schemas.openxmlformats.org/markup-compatibility/2006" xmlns:mv="urn:schemas-microsoft-com:mac:vml" xmlns:p="http://schemas.openxmlformats.org/presentationml/2006/main" xmlns:c="http://schemas.openxmlformats.org/drawingml/2006/chart" xmlns:dgm="http://schemas.openxmlformats.org/drawingml/2006/diagram" xmlns:o="urn:schemas-microsoft-com:office:office" xmlns:v="urn:schemas-microsoft-com:vml" xmlns:pvml="urn:schemas-microsoft-com:office:powerpoint" xmlns:com="http://schemas.openxmlformats.org/drawingml/2006/compatibility" xmlns:p14="http://schemas.microsoft.com/office/powerpoint/2010/main" xmlns:p15="http://schemas.microsoft.com/office/powerpoint/2012/main" xmlns:ahyp="http://schemas.microsoft.com/office/drawing/2018/hyperlinkcolor" matchingName="Title only" type="titleOnly">
+<p:sldLayout xmlns:a="http://schemas.openxmlformats.org/drawingml/2006/main" xmlns:r="http://schemas.openxmlformats.org/officeDocument/2006/relationships" xmlns:p="http://schemas.openxmlformats.org/presentationml/2006/main" matchingName="Title only" type="titleOnly">
   <p:cSld name="TITLE_ONLY">
     <p:spTree>
       <p:nvGrpSpPr>
-        <p:cNvPr id="25" name="Shape 25"/>
+        <p:cNvPr id="1" name="Shape 25"/>
         <p:cNvGrpSpPr/>
         <p:nvPr/>
       </p:nvGrpSpPr>
@@ -4098,7 +4343,9 @@
       <p:sp>
         <p:nvSpPr>
           <p:cNvPr id="26" name="Google Shape;26;p6"/>
-          <p:cNvSpPr txBox="1"/>
+          <p:cNvSpPr txBox="1">
+            <a:spLocks noGrp="1"/>
+          </p:cNvSpPr>
           <p:nvPr>
             <p:ph type="title"/>
           </p:nvPr>
@@ -4113,7 +4360,7 @@
           </a:prstGeom>
         </p:spPr>
         <p:txBody>
-          <a:bodyPr anchorCtr="0" anchor="t" bIns="91425" lIns="91425" spcFirstLastPara="1" rIns="91425" wrap="square" tIns="91425">
+          <a:bodyPr spcFirstLastPara="1" wrap="square" lIns="91425" tIns="91425" rIns="91425" bIns="91425" anchor="t" anchorCtr="0">
             <a:normAutofit/>
           </a:bodyPr>
           <a:lstStyle>
@@ -4217,15 +4464,19 @@
               <a:defRPr/>
             </a:lvl9pPr>
           </a:lstStyle>
-          <a:p/>
+          <a:p>
+            <a:endParaRPr/>
+          </a:p>
         </p:txBody>
       </p:sp>
       <p:sp>
         <p:nvSpPr>
           <p:cNvPr id="27" name="Google Shape;27;p6"/>
-          <p:cNvSpPr txBox="1"/>
+          <p:cNvSpPr txBox="1">
+            <a:spLocks noGrp="1"/>
+          </p:cNvSpPr>
           <p:nvPr>
-            <p:ph idx="12" type="sldNum"/>
+            <p:ph type="sldNum" idx="12"/>
           </p:nvPr>
         </p:nvSpPr>
         <p:spPr>
@@ -4238,7 +4489,7 @@
           </a:prstGeom>
         </p:spPr>
         <p:txBody>
-          <a:bodyPr anchorCtr="0" anchor="ctr" bIns="91425" lIns="91425" spcFirstLastPara="1" rIns="91425" wrap="square" tIns="91425">
+          <a:bodyPr spcFirstLastPara="1" wrap="square" lIns="91425" tIns="91425" rIns="91425" bIns="91425" anchor="ctr" anchorCtr="0">
             <a:normAutofit/>
           </a:bodyPr>
           <a:lstStyle>
@@ -4280,7 +4531,7 @@
             </a:lvl9pPr>
           </a:lstStyle>
           <a:p>
-            <a:pPr indent="0" lvl="0" marL="0" rtl="0" algn="r">
+            <a:pPr marL="0" lvl="0" indent="0" algn="r" rtl="0">
               <a:spcBef>
                 <a:spcPts val="0"/>
               </a:spcBef>
@@ -4306,11 +4557,11 @@
 </file>
 
 <file path=ppt/slideLayouts/slideLayout6.xml><?xml version="1.0" encoding="utf-8"?>
-<p:sldLayout xmlns:a="http://schemas.openxmlformats.org/drawingml/2006/main" xmlns:r="http://schemas.openxmlformats.org/officeDocument/2006/relationships" xmlns:mc="http://schemas.openxmlformats.org/markup-compatibility/2006" xmlns:mv="urn:schemas-microsoft-com:mac:vml" xmlns:p="http://schemas.openxmlformats.org/presentationml/2006/main" xmlns:c="http://schemas.openxmlformats.org/drawingml/2006/chart" xmlns:dgm="http://schemas.openxmlformats.org/drawingml/2006/diagram" xmlns:o="urn:schemas-microsoft-com:office:office" xmlns:v="urn:schemas-microsoft-com:vml" xmlns:pvml="urn:schemas-microsoft-com:office:powerpoint" xmlns:com="http://schemas.openxmlformats.org/drawingml/2006/compatibility" xmlns:p14="http://schemas.microsoft.com/office/powerpoint/2010/main" xmlns:p15="http://schemas.microsoft.com/office/powerpoint/2012/main" xmlns:ahyp="http://schemas.microsoft.com/office/drawing/2018/hyperlinkcolor" matchingName="One column text">
+<p:sldLayout xmlns:a="http://schemas.openxmlformats.org/drawingml/2006/main" xmlns:r="http://schemas.openxmlformats.org/officeDocument/2006/relationships" xmlns:p="http://schemas.openxmlformats.org/presentationml/2006/main" matchingName="One column text">
   <p:cSld name="ONE_COLUMN_TEXT">
     <p:spTree>
       <p:nvGrpSpPr>
-        <p:cNvPr id="28" name="Shape 28"/>
+        <p:cNvPr id="1" name="Shape 28"/>
         <p:cNvGrpSpPr/>
         <p:nvPr/>
       </p:nvGrpSpPr>
@@ -4325,7 +4576,9 @@
       <p:sp>
         <p:nvSpPr>
           <p:cNvPr id="29" name="Google Shape;29;p7"/>
-          <p:cNvSpPr txBox="1"/>
+          <p:cNvSpPr txBox="1">
+            <a:spLocks noGrp="1"/>
+          </p:cNvSpPr>
           <p:nvPr>
             <p:ph type="title"/>
           </p:nvPr>
@@ -4340,7 +4593,7 @@
           </a:prstGeom>
         </p:spPr>
         <p:txBody>
-          <a:bodyPr anchorCtr="0" anchor="b" bIns="91425" lIns="91425" spcFirstLastPara="1" rIns="91425" wrap="square" tIns="91425">
+          <a:bodyPr spcFirstLastPara="1" wrap="square" lIns="91425" tIns="91425" rIns="91425" bIns="91425" anchor="b" anchorCtr="0">
             <a:normAutofit/>
           </a:bodyPr>
           <a:lstStyle>
@@ -4444,15 +4697,19 @@
               <a:defRPr sz="2400"/>
             </a:lvl9pPr>
           </a:lstStyle>
-          <a:p/>
+          <a:p>
+            <a:endParaRPr/>
+          </a:p>
         </p:txBody>
       </p:sp>
       <p:sp>
         <p:nvSpPr>
           <p:cNvPr id="30" name="Google Shape;30;p7"/>
-          <p:cNvSpPr txBox="1"/>
+          <p:cNvSpPr txBox="1">
+            <a:spLocks noGrp="1"/>
+          </p:cNvSpPr>
           <p:nvPr>
-            <p:ph idx="1" type="body"/>
+            <p:ph type="body" idx="1"/>
           </p:nvPr>
         </p:nvSpPr>
         <p:spPr>
@@ -4465,11 +4722,11 @@
           </a:prstGeom>
         </p:spPr>
         <p:txBody>
-          <a:bodyPr anchorCtr="0" anchor="t" bIns="91425" lIns="91425" spcFirstLastPara="1" rIns="91425" wrap="square" tIns="91425">
+          <a:bodyPr spcFirstLastPara="1" wrap="square" lIns="91425" tIns="91425" rIns="91425" bIns="91425" anchor="t" anchorCtr="0">
             <a:normAutofit/>
           </a:bodyPr>
           <a:lstStyle>
-            <a:lvl1pPr indent="-304800" lvl="0" marL="457200">
+            <a:lvl1pPr marL="457200" lvl="0" indent="-304800">
               <a:spcBef>
                 <a:spcPts val="0"/>
               </a:spcBef>
@@ -4480,7 +4737,7 @@
               <a:buChar char="●"/>
               <a:defRPr sz="1200"/>
             </a:lvl1pPr>
-            <a:lvl2pPr indent="-304800" lvl="1" marL="914400">
+            <a:lvl2pPr marL="914400" lvl="1" indent="-304800">
               <a:spcBef>
                 <a:spcPts val="0"/>
               </a:spcBef>
@@ -4491,7 +4748,7 @@
               <a:buChar char="○"/>
               <a:defRPr sz="1200"/>
             </a:lvl2pPr>
-            <a:lvl3pPr indent="-304800" lvl="2" marL="1371600">
+            <a:lvl3pPr marL="1371600" lvl="2" indent="-304800">
               <a:spcBef>
                 <a:spcPts val="0"/>
               </a:spcBef>
@@ -4502,7 +4759,7 @@
               <a:buChar char="■"/>
               <a:defRPr sz="1200"/>
             </a:lvl3pPr>
-            <a:lvl4pPr indent="-304800" lvl="3" marL="1828800">
+            <a:lvl4pPr marL="1828800" lvl="3" indent="-304800">
               <a:spcBef>
                 <a:spcPts val="0"/>
               </a:spcBef>
@@ -4513,7 +4770,7 @@
               <a:buChar char="●"/>
               <a:defRPr sz="1200"/>
             </a:lvl4pPr>
-            <a:lvl5pPr indent="-304800" lvl="4" marL="2286000">
+            <a:lvl5pPr marL="2286000" lvl="4" indent="-304800">
               <a:spcBef>
                 <a:spcPts val="0"/>
               </a:spcBef>
@@ -4524,7 +4781,7 @@
               <a:buChar char="○"/>
               <a:defRPr sz="1200"/>
             </a:lvl5pPr>
-            <a:lvl6pPr indent="-304800" lvl="5" marL="2743200">
+            <a:lvl6pPr marL="2743200" lvl="5" indent="-304800">
               <a:spcBef>
                 <a:spcPts val="0"/>
               </a:spcBef>
@@ -4535,7 +4792,7 @@
               <a:buChar char="■"/>
               <a:defRPr sz="1200"/>
             </a:lvl6pPr>
-            <a:lvl7pPr indent="-304800" lvl="6" marL="3200400">
+            <a:lvl7pPr marL="3200400" lvl="6" indent="-304800">
               <a:spcBef>
                 <a:spcPts val="0"/>
               </a:spcBef>
@@ -4546,7 +4803,7 @@
               <a:buChar char="●"/>
               <a:defRPr sz="1200"/>
             </a:lvl7pPr>
-            <a:lvl8pPr indent="-304800" lvl="7" marL="3657600">
+            <a:lvl8pPr marL="3657600" lvl="7" indent="-304800">
               <a:spcBef>
                 <a:spcPts val="0"/>
               </a:spcBef>
@@ -4557,7 +4814,7 @@
               <a:buChar char="○"/>
               <a:defRPr sz="1200"/>
             </a:lvl8pPr>
-            <a:lvl9pPr indent="-304800" lvl="8" marL="4114800">
+            <a:lvl9pPr marL="4114800" lvl="8" indent="-304800">
               <a:spcBef>
                 <a:spcPts val="0"/>
               </a:spcBef>
@@ -4569,15 +4826,19 @@
               <a:defRPr sz="1200"/>
             </a:lvl9pPr>
           </a:lstStyle>
-          <a:p/>
+          <a:p>
+            <a:endParaRPr/>
+          </a:p>
         </p:txBody>
       </p:sp>
       <p:sp>
         <p:nvSpPr>
           <p:cNvPr id="31" name="Google Shape;31;p7"/>
-          <p:cNvSpPr txBox="1"/>
+          <p:cNvSpPr txBox="1">
+            <a:spLocks noGrp="1"/>
+          </p:cNvSpPr>
           <p:nvPr>
-            <p:ph idx="12" type="sldNum"/>
+            <p:ph type="sldNum" idx="12"/>
           </p:nvPr>
         </p:nvSpPr>
         <p:spPr>
@@ -4590,7 +4851,7 @@
           </a:prstGeom>
         </p:spPr>
         <p:txBody>
-          <a:bodyPr anchorCtr="0" anchor="ctr" bIns="91425" lIns="91425" spcFirstLastPara="1" rIns="91425" wrap="square" tIns="91425">
+          <a:bodyPr spcFirstLastPara="1" wrap="square" lIns="91425" tIns="91425" rIns="91425" bIns="91425" anchor="ctr" anchorCtr="0">
             <a:normAutofit/>
           </a:bodyPr>
           <a:lstStyle>
@@ -4632,7 +4893,7 @@
             </a:lvl9pPr>
           </a:lstStyle>
           <a:p>
-            <a:pPr indent="0" lvl="0" marL="0" rtl="0" algn="r">
+            <a:pPr marL="0" lvl="0" indent="0" algn="r" rtl="0">
               <a:spcBef>
                 <a:spcPts val="0"/>
               </a:spcBef>
@@ -4658,11 +4919,11 @@
 </file>
 
 <file path=ppt/slideLayouts/slideLayout7.xml><?xml version="1.0" encoding="utf-8"?>
-<p:sldLayout xmlns:a="http://schemas.openxmlformats.org/drawingml/2006/main" xmlns:r="http://schemas.openxmlformats.org/officeDocument/2006/relationships" xmlns:mc="http://schemas.openxmlformats.org/markup-compatibility/2006" xmlns:mv="urn:schemas-microsoft-com:mac:vml" xmlns:p="http://schemas.openxmlformats.org/presentationml/2006/main" xmlns:c="http://schemas.openxmlformats.org/drawingml/2006/chart" xmlns:dgm="http://schemas.openxmlformats.org/drawingml/2006/diagram" xmlns:o="urn:schemas-microsoft-com:office:office" xmlns:v="urn:schemas-microsoft-com:vml" xmlns:pvml="urn:schemas-microsoft-com:office:powerpoint" xmlns:com="http://schemas.openxmlformats.org/drawingml/2006/compatibility" xmlns:p14="http://schemas.microsoft.com/office/powerpoint/2010/main" xmlns:p15="http://schemas.microsoft.com/office/powerpoint/2012/main" xmlns:ahyp="http://schemas.microsoft.com/office/drawing/2018/hyperlinkcolor" matchingName="Main point">
+<p:sldLayout xmlns:a="http://schemas.openxmlformats.org/drawingml/2006/main" xmlns:r="http://schemas.openxmlformats.org/officeDocument/2006/relationships" xmlns:p="http://schemas.openxmlformats.org/presentationml/2006/main" matchingName="Main point">
   <p:cSld name="MAIN_POINT">
     <p:spTree>
       <p:nvGrpSpPr>
-        <p:cNvPr id="32" name="Shape 32"/>
+        <p:cNvPr id="1" name="Shape 32"/>
         <p:cNvGrpSpPr/>
         <p:nvPr/>
       </p:nvGrpSpPr>
@@ -4677,7 +4938,9 @@
       <p:sp>
         <p:nvSpPr>
           <p:cNvPr id="33" name="Google Shape;33;p8"/>
-          <p:cNvSpPr txBox="1"/>
+          <p:cNvSpPr txBox="1">
+            <a:spLocks noGrp="1"/>
+          </p:cNvSpPr>
           <p:nvPr>
             <p:ph type="title"/>
           </p:nvPr>
@@ -4692,7 +4955,7 @@
           </a:prstGeom>
         </p:spPr>
         <p:txBody>
-          <a:bodyPr anchorCtr="0" anchor="ctr" bIns="91425" lIns="91425" spcFirstLastPara="1" rIns="91425" wrap="square" tIns="91425">
+          <a:bodyPr spcFirstLastPara="1" wrap="square" lIns="91425" tIns="91425" rIns="91425" bIns="91425" anchor="ctr" anchorCtr="0">
             <a:normAutofit/>
           </a:bodyPr>
           <a:lstStyle>
@@ -4796,15 +5059,19 @@
               <a:defRPr sz="4800"/>
             </a:lvl9pPr>
           </a:lstStyle>
-          <a:p/>
+          <a:p>
+            <a:endParaRPr/>
+          </a:p>
         </p:txBody>
       </p:sp>
       <p:sp>
         <p:nvSpPr>
           <p:cNvPr id="34" name="Google Shape;34;p8"/>
-          <p:cNvSpPr txBox="1"/>
+          <p:cNvSpPr txBox="1">
+            <a:spLocks noGrp="1"/>
+          </p:cNvSpPr>
           <p:nvPr>
-            <p:ph idx="12" type="sldNum"/>
+            <p:ph type="sldNum" idx="12"/>
           </p:nvPr>
         </p:nvSpPr>
         <p:spPr>
@@ -4817,7 +5084,7 @@
           </a:prstGeom>
         </p:spPr>
         <p:txBody>
-          <a:bodyPr anchorCtr="0" anchor="ctr" bIns="91425" lIns="91425" spcFirstLastPara="1" rIns="91425" wrap="square" tIns="91425">
+          <a:bodyPr spcFirstLastPara="1" wrap="square" lIns="91425" tIns="91425" rIns="91425" bIns="91425" anchor="ctr" anchorCtr="0">
             <a:normAutofit/>
           </a:bodyPr>
           <a:lstStyle>
@@ -4859,7 +5126,7 @@
             </a:lvl9pPr>
           </a:lstStyle>
           <a:p>
-            <a:pPr indent="0" lvl="0" marL="0" rtl="0" algn="r">
+            <a:pPr marL="0" lvl="0" indent="0" algn="r" rtl="0">
               <a:spcBef>
                 <a:spcPts val="0"/>
               </a:spcBef>
@@ -4885,11 +5152,11 @@
 </file>
 
 <file path=ppt/slideLayouts/slideLayout8.xml><?xml version="1.0" encoding="utf-8"?>
-<p:sldLayout xmlns:a="http://schemas.openxmlformats.org/drawingml/2006/main" xmlns:r="http://schemas.openxmlformats.org/officeDocument/2006/relationships" xmlns:mc="http://schemas.openxmlformats.org/markup-compatibility/2006" xmlns:mv="urn:schemas-microsoft-com:mac:vml" xmlns:p="http://schemas.openxmlformats.org/presentationml/2006/main" xmlns:c="http://schemas.openxmlformats.org/drawingml/2006/chart" xmlns:dgm="http://schemas.openxmlformats.org/drawingml/2006/diagram" xmlns:o="urn:schemas-microsoft-com:office:office" xmlns:v="urn:schemas-microsoft-com:vml" xmlns:pvml="urn:schemas-microsoft-com:office:powerpoint" xmlns:com="http://schemas.openxmlformats.org/drawingml/2006/compatibility" xmlns:p14="http://schemas.microsoft.com/office/powerpoint/2010/main" xmlns:p15="http://schemas.microsoft.com/office/powerpoint/2012/main" xmlns:ahyp="http://schemas.microsoft.com/office/drawing/2018/hyperlinkcolor" matchingName="Section title and description">
+<p:sldLayout xmlns:a="http://schemas.openxmlformats.org/drawingml/2006/main" xmlns:r="http://schemas.openxmlformats.org/officeDocument/2006/relationships" xmlns:p="http://schemas.openxmlformats.org/presentationml/2006/main" matchingName="Section title and description">
   <p:cSld name="SECTION_TITLE_AND_DESCRIPTION">
     <p:spTree>
       <p:nvGrpSpPr>
-        <p:cNvPr id="35" name="Shape 35"/>
+        <p:cNvPr id="1" name="Shape 35"/>
         <p:cNvGrpSpPr/>
         <p:nvPr/>
       </p:nvGrpSpPr>
@@ -4923,12 +5190,12 @@
           </a:ln>
         </p:spPr>
         <p:txBody>
-          <a:bodyPr anchorCtr="0" anchor="ctr" bIns="91425" lIns="91425" spcFirstLastPara="1" rIns="91425" wrap="square" tIns="91425">
+          <a:bodyPr spcFirstLastPara="1" wrap="square" lIns="91425" tIns="91425" rIns="91425" bIns="91425" anchor="ctr" anchorCtr="0">
             <a:noAutofit/>
           </a:bodyPr>
           <a:lstStyle/>
           <a:p>
-            <a:pPr indent="0" lvl="0" marL="0" rtl="0" algn="l">
+            <a:pPr marL="0" lvl="0" indent="0" algn="l" rtl="0">
               <a:spcBef>
                 <a:spcPts val="0"/>
               </a:spcBef>
@@ -4937,9 +5204,6 @@
               </a:spcAft>
               <a:buNone/>
             </a:pPr>
-            <a:r>
-              <a:t/>
-            </a:r>
             <a:endParaRPr/>
           </a:p>
         </p:txBody>
@@ -4947,7 +5211,9 @@
       <p:sp>
         <p:nvSpPr>
           <p:cNvPr id="37" name="Google Shape;37;p9"/>
-          <p:cNvSpPr txBox="1"/>
+          <p:cNvSpPr txBox="1">
+            <a:spLocks noGrp="1"/>
+          </p:cNvSpPr>
           <p:nvPr>
             <p:ph type="title"/>
           </p:nvPr>
@@ -4962,7 +5228,7 @@
           </a:prstGeom>
         </p:spPr>
         <p:txBody>
-          <a:bodyPr anchorCtr="0" anchor="b" bIns="91425" lIns="91425" spcFirstLastPara="1" rIns="91425" wrap="square" tIns="91425">
+          <a:bodyPr spcFirstLastPara="1" wrap="square" lIns="91425" tIns="91425" rIns="91425" bIns="91425" anchor="b" anchorCtr="0">
             <a:normAutofit/>
           </a:bodyPr>
           <a:lstStyle>
@@ -5066,15 +5332,19 @@
               <a:defRPr sz="4200"/>
             </a:lvl9pPr>
           </a:lstStyle>
-          <a:p/>
+          <a:p>
+            <a:endParaRPr/>
+          </a:p>
         </p:txBody>
       </p:sp>
       <p:sp>
         <p:nvSpPr>
           <p:cNvPr id="38" name="Google Shape;38;p9"/>
-          <p:cNvSpPr txBox="1"/>
+          <p:cNvSpPr txBox="1">
+            <a:spLocks noGrp="1"/>
+          </p:cNvSpPr>
           <p:nvPr>
-            <p:ph idx="1" type="subTitle"/>
+            <p:ph type="subTitle" idx="1"/>
           </p:nvPr>
         </p:nvSpPr>
         <p:spPr>
@@ -5087,7 +5357,7 @@
           </a:prstGeom>
         </p:spPr>
         <p:txBody>
-          <a:bodyPr anchorCtr="0" anchor="t" bIns="91425" lIns="91425" spcFirstLastPara="1" rIns="91425" wrap="square" tIns="91425">
+          <a:bodyPr spcFirstLastPara="1" wrap="square" lIns="91425" tIns="91425" rIns="91425" bIns="91425" anchor="t" anchorCtr="0">
             <a:normAutofit/>
           </a:bodyPr>
           <a:lstStyle>
@@ -5218,15 +5488,19 @@
               <a:defRPr sz="2100"/>
             </a:lvl9pPr>
           </a:lstStyle>
-          <a:p/>
+          <a:p>
+            <a:endParaRPr/>
+          </a:p>
         </p:txBody>
       </p:sp>
       <p:sp>
         <p:nvSpPr>
           <p:cNvPr id="39" name="Google Shape;39;p9"/>
-          <p:cNvSpPr txBox="1"/>
+          <p:cNvSpPr txBox="1">
+            <a:spLocks noGrp="1"/>
+          </p:cNvSpPr>
           <p:nvPr>
-            <p:ph idx="2" type="body"/>
+            <p:ph type="body" idx="2"/>
           </p:nvPr>
         </p:nvSpPr>
         <p:spPr>
@@ -5239,11 +5513,11 @@
           </a:prstGeom>
         </p:spPr>
         <p:txBody>
-          <a:bodyPr anchorCtr="0" anchor="ctr" bIns="91425" lIns="91425" spcFirstLastPara="1" rIns="91425" wrap="square" tIns="91425">
+          <a:bodyPr spcFirstLastPara="1" wrap="square" lIns="91425" tIns="91425" rIns="91425" bIns="91425" anchor="ctr" anchorCtr="0">
             <a:normAutofit/>
           </a:bodyPr>
           <a:lstStyle>
-            <a:lvl1pPr indent="-342900" lvl="0" marL="457200">
+            <a:lvl1pPr marL="457200" lvl="0" indent="-342900">
               <a:spcBef>
                 <a:spcPts val="0"/>
               </a:spcBef>
@@ -5254,7 +5528,7 @@
               <a:buChar char="●"/>
               <a:defRPr/>
             </a:lvl1pPr>
-            <a:lvl2pPr indent="-317500" lvl="1" marL="914400">
+            <a:lvl2pPr marL="914400" lvl="1" indent="-317500">
               <a:spcBef>
                 <a:spcPts val="0"/>
               </a:spcBef>
@@ -5265,7 +5539,7 @@
               <a:buChar char="○"/>
               <a:defRPr/>
             </a:lvl2pPr>
-            <a:lvl3pPr indent="-317500" lvl="2" marL="1371600">
+            <a:lvl3pPr marL="1371600" lvl="2" indent="-317500">
               <a:spcBef>
                 <a:spcPts val="0"/>
               </a:spcBef>
@@ -5276,7 +5550,7 @@
               <a:buChar char="■"/>
               <a:defRPr/>
             </a:lvl3pPr>
-            <a:lvl4pPr indent="-317500" lvl="3" marL="1828800">
+            <a:lvl4pPr marL="1828800" lvl="3" indent="-317500">
               <a:spcBef>
                 <a:spcPts val="0"/>
               </a:spcBef>
@@ -5287,7 +5561,7 @@
               <a:buChar char="●"/>
               <a:defRPr/>
             </a:lvl4pPr>
-            <a:lvl5pPr indent="-317500" lvl="4" marL="2286000">
+            <a:lvl5pPr marL="2286000" lvl="4" indent="-317500">
               <a:spcBef>
                 <a:spcPts val="0"/>
               </a:spcBef>
@@ -5298,7 +5572,7 @@
               <a:buChar char="○"/>
               <a:defRPr/>
             </a:lvl5pPr>
-            <a:lvl6pPr indent="-317500" lvl="5" marL="2743200">
+            <a:lvl6pPr marL="2743200" lvl="5" indent="-317500">
               <a:spcBef>
                 <a:spcPts val="0"/>
               </a:spcBef>
@@ -5309,7 +5583,7 @@
               <a:buChar char="■"/>
               <a:defRPr/>
             </a:lvl6pPr>
-            <a:lvl7pPr indent="-317500" lvl="6" marL="3200400">
+            <a:lvl7pPr marL="3200400" lvl="6" indent="-317500">
               <a:spcBef>
                 <a:spcPts val="0"/>
               </a:spcBef>
@@ -5320,7 +5594,7 @@
               <a:buChar char="●"/>
               <a:defRPr/>
             </a:lvl7pPr>
-            <a:lvl8pPr indent="-317500" lvl="7" marL="3657600">
+            <a:lvl8pPr marL="3657600" lvl="7" indent="-317500">
               <a:spcBef>
                 <a:spcPts val="0"/>
               </a:spcBef>
@@ -5331,7 +5605,7 @@
               <a:buChar char="○"/>
               <a:defRPr/>
             </a:lvl8pPr>
-            <a:lvl9pPr indent="-317500" lvl="8" marL="4114800">
+            <a:lvl9pPr marL="4114800" lvl="8" indent="-317500">
               <a:spcBef>
                 <a:spcPts val="0"/>
               </a:spcBef>
@@ -5343,15 +5617,19 @@
               <a:defRPr/>
             </a:lvl9pPr>
           </a:lstStyle>
-          <a:p/>
+          <a:p>
+            <a:endParaRPr/>
+          </a:p>
         </p:txBody>
       </p:sp>
       <p:sp>
         <p:nvSpPr>
           <p:cNvPr id="40" name="Google Shape;40;p9"/>
-          <p:cNvSpPr txBox="1"/>
+          <p:cNvSpPr txBox="1">
+            <a:spLocks noGrp="1"/>
+          </p:cNvSpPr>
           <p:nvPr>
-            <p:ph idx="12" type="sldNum"/>
+            <p:ph type="sldNum" idx="12"/>
           </p:nvPr>
         </p:nvSpPr>
         <p:spPr>
@@ -5364,7 +5642,7 @@
           </a:prstGeom>
         </p:spPr>
         <p:txBody>
-          <a:bodyPr anchorCtr="0" anchor="ctr" bIns="91425" lIns="91425" spcFirstLastPara="1" rIns="91425" wrap="square" tIns="91425">
+          <a:bodyPr spcFirstLastPara="1" wrap="square" lIns="91425" tIns="91425" rIns="91425" bIns="91425" anchor="ctr" anchorCtr="0">
             <a:normAutofit/>
           </a:bodyPr>
           <a:lstStyle>
@@ -5406,7 +5684,7 @@
             </a:lvl9pPr>
           </a:lstStyle>
           <a:p>
-            <a:pPr indent="0" lvl="0" marL="0" rtl="0" algn="r">
+            <a:pPr marL="0" lvl="0" indent="0" algn="r" rtl="0">
               <a:spcBef>
                 <a:spcPts val="0"/>
               </a:spcBef>
@@ -5432,11 +5710,11 @@
 </file>
 
 <file path=ppt/slideLayouts/slideLayout9.xml><?xml version="1.0" encoding="utf-8"?>
-<p:sldLayout xmlns:a="http://schemas.openxmlformats.org/drawingml/2006/main" xmlns:r="http://schemas.openxmlformats.org/officeDocument/2006/relationships" xmlns:mc="http://schemas.openxmlformats.org/markup-compatibility/2006" xmlns:mv="urn:schemas-microsoft-com:mac:vml" xmlns:p="http://schemas.openxmlformats.org/presentationml/2006/main" xmlns:c="http://schemas.openxmlformats.org/drawingml/2006/chart" xmlns:dgm="http://schemas.openxmlformats.org/drawingml/2006/diagram" xmlns:o="urn:schemas-microsoft-com:office:office" xmlns:v="urn:schemas-microsoft-com:vml" xmlns:pvml="urn:schemas-microsoft-com:office:powerpoint" xmlns:com="http://schemas.openxmlformats.org/drawingml/2006/compatibility" xmlns:p14="http://schemas.microsoft.com/office/powerpoint/2010/main" xmlns:p15="http://schemas.microsoft.com/office/powerpoint/2012/main" xmlns:ahyp="http://schemas.microsoft.com/office/drawing/2018/hyperlinkcolor" matchingName="Caption">
+<p:sldLayout xmlns:a="http://schemas.openxmlformats.org/drawingml/2006/main" xmlns:r="http://schemas.openxmlformats.org/officeDocument/2006/relationships" xmlns:p="http://schemas.openxmlformats.org/presentationml/2006/main" matchingName="Caption">
   <p:cSld name="CAPTION_ONLY">
     <p:spTree>
       <p:nvGrpSpPr>
-        <p:cNvPr id="41" name="Shape 41"/>
+        <p:cNvPr id="1" name="Shape 41"/>
         <p:cNvGrpSpPr/>
         <p:nvPr/>
       </p:nvGrpSpPr>
@@ -5451,9 +5729,11 @@
       <p:sp>
         <p:nvSpPr>
           <p:cNvPr id="42" name="Google Shape;42;p10"/>
-          <p:cNvSpPr txBox="1"/>
+          <p:cNvSpPr txBox="1">
+            <a:spLocks noGrp="1"/>
+          </p:cNvSpPr>
           <p:nvPr>
-            <p:ph idx="1" type="body"/>
+            <p:ph type="body" idx="1"/>
           </p:nvPr>
         </p:nvSpPr>
         <p:spPr>
@@ -5466,11 +5746,11 @@
           </a:prstGeom>
         </p:spPr>
         <p:txBody>
-          <a:bodyPr anchorCtr="0" anchor="ctr" bIns="91425" lIns="91425" spcFirstLastPara="1" rIns="91425" wrap="square" tIns="91425">
+          <a:bodyPr spcFirstLastPara="1" wrap="square" lIns="91425" tIns="91425" rIns="91425" bIns="91425" anchor="ctr" anchorCtr="0">
             <a:normAutofit/>
           </a:bodyPr>
           <a:lstStyle>
-            <a:lvl1pPr indent="-228600" lvl="0" marL="457200">
+            <a:lvl1pPr marL="457200" lvl="0" indent="-228600">
               <a:lnSpc>
                 <a:spcPct val="100000"/>
               </a:lnSpc>
@@ -5485,15 +5765,19 @@
               <a:defRPr/>
             </a:lvl1pPr>
           </a:lstStyle>
-          <a:p/>
+          <a:p>
+            <a:endParaRPr/>
+          </a:p>
         </p:txBody>
       </p:sp>
       <p:sp>
         <p:nvSpPr>
           <p:cNvPr id="43" name="Google Shape;43;p10"/>
-          <p:cNvSpPr txBox="1"/>
+          <p:cNvSpPr txBox="1">
+            <a:spLocks noGrp="1"/>
+          </p:cNvSpPr>
           <p:nvPr>
-            <p:ph idx="12" type="sldNum"/>
+            <p:ph type="sldNum" idx="12"/>
           </p:nvPr>
         </p:nvSpPr>
         <p:spPr>
@@ -5506,7 +5790,7 @@
           </a:prstGeom>
         </p:spPr>
         <p:txBody>
-          <a:bodyPr anchorCtr="0" anchor="ctr" bIns="91425" lIns="91425" spcFirstLastPara="1" rIns="91425" wrap="square" tIns="91425">
+          <a:bodyPr spcFirstLastPara="1" wrap="square" lIns="91425" tIns="91425" rIns="91425" bIns="91425" anchor="ctr" anchorCtr="0">
             <a:normAutofit/>
           </a:bodyPr>
           <a:lstStyle>
@@ -5548,7 +5832,7 @@
             </a:lvl9pPr>
           </a:lstStyle>
           <a:p>
-            <a:pPr indent="0" lvl="0" marL="0" rtl="0" algn="r">
+            <a:pPr marL="0" lvl="0" indent="0" algn="r" rtl="0">
               <a:spcBef>
                 <a:spcPts val="0"/>
               </a:spcBef>
@@ -5574,18 +5858,19 @@
 </file>
 
 <file path=ppt/slideMasters/slideMaster1.xml><?xml version="1.0" encoding="utf-8"?>
-<p:sldMaster xmlns:a="http://schemas.openxmlformats.org/drawingml/2006/main" xmlns:r="http://schemas.openxmlformats.org/officeDocument/2006/relationships" xmlns:mc="http://schemas.openxmlformats.org/markup-compatibility/2006" xmlns:mv="urn:schemas-microsoft-com:mac:vml" xmlns:p="http://schemas.openxmlformats.org/presentationml/2006/main" xmlns:c="http://schemas.openxmlformats.org/drawingml/2006/chart" xmlns:dgm="http://schemas.openxmlformats.org/drawingml/2006/diagram" xmlns:o="urn:schemas-microsoft-com:office:office" xmlns:v="urn:schemas-microsoft-com:vml" xmlns:pvml="urn:schemas-microsoft-com:office:powerpoint" xmlns:com="http://schemas.openxmlformats.org/drawingml/2006/compatibility" xmlns:p14="http://schemas.microsoft.com/office/powerpoint/2010/main" xmlns:p15="http://schemas.microsoft.com/office/powerpoint/2012/main" xmlns:ahyp="http://schemas.microsoft.com/office/drawing/2018/hyperlinkcolor">
+<p:sldMaster xmlns:a="http://schemas.openxmlformats.org/drawingml/2006/main" xmlns:r="http://schemas.openxmlformats.org/officeDocument/2006/relationships" xmlns:p="http://schemas.openxmlformats.org/presentationml/2006/main">
   <p:cSld name="simple-light-2">
     <p:bg>
       <p:bgPr>
         <a:solidFill>
           <a:schemeClr val="lt1"/>
         </a:solidFill>
+        <a:effectLst/>
       </p:bgPr>
     </p:bg>
     <p:spTree>
       <p:nvGrpSpPr>
-        <p:cNvPr id="5" name="Shape 5"/>
+        <p:cNvPr id="1" name="Shape 5"/>
         <p:cNvGrpSpPr/>
         <p:nvPr/>
       </p:nvGrpSpPr>
@@ -5600,7 +5885,9 @@
       <p:sp>
         <p:nvSpPr>
           <p:cNvPr id="6" name="Google Shape;6;p1"/>
-          <p:cNvSpPr txBox="1"/>
+          <p:cNvSpPr txBox="1">
+            <a:spLocks noGrp="1"/>
+          </p:cNvSpPr>
           <p:nvPr>
             <p:ph type="title"/>
           </p:nvPr>
@@ -5619,7 +5906,7 @@
           </a:ln>
         </p:spPr>
         <p:txBody>
-          <a:bodyPr anchorCtr="0" anchor="t" bIns="91425" lIns="91425" spcFirstLastPara="1" rIns="91425" wrap="square" tIns="91425">
+          <a:bodyPr spcFirstLastPara="1" wrap="square" lIns="91425" tIns="91425" rIns="91425" bIns="91425" anchor="t" anchorCtr="0">
             <a:normAutofit/>
           </a:bodyPr>
           <a:lstStyle>
@@ -5786,15 +6073,19 @@
               </a:defRPr>
             </a:lvl9pPr>
           </a:lstStyle>
-          <a:p/>
+          <a:p>
+            <a:endParaRPr/>
+          </a:p>
         </p:txBody>
       </p:sp>
       <p:sp>
         <p:nvSpPr>
           <p:cNvPr id="7" name="Google Shape;7;p1"/>
-          <p:cNvSpPr txBox="1"/>
+          <p:cNvSpPr txBox="1">
+            <a:spLocks noGrp="1"/>
+          </p:cNvSpPr>
           <p:nvPr>
-            <p:ph idx="1" type="body"/>
+            <p:ph type="body" idx="1"/>
           </p:nvPr>
         </p:nvSpPr>
         <p:spPr>
@@ -5811,11 +6102,11 @@
           </a:ln>
         </p:spPr>
         <p:txBody>
-          <a:bodyPr anchorCtr="0" anchor="t" bIns="91425" lIns="91425" spcFirstLastPara="1" rIns="91425" wrap="square" tIns="91425">
+          <a:bodyPr spcFirstLastPara="1" wrap="square" lIns="91425" tIns="91425" rIns="91425" bIns="91425" anchor="t" anchorCtr="0">
             <a:normAutofit/>
           </a:bodyPr>
           <a:lstStyle>
-            <a:lvl1pPr indent="-342900" lvl="0" marL="457200">
+            <a:lvl1pPr marL="457200" lvl="0" indent="-342900">
               <a:lnSpc>
                 <a:spcPct val="115000"/>
               </a:lnSpc>
@@ -5836,7 +6127,7 @@
                 </a:solidFill>
               </a:defRPr>
             </a:lvl1pPr>
-            <a:lvl2pPr indent="-317500" lvl="1" marL="914400">
+            <a:lvl2pPr marL="914400" lvl="1" indent="-317500">
               <a:lnSpc>
                 <a:spcPct val="115000"/>
               </a:lnSpc>
@@ -5857,7 +6148,7 @@
                 </a:solidFill>
               </a:defRPr>
             </a:lvl2pPr>
-            <a:lvl3pPr indent="-317500" lvl="2" marL="1371600">
+            <a:lvl3pPr marL="1371600" lvl="2" indent="-317500">
               <a:lnSpc>
                 <a:spcPct val="115000"/>
               </a:lnSpc>
@@ -5878,7 +6169,7 @@
                 </a:solidFill>
               </a:defRPr>
             </a:lvl3pPr>
-            <a:lvl4pPr indent="-317500" lvl="3" marL="1828800">
+            <a:lvl4pPr marL="1828800" lvl="3" indent="-317500">
               <a:lnSpc>
                 <a:spcPct val="115000"/>
               </a:lnSpc>
@@ -5899,7 +6190,7 @@
                 </a:solidFill>
               </a:defRPr>
             </a:lvl4pPr>
-            <a:lvl5pPr indent="-317500" lvl="4" marL="2286000">
+            <a:lvl5pPr marL="2286000" lvl="4" indent="-317500">
               <a:lnSpc>
                 <a:spcPct val="115000"/>
               </a:lnSpc>
@@ -5920,7 +6211,7 @@
                 </a:solidFill>
               </a:defRPr>
             </a:lvl5pPr>
-            <a:lvl6pPr indent="-317500" lvl="5" marL="2743200">
+            <a:lvl6pPr marL="2743200" lvl="5" indent="-317500">
               <a:lnSpc>
                 <a:spcPct val="115000"/>
               </a:lnSpc>
@@ -5941,7 +6232,7 @@
                 </a:solidFill>
               </a:defRPr>
             </a:lvl6pPr>
-            <a:lvl7pPr indent="-317500" lvl="6" marL="3200400">
+            <a:lvl7pPr marL="3200400" lvl="6" indent="-317500">
               <a:lnSpc>
                 <a:spcPct val="115000"/>
               </a:lnSpc>
@@ -5962,7 +6253,7 @@
                 </a:solidFill>
               </a:defRPr>
             </a:lvl7pPr>
-            <a:lvl8pPr indent="-317500" lvl="7" marL="3657600">
+            <a:lvl8pPr marL="3657600" lvl="7" indent="-317500">
               <a:lnSpc>
                 <a:spcPct val="115000"/>
               </a:lnSpc>
@@ -5983,7 +6274,7 @@
                 </a:solidFill>
               </a:defRPr>
             </a:lvl8pPr>
-            <a:lvl9pPr indent="-317500" lvl="8" marL="4114800">
+            <a:lvl9pPr marL="4114800" lvl="8" indent="-317500">
               <a:lnSpc>
                 <a:spcPct val="115000"/>
               </a:lnSpc>
@@ -6005,15 +6296,19 @@
               </a:defRPr>
             </a:lvl9pPr>
           </a:lstStyle>
-          <a:p/>
+          <a:p>
+            <a:endParaRPr/>
+          </a:p>
         </p:txBody>
       </p:sp>
       <p:sp>
         <p:nvSpPr>
           <p:cNvPr id="8" name="Google Shape;8;p1"/>
-          <p:cNvSpPr txBox="1"/>
+          <p:cNvSpPr txBox="1">
+            <a:spLocks noGrp="1"/>
+          </p:cNvSpPr>
           <p:nvPr>
-            <p:ph idx="12" type="sldNum"/>
+            <p:ph type="sldNum" idx="12"/>
           </p:nvPr>
         </p:nvSpPr>
         <p:spPr>
@@ -6030,7 +6325,7 @@
           </a:ln>
         </p:spPr>
         <p:txBody>
-          <a:bodyPr anchorCtr="0" anchor="ctr" bIns="91425" lIns="91425" spcFirstLastPara="1" rIns="91425" wrap="square" tIns="91425">
+          <a:bodyPr spcFirstLastPara="1" wrap="square" lIns="91425" tIns="91425" rIns="91425" bIns="91425" anchor="ctr" anchorCtr="0">
             <a:normAutofit/>
           </a:bodyPr>
           <a:lstStyle>
@@ -6108,7 +6403,7 @@
             </a:lvl9pPr>
           </a:lstStyle>
           <a:p>
-            <a:pPr indent="0" lvl="0" marL="0" rtl="0" algn="r">
+            <a:pPr marL="0" lvl="0" indent="0" algn="r" rtl="0">
               <a:spcBef>
                 <a:spcPts val="0"/>
               </a:spcBef>
@@ -6127,7 +6422,7 @@
       </p:sp>
     </p:spTree>
   </p:cSld>
-  <p:clrMap accent1="accent1" accent2="accent2" accent3="accent3" accent4="accent4" accent5="accent5" accent6="accent6" bg1="lt1" bg2="dk2" tx1="dk1" tx2="lt2" folHlink="folHlink" hlink="hlink"/>
+  <p:clrMap bg1="lt1" tx1="dk1" bg2="dk2" tx2="lt2" accent1="accent1" accent2="accent2" accent3="accent3" accent4="accent4" accent5="accent5" accent6="accent6" hlink="hlink" folHlink="folHlink"/>
   <p:sldLayoutIdLst>
     <p:sldLayoutId id="2147483648" r:id="rId1"/>
     <p:sldLayoutId id="2147483649" r:id="rId2"/>
@@ -6141,10 +6436,10 @@
     <p:sldLayoutId id="2147483657" r:id="rId10"/>
     <p:sldLayoutId id="2147483658" r:id="rId11"/>
   </p:sldLayoutIdLst>
-  <p:hf dt="0" ftr="0" hdr="0" sldNum="0"/>
+  <p:hf sldNum="0" hdr="0" ftr="0" dt="0"/>
   <p:txStyles>
     <p:titleStyle>
-      <a:defPPr lvl="0" marR="0" rtl="0" algn="l">
+      <a:defPPr marR="0" lvl="0" algn="l" rtl="0">
         <a:lnSpc>
           <a:spcPct val="100000"/>
         </a:lnSpc>
@@ -6155,7 +6450,7 @@
           <a:spcPts val="0"/>
         </a:spcAft>
       </a:defPPr>
-      <a:lvl1pPr lvl="0" marR="0" rtl="0" algn="l">
+      <a:lvl1pPr marR="0" lvl="0" algn="l" rtl="0">
         <a:lnSpc>
           <a:spcPct val="100000"/>
         </a:lnSpc>
@@ -6169,7 +6464,7 @@
           <a:srgbClr val="000000"/>
         </a:buClr>
         <a:buFont typeface="Arial"/>
-        <a:defRPr b="0" i="0" sz="1400" u="none" cap="none" strike="noStrike">
+        <a:defRPr sz="1400" b="0" i="0" u="none" strike="noStrike" cap="none">
           <a:solidFill>
             <a:srgbClr val="000000"/>
           </a:solidFill>
@@ -6179,7 +6474,7 @@
           <a:sym typeface="Arial"/>
         </a:defRPr>
       </a:lvl1pPr>
-      <a:lvl2pPr lvl="1" marR="0" rtl="0" algn="l">
+      <a:lvl2pPr marR="0" lvl="1" algn="l" rtl="0">
         <a:lnSpc>
           <a:spcPct val="100000"/>
         </a:lnSpc>
@@ -6193,7 +6488,7 @@
           <a:srgbClr val="000000"/>
         </a:buClr>
         <a:buFont typeface="Arial"/>
-        <a:defRPr b="0" i="0" sz="1400" u="none" cap="none" strike="noStrike">
+        <a:defRPr sz="1400" b="0" i="0" u="none" strike="noStrike" cap="none">
           <a:solidFill>
             <a:srgbClr val="000000"/>
           </a:solidFill>
@@ -6203,7 +6498,7 @@
           <a:sym typeface="Arial"/>
         </a:defRPr>
       </a:lvl2pPr>
-      <a:lvl3pPr lvl="2" marR="0" rtl="0" algn="l">
+      <a:lvl3pPr marR="0" lvl="2" algn="l" rtl="0">
         <a:lnSpc>
           <a:spcPct val="100000"/>
         </a:lnSpc>
@@ -6217,7 +6512,7 @@
           <a:srgbClr val="000000"/>
         </a:buClr>
         <a:buFont typeface="Arial"/>
-        <a:defRPr b="0" i="0" sz="1400" u="none" cap="none" strike="noStrike">
+        <a:defRPr sz="1400" b="0" i="0" u="none" strike="noStrike" cap="none">
           <a:solidFill>
             <a:srgbClr val="000000"/>
           </a:solidFill>
@@ -6227,7 +6522,7 @@
           <a:sym typeface="Arial"/>
         </a:defRPr>
       </a:lvl3pPr>
-      <a:lvl4pPr lvl="3" marR="0" rtl="0" algn="l">
+      <a:lvl4pPr marR="0" lvl="3" algn="l" rtl="0">
         <a:lnSpc>
           <a:spcPct val="100000"/>
         </a:lnSpc>
@@ -6241,7 +6536,7 @@
           <a:srgbClr val="000000"/>
         </a:buClr>
         <a:buFont typeface="Arial"/>
-        <a:defRPr b="0" i="0" sz="1400" u="none" cap="none" strike="noStrike">
+        <a:defRPr sz="1400" b="0" i="0" u="none" strike="noStrike" cap="none">
           <a:solidFill>
             <a:srgbClr val="000000"/>
           </a:solidFill>
@@ -6251,7 +6546,7 @@
           <a:sym typeface="Arial"/>
         </a:defRPr>
       </a:lvl4pPr>
-      <a:lvl5pPr lvl="4" marR="0" rtl="0" algn="l">
+      <a:lvl5pPr marR="0" lvl="4" algn="l" rtl="0">
         <a:lnSpc>
           <a:spcPct val="100000"/>
         </a:lnSpc>
@@ -6265,7 +6560,7 @@
           <a:srgbClr val="000000"/>
         </a:buClr>
         <a:buFont typeface="Arial"/>
-        <a:defRPr b="0" i="0" sz="1400" u="none" cap="none" strike="noStrike">
+        <a:defRPr sz="1400" b="0" i="0" u="none" strike="noStrike" cap="none">
           <a:solidFill>
             <a:srgbClr val="000000"/>
           </a:solidFill>
@@ -6275,7 +6570,7 @@
           <a:sym typeface="Arial"/>
         </a:defRPr>
       </a:lvl5pPr>
-      <a:lvl6pPr lvl="5" marR="0" rtl="0" algn="l">
+      <a:lvl6pPr marR="0" lvl="5" algn="l" rtl="0">
         <a:lnSpc>
           <a:spcPct val="100000"/>
         </a:lnSpc>
@@ -6289,7 +6584,7 @@
           <a:srgbClr val="000000"/>
         </a:buClr>
         <a:buFont typeface="Arial"/>
-        <a:defRPr b="0" i="0" sz="1400" u="none" cap="none" strike="noStrike">
+        <a:defRPr sz="1400" b="0" i="0" u="none" strike="noStrike" cap="none">
           <a:solidFill>
             <a:srgbClr val="000000"/>
           </a:solidFill>
@@ -6299,7 +6594,7 @@
           <a:sym typeface="Arial"/>
         </a:defRPr>
       </a:lvl6pPr>
-      <a:lvl7pPr lvl="6" marR="0" rtl="0" algn="l">
+      <a:lvl7pPr marR="0" lvl="6" algn="l" rtl="0">
         <a:lnSpc>
           <a:spcPct val="100000"/>
         </a:lnSpc>
@@ -6313,7 +6608,7 @@
           <a:srgbClr val="000000"/>
         </a:buClr>
         <a:buFont typeface="Arial"/>
-        <a:defRPr b="0" i="0" sz="1400" u="none" cap="none" strike="noStrike">
+        <a:defRPr sz="1400" b="0" i="0" u="none" strike="noStrike" cap="none">
           <a:solidFill>
             <a:srgbClr val="000000"/>
           </a:solidFill>
@@ -6323,7 +6618,7 @@
           <a:sym typeface="Arial"/>
         </a:defRPr>
       </a:lvl7pPr>
-      <a:lvl8pPr lvl="7" marR="0" rtl="0" algn="l">
+      <a:lvl8pPr marR="0" lvl="7" algn="l" rtl="0">
         <a:lnSpc>
           <a:spcPct val="100000"/>
         </a:lnSpc>
@@ -6337,7 +6632,7 @@
           <a:srgbClr val="000000"/>
         </a:buClr>
         <a:buFont typeface="Arial"/>
-        <a:defRPr b="0" i="0" sz="1400" u="none" cap="none" strike="noStrike">
+        <a:defRPr sz="1400" b="0" i="0" u="none" strike="noStrike" cap="none">
           <a:solidFill>
             <a:srgbClr val="000000"/>
           </a:solidFill>
@@ -6347,7 +6642,7 @@
           <a:sym typeface="Arial"/>
         </a:defRPr>
       </a:lvl8pPr>
-      <a:lvl9pPr lvl="8" marR="0" rtl="0" algn="l">
+      <a:lvl9pPr marR="0" lvl="8" algn="l" rtl="0">
         <a:lnSpc>
           <a:spcPct val="100000"/>
         </a:lnSpc>
@@ -6361,7 +6656,7 @@
           <a:srgbClr val="000000"/>
         </a:buClr>
         <a:buFont typeface="Arial"/>
-        <a:defRPr b="0" i="0" sz="1400" u="none" cap="none" strike="noStrike">
+        <a:defRPr sz="1400" b="0" i="0" u="none" strike="noStrike" cap="none">
           <a:solidFill>
             <a:srgbClr val="000000"/>
           </a:solidFill>
@@ -6373,7 +6668,7 @@
       </a:lvl9pPr>
     </p:titleStyle>
     <p:bodyStyle>
-      <a:defPPr lvl="0" marR="0" rtl="0" algn="l">
+      <a:defPPr marR="0" lvl="0" algn="l" rtl="0">
         <a:lnSpc>
           <a:spcPct val="100000"/>
         </a:lnSpc>
@@ -6384,7 +6679,7 @@
           <a:spcPts val="0"/>
         </a:spcAft>
       </a:defPPr>
-      <a:lvl1pPr lvl="0" marR="0" rtl="0" algn="l">
+      <a:lvl1pPr marR="0" lvl="0" algn="l" rtl="0">
         <a:lnSpc>
           <a:spcPct val="100000"/>
         </a:lnSpc>
@@ -6398,7 +6693,7 @@
           <a:srgbClr val="000000"/>
         </a:buClr>
         <a:buFont typeface="Arial"/>
-        <a:defRPr b="0" i="0" sz="1400" u="none" cap="none" strike="noStrike">
+        <a:defRPr sz="1400" b="0" i="0" u="none" strike="noStrike" cap="none">
           <a:solidFill>
             <a:srgbClr val="000000"/>
           </a:solidFill>
@@ -6408,7 +6703,7 @@
           <a:sym typeface="Arial"/>
         </a:defRPr>
       </a:lvl1pPr>
-      <a:lvl2pPr lvl="1" marR="0" rtl="0" algn="l">
+      <a:lvl2pPr marR="0" lvl="1" algn="l" rtl="0">
         <a:lnSpc>
           <a:spcPct val="100000"/>
         </a:lnSpc>
@@ -6422,7 +6717,7 @@
           <a:srgbClr val="000000"/>
         </a:buClr>
         <a:buFont typeface="Arial"/>
-        <a:defRPr b="0" i="0" sz="1400" u="none" cap="none" strike="noStrike">
+        <a:defRPr sz="1400" b="0" i="0" u="none" strike="noStrike" cap="none">
           <a:solidFill>
             <a:srgbClr val="000000"/>
           </a:solidFill>
@@ -6432,7 +6727,7 @@
           <a:sym typeface="Arial"/>
         </a:defRPr>
       </a:lvl2pPr>
-      <a:lvl3pPr lvl="2" marR="0" rtl="0" algn="l">
+      <a:lvl3pPr marR="0" lvl="2" algn="l" rtl="0">
         <a:lnSpc>
           <a:spcPct val="100000"/>
         </a:lnSpc>
@@ -6446,7 +6741,7 @@
           <a:srgbClr val="000000"/>
         </a:buClr>
         <a:buFont typeface="Arial"/>
-        <a:defRPr b="0" i="0" sz="1400" u="none" cap="none" strike="noStrike">
+        <a:defRPr sz="1400" b="0" i="0" u="none" strike="noStrike" cap="none">
           <a:solidFill>
             <a:srgbClr val="000000"/>
           </a:solidFill>
@@ -6456,7 +6751,7 @@
           <a:sym typeface="Arial"/>
         </a:defRPr>
       </a:lvl3pPr>
-      <a:lvl4pPr lvl="3" marR="0" rtl="0" algn="l">
+      <a:lvl4pPr marR="0" lvl="3" algn="l" rtl="0">
         <a:lnSpc>
           <a:spcPct val="100000"/>
         </a:lnSpc>
@@ -6470,7 +6765,7 @@
           <a:srgbClr val="000000"/>
         </a:buClr>
         <a:buFont typeface="Arial"/>
-        <a:defRPr b="0" i="0" sz="1400" u="none" cap="none" strike="noStrike">
+        <a:defRPr sz="1400" b="0" i="0" u="none" strike="noStrike" cap="none">
           <a:solidFill>
             <a:srgbClr val="000000"/>
           </a:solidFill>
@@ -6480,7 +6775,7 @@
           <a:sym typeface="Arial"/>
         </a:defRPr>
       </a:lvl4pPr>
-      <a:lvl5pPr lvl="4" marR="0" rtl="0" algn="l">
+      <a:lvl5pPr marR="0" lvl="4" algn="l" rtl="0">
         <a:lnSpc>
           <a:spcPct val="100000"/>
         </a:lnSpc>
@@ -6494,7 +6789,7 @@
           <a:srgbClr val="000000"/>
         </a:buClr>
         <a:buFont typeface="Arial"/>
-        <a:defRPr b="0" i="0" sz="1400" u="none" cap="none" strike="noStrike">
+        <a:defRPr sz="1400" b="0" i="0" u="none" strike="noStrike" cap="none">
           <a:solidFill>
             <a:srgbClr val="000000"/>
           </a:solidFill>
@@ -6504,7 +6799,7 @@
           <a:sym typeface="Arial"/>
         </a:defRPr>
       </a:lvl5pPr>
-      <a:lvl6pPr lvl="5" marR="0" rtl="0" algn="l">
+      <a:lvl6pPr marR="0" lvl="5" algn="l" rtl="0">
         <a:lnSpc>
           <a:spcPct val="100000"/>
         </a:lnSpc>
@@ -6518,7 +6813,7 @@
           <a:srgbClr val="000000"/>
         </a:buClr>
         <a:buFont typeface="Arial"/>
-        <a:defRPr b="0" i="0" sz="1400" u="none" cap="none" strike="noStrike">
+        <a:defRPr sz="1400" b="0" i="0" u="none" strike="noStrike" cap="none">
           <a:solidFill>
             <a:srgbClr val="000000"/>
           </a:solidFill>
@@ -6528,7 +6823,7 @@
           <a:sym typeface="Arial"/>
         </a:defRPr>
       </a:lvl6pPr>
-      <a:lvl7pPr lvl="6" marR="0" rtl="0" algn="l">
+      <a:lvl7pPr marR="0" lvl="6" algn="l" rtl="0">
         <a:lnSpc>
           <a:spcPct val="100000"/>
         </a:lnSpc>
@@ -6542,7 +6837,7 @@
           <a:srgbClr val="000000"/>
         </a:buClr>
         <a:buFont typeface="Arial"/>
-        <a:defRPr b="0" i="0" sz="1400" u="none" cap="none" strike="noStrike">
+        <a:defRPr sz="1400" b="0" i="0" u="none" strike="noStrike" cap="none">
           <a:solidFill>
             <a:srgbClr val="000000"/>
           </a:solidFill>
@@ -6552,7 +6847,7 @@
           <a:sym typeface="Arial"/>
         </a:defRPr>
       </a:lvl7pPr>
-      <a:lvl8pPr lvl="7" marR="0" rtl="0" algn="l">
+      <a:lvl8pPr marR="0" lvl="7" algn="l" rtl="0">
         <a:lnSpc>
           <a:spcPct val="100000"/>
         </a:lnSpc>
@@ -6566,7 +6861,7 @@
           <a:srgbClr val="000000"/>
         </a:buClr>
         <a:buFont typeface="Arial"/>
-        <a:defRPr b="0" i="0" sz="1400" u="none" cap="none" strike="noStrike">
+        <a:defRPr sz="1400" b="0" i="0" u="none" strike="noStrike" cap="none">
           <a:solidFill>
             <a:srgbClr val="000000"/>
           </a:solidFill>
@@ -6576,7 +6871,7 @@
           <a:sym typeface="Arial"/>
         </a:defRPr>
       </a:lvl8pPr>
-      <a:lvl9pPr lvl="8" marR="0" rtl="0" algn="l">
+      <a:lvl9pPr marR="0" lvl="8" algn="l" rtl="0">
         <a:lnSpc>
           <a:spcPct val="100000"/>
         </a:lnSpc>
@@ -6590,7 +6885,7 @@
           <a:srgbClr val="000000"/>
         </a:buClr>
         <a:buFont typeface="Arial"/>
-        <a:defRPr b="0" i="0" sz="1400" u="none" cap="none" strike="noStrike">
+        <a:defRPr sz="1400" b="0" i="0" u="none" strike="noStrike" cap="none">
           <a:solidFill>
             <a:srgbClr val="000000"/>
           </a:solidFill>
@@ -6602,7 +6897,7 @@
       </a:lvl9pPr>
     </p:bodyStyle>
     <p:otherStyle>
-      <a:defPPr lvl="0" marR="0" rtl="0" algn="l">
+      <a:defPPr marR="0" lvl="0" algn="l" rtl="0">
         <a:lnSpc>
           <a:spcPct val="100000"/>
         </a:lnSpc>
@@ -6613,7 +6908,7 @@
           <a:spcPts val="0"/>
         </a:spcAft>
       </a:defPPr>
-      <a:lvl1pPr lvl="0" marR="0" rtl="0" algn="l">
+      <a:lvl1pPr marR="0" lvl="0" algn="l" rtl="0">
         <a:lnSpc>
           <a:spcPct val="100000"/>
         </a:lnSpc>
@@ -6627,7 +6922,7 @@
           <a:srgbClr val="000000"/>
         </a:buClr>
         <a:buFont typeface="Arial"/>
-        <a:defRPr b="0" i="0" sz="1400" u="none" cap="none" strike="noStrike">
+        <a:defRPr sz="1400" b="0" i="0" u="none" strike="noStrike" cap="none">
           <a:solidFill>
             <a:srgbClr val="000000"/>
           </a:solidFill>
@@ -6637,7 +6932,7 @@
           <a:sym typeface="Arial"/>
         </a:defRPr>
       </a:lvl1pPr>
-      <a:lvl2pPr lvl="1" marR="0" rtl="0" algn="l">
+      <a:lvl2pPr marR="0" lvl="1" algn="l" rtl="0">
         <a:lnSpc>
           <a:spcPct val="100000"/>
         </a:lnSpc>
@@ -6651,7 +6946,7 @@
           <a:srgbClr val="000000"/>
         </a:buClr>
         <a:buFont typeface="Arial"/>
-        <a:defRPr b="0" i="0" sz="1400" u="none" cap="none" strike="noStrike">
+        <a:defRPr sz="1400" b="0" i="0" u="none" strike="noStrike" cap="none">
           <a:solidFill>
             <a:srgbClr val="000000"/>
           </a:solidFill>
@@ -6661,7 +6956,7 @@
           <a:sym typeface="Arial"/>
         </a:defRPr>
       </a:lvl2pPr>
-      <a:lvl3pPr lvl="2" marR="0" rtl="0" algn="l">
+      <a:lvl3pPr marR="0" lvl="2" algn="l" rtl="0">
         <a:lnSpc>
           <a:spcPct val="100000"/>
         </a:lnSpc>
@@ -6675,7 +6970,7 @@
           <a:srgbClr val="000000"/>
         </a:buClr>
         <a:buFont typeface="Arial"/>
-        <a:defRPr b="0" i="0" sz="1400" u="none" cap="none" strike="noStrike">
+        <a:defRPr sz="1400" b="0" i="0" u="none" strike="noStrike" cap="none">
           <a:solidFill>
             <a:srgbClr val="000000"/>
           </a:solidFill>
@@ -6685,7 +6980,7 @@
           <a:sym typeface="Arial"/>
         </a:defRPr>
       </a:lvl3pPr>
-      <a:lvl4pPr lvl="3" marR="0" rtl="0" algn="l">
+      <a:lvl4pPr marR="0" lvl="3" algn="l" rtl="0">
         <a:lnSpc>
           <a:spcPct val="100000"/>
         </a:lnSpc>
@@ -6699,7 +6994,7 @@
           <a:srgbClr val="000000"/>
         </a:buClr>
         <a:buFont typeface="Arial"/>
-        <a:defRPr b="0" i="0" sz="1400" u="none" cap="none" strike="noStrike">
+        <a:defRPr sz="1400" b="0" i="0" u="none" strike="noStrike" cap="none">
           <a:solidFill>
             <a:srgbClr val="000000"/>
           </a:solidFill>
@@ -6709,7 +7004,7 @@
           <a:sym typeface="Arial"/>
         </a:defRPr>
       </a:lvl4pPr>
-      <a:lvl5pPr lvl="4" marR="0" rtl="0" algn="l">
+      <a:lvl5pPr marR="0" lvl="4" algn="l" rtl="0">
         <a:lnSpc>
           <a:spcPct val="100000"/>
         </a:lnSpc>
@@ -6723,7 +7018,7 @@
           <a:srgbClr val="000000"/>
         </a:buClr>
         <a:buFont typeface="Arial"/>
-        <a:defRPr b="0" i="0" sz="1400" u="none" cap="none" strike="noStrike">
+        <a:defRPr sz="1400" b="0" i="0" u="none" strike="noStrike" cap="none">
           <a:solidFill>
             <a:srgbClr val="000000"/>
           </a:solidFill>
@@ -6733,7 +7028,7 @@
           <a:sym typeface="Arial"/>
         </a:defRPr>
       </a:lvl5pPr>
-      <a:lvl6pPr lvl="5" marR="0" rtl="0" algn="l">
+      <a:lvl6pPr marR="0" lvl="5" algn="l" rtl="0">
         <a:lnSpc>
           <a:spcPct val="100000"/>
         </a:lnSpc>
@@ -6747,7 +7042,7 @@
           <a:srgbClr val="000000"/>
         </a:buClr>
         <a:buFont typeface="Arial"/>
-        <a:defRPr b="0" i="0" sz="1400" u="none" cap="none" strike="noStrike">
+        <a:defRPr sz="1400" b="0" i="0" u="none" strike="noStrike" cap="none">
           <a:solidFill>
             <a:srgbClr val="000000"/>
           </a:solidFill>
@@ -6757,7 +7052,7 @@
           <a:sym typeface="Arial"/>
         </a:defRPr>
       </a:lvl6pPr>
-      <a:lvl7pPr lvl="6" marR="0" rtl="0" algn="l">
+      <a:lvl7pPr marR="0" lvl="6" algn="l" rtl="0">
         <a:lnSpc>
           <a:spcPct val="100000"/>
         </a:lnSpc>
@@ -6771,7 +7066,7 @@
           <a:srgbClr val="000000"/>
         </a:buClr>
         <a:buFont typeface="Arial"/>
-        <a:defRPr b="0" i="0" sz="1400" u="none" cap="none" strike="noStrike">
+        <a:defRPr sz="1400" b="0" i="0" u="none" strike="noStrike" cap="none">
           <a:solidFill>
             <a:srgbClr val="000000"/>
           </a:solidFill>
@@ -6781,7 +7076,7 @@
           <a:sym typeface="Arial"/>
         </a:defRPr>
       </a:lvl7pPr>
-      <a:lvl8pPr lvl="7" marR="0" rtl="0" algn="l">
+      <a:lvl8pPr marR="0" lvl="7" algn="l" rtl="0">
         <a:lnSpc>
           <a:spcPct val="100000"/>
         </a:lnSpc>
@@ -6795,7 +7090,7 @@
           <a:srgbClr val="000000"/>
         </a:buClr>
         <a:buFont typeface="Arial"/>
-        <a:defRPr b="0" i="0" sz="1400" u="none" cap="none" strike="noStrike">
+        <a:defRPr sz="1400" b="0" i="0" u="none" strike="noStrike" cap="none">
           <a:solidFill>
             <a:srgbClr val="000000"/>
           </a:solidFill>
@@ -6805,7 +7100,7 @@
           <a:sym typeface="Arial"/>
         </a:defRPr>
       </a:lvl8pPr>
-      <a:lvl9pPr lvl="8" marR="0" rtl="0" algn="l">
+      <a:lvl9pPr marR="0" lvl="8" algn="l" rtl="0">
         <a:lnSpc>
           <a:spcPct val="100000"/>
         </a:lnSpc>
@@ -6819,7 +7114,7 @@
           <a:srgbClr val="000000"/>
         </a:buClr>
         <a:buFont typeface="Arial"/>
-        <a:defRPr b="0" i="0" sz="1400" u="none" cap="none" strike="noStrike">
+        <a:defRPr sz="1400" b="0" i="0" u="none" strike="noStrike" cap="none">
           <a:solidFill>
             <a:srgbClr val="000000"/>
           </a:solidFill>
@@ -6835,7 +7130,7 @@
 </file>
 
 <file path=ppt/slides/slide1.xml><?xml version="1.0" encoding="utf-8"?>
-<p:sld xmlns:a="http://schemas.openxmlformats.org/drawingml/2006/main" xmlns:r="http://schemas.openxmlformats.org/officeDocument/2006/relationships" xmlns:mc="http://schemas.openxmlformats.org/markup-compatibility/2006" xmlns:mv="urn:schemas-microsoft-com:mac:vml" xmlns:p="http://schemas.openxmlformats.org/presentationml/2006/main" xmlns:c="http://schemas.openxmlformats.org/drawingml/2006/chart" xmlns:dgm="http://schemas.openxmlformats.org/drawingml/2006/diagram" xmlns:o="urn:schemas-microsoft-com:office:office" xmlns:v="urn:schemas-microsoft-com:vml" xmlns:pvml="urn:schemas-microsoft-com:office:powerpoint" xmlns:com="http://schemas.openxmlformats.org/drawingml/2006/compatibility" xmlns:p14="http://schemas.microsoft.com/office/powerpoint/2010/main" xmlns:p15="http://schemas.microsoft.com/office/powerpoint/2012/main" xmlns:ahyp="http://schemas.microsoft.com/office/drawing/2018/hyperlinkcolor">
+<p:sld xmlns:a="http://schemas.openxmlformats.org/drawingml/2006/main" xmlns:r="http://schemas.openxmlformats.org/officeDocument/2006/relationships" xmlns:p="http://schemas.openxmlformats.org/presentationml/2006/main">
   <p:cSld>
     <p:bg>
       <p:bgPr>
@@ -6847,11 +7142,12 @@
             <a:fillRect/>
           </a:stretch>
         </a:blipFill>
+        <a:effectLst/>
       </p:bgPr>
     </p:bg>
     <p:spTree>
       <p:nvGrpSpPr>
-        <p:cNvPr id="53" name="Shape 53"/>
+        <p:cNvPr id="1" name="Shape 53"/>
         <p:cNvGrpSpPr/>
         <p:nvPr/>
       </p:nvGrpSpPr>
@@ -6865,6 +7161,58 @@
       </p:grpSpPr>
       <p:sp>
         <p:nvSpPr>
+          <p:cNvPr id="2" name="Prostokąt: zaokrąglone rogi 1">
+            <a:extLst>
+              <a:ext uri="{FF2B5EF4-FFF2-40B4-BE49-F238E27FC236}">
+                <a16:creationId xmlns:a16="http://schemas.microsoft.com/office/drawing/2014/main" id="{51EB6539-73BB-A3D8-FD1E-51528B3A329A}"/>
+              </a:ext>
+            </a:extLst>
+          </p:cNvPr>
+          <p:cNvSpPr/>
+          <p:nvPr/>
+        </p:nvSpPr>
+        <p:spPr>
+          <a:xfrm>
+            <a:off x="96982" y="249382"/>
+            <a:ext cx="2909454" cy="4578927"/>
+          </a:xfrm>
+          <a:prstGeom prst="roundRect">
+            <a:avLst/>
+          </a:prstGeom>
+          <a:solidFill>
+            <a:schemeClr val="tx1">
+              <a:alpha val="53000"/>
+            </a:schemeClr>
+          </a:solidFill>
+          <a:ln>
+            <a:noFill/>
+          </a:ln>
+        </p:spPr>
+        <p:style>
+          <a:lnRef idx="0">
+            <a:scrgbClr r="0" g="0" b="0"/>
+          </a:lnRef>
+          <a:fillRef idx="0">
+            <a:scrgbClr r="0" g="0" b="0"/>
+          </a:fillRef>
+          <a:effectRef idx="0">
+            <a:scrgbClr r="0" g="0" b="0"/>
+          </a:effectRef>
+          <a:fontRef idx="minor">
+            <a:schemeClr val="lt1"/>
+          </a:fontRef>
+        </p:style>
+        <p:txBody>
+          <a:bodyPr rtlCol="0" anchor="ctr"/>
+          <a:lstStyle/>
+          <a:p>
+            <a:pPr algn="ctr"/>
+            <a:endParaRPr lang="pl-PL"/>
+          </a:p>
+        </p:txBody>
+      </p:sp>
+      <p:sp>
+        <p:nvSpPr>
           <p:cNvPr id="54" name="Google Shape;54;p13"/>
           <p:cNvSpPr txBox="1"/>
           <p:nvPr/>
@@ -6883,12 +7231,12 @@
           </a:ln>
         </p:spPr>
         <p:txBody>
-          <a:bodyPr anchorCtr="0" anchor="t" bIns="91425" lIns="91425" spcFirstLastPara="1" rIns="91425" wrap="square" tIns="91425">
+          <a:bodyPr spcFirstLastPara="1" wrap="square" lIns="91425" tIns="91425" rIns="91425" bIns="91425" anchor="t" anchorCtr="0">
             <a:noAutofit/>
           </a:bodyPr>
           <a:lstStyle/>
           <a:p>
-            <a:pPr indent="-346075" lvl="0" marL="457200" rtl="0" algn="l">
+            <a:pPr marL="457200" lvl="0" indent="-346075" algn="l" rtl="0">
               <a:lnSpc>
                 <a:spcPct val="115000"/>
               </a:lnSpc>
@@ -6905,21 +7253,21 @@
               <a:buAutoNum type="arabicPeriod"/>
             </a:pPr>
             <a:r>
-              <a:rPr lang="pl" sz="1850">
+              <a:rPr lang="pl" sz="1850" dirty="0">
                 <a:solidFill>
                   <a:srgbClr val="FFD966"/>
                 </a:solidFill>
               </a:rPr>
               <a:t>Addition           </a:t>
             </a:r>
-            <a:endParaRPr sz="1850">
+            <a:endParaRPr sz="1850" dirty="0">
               <a:solidFill>
                 <a:srgbClr val="FFD966"/>
               </a:solidFill>
             </a:endParaRPr>
           </a:p>
           <a:p>
-            <a:pPr indent="-346075" lvl="0" marL="457200" rtl="0" algn="l">
+            <a:pPr marL="457200" lvl="0" indent="-346075" algn="l" rtl="0">
               <a:lnSpc>
                 <a:spcPct val="115000"/>
               </a:lnSpc>
@@ -6936,29 +7284,21 @@
               <a:buAutoNum type="arabicPeriod"/>
             </a:pPr>
             <a:r>
-              <a:rPr lang="pl" sz="1850">
+              <a:rPr lang="pl" sz="1850" dirty="0">
                 <a:solidFill>
                   <a:srgbClr val="FFD966"/>
                 </a:solidFill>
               </a:rPr>
-              <a:t>Subtraction</a:t>
+              <a:t>Subtraction      </a:t>
             </a:r>
-            <a:r>
-              <a:rPr lang="pl" sz="1850">
-                <a:solidFill>
-                  <a:srgbClr val="FFD966"/>
-                </a:solidFill>
-              </a:rPr>
-              <a:t>      </a:t>
-            </a:r>
-            <a:endParaRPr sz="1850">
+            <a:endParaRPr sz="1850" dirty="0">
               <a:solidFill>
                 <a:srgbClr val="FFD966"/>
               </a:solidFill>
             </a:endParaRPr>
           </a:p>
           <a:p>
-            <a:pPr indent="-346075" lvl="0" marL="457200" rtl="0" algn="l">
+            <a:pPr marL="457200" lvl="0" indent="-346075" algn="l" rtl="0">
               <a:lnSpc>
                 <a:spcPct val="115000"/>
               </a:lnSpc>
@@ -6975,21 +7315,21 @@
               <a:buAutoNum type="arabicPeriod"/>
             </a:pPr>
             <a:r>
-              <a:rPr lang="pl" sz="1850">
+              <a:rPr lang="pl" sz="1850" dirty="0">
                 <a:solidFill>
                   <a:srgbClr val="FFD966"/>
                 </a:solidFill>
               </a:rPr>
               <a:t>Multiplication    </a:t>
             </a:r>
-            <a:endParaRPr sz="1850">
+            <a:endParaRPr sz="1850" dirty="0">
               <a:solidFill>
                 <a:srgbClr val="FFD966"/>
               </a:solidFill>
             </a:endParaRPr>
           </a:p>
           <a:p>
-            <a:pPr indent="-346075" lvl="0" marL="457200" rtl="0" algn="l">
+            <a:pPr marL="457200" lvl="0" indent="-346075" algn="l" rtl="0">
               <a:lnSpc>
                 <a:spcPct val="115000"/>
               </a:lnSpc>
@@ -7006,21 +7346,21 @@
               <a:buAutoNum type="arabicPeriod"/>
             </a:pPr>
             <a:r>
-              <a:rPr lang="pl" sz="1850">
+              <a:rPr lang="pl" sz="1850" dirty="0">
                 <a:solidFill>
                   <a:srgbClr val="FFD966"/>
                 </a:solidFill>
               </a:rPr>
               <a:t>Division           </a:t>
             </a:r>
-            <a:endParaRPr sz="1850">
+            <a:endParaRPr sz="1850" dirty="0">
               <a:solidFill>
                 <a:srgbClr val="FFD966"/>
               </a:solidFill>
             </a:endParaRPr>
           </a:p>
           <a:p>
-            <a:pPr indent="-346075" lvl="0" marL="457200" rtl="0" algn="l">
+            <a:pPr marL="457200" lvl="0" indent="-346075" algn="l" rtl="0">
               <a:lnSpc>
                 <a:spcPct val="115000"/>
               </a:lnSpc>
@@ -7037,21 +7377,21 @@
               <a:buAutoNum type="arabicPeriod"/>
             </a:pPr>
             <a:r>
-              <a:rPr lang="pl" sz="1850">
+              <a:rPr lang="pl" sz="1850" dirty="0">
                 <a:solidFill>
                   <a:srgbClr val="FFD966"/>
                 </a:solidFill>
               </a:rPr>
               <a:t>Exponentiation </a:t>
             </a:r>
-            <a:endParaRPr sz="1850">
+            <a:endParaRPr sz="1850" dirty="0">
               <a:solidFill>
                 <a:srgbClr val="FFD966"/>
               </a:solidFill>
             </a:endParaRPr>
           </a:p>
           <a:p>
-            <a:pPr indent="-346075" lvl="0" marL="457200" rtl="0" algn="l">
+            <a:pPr marL="457200" lvl="0" indent="-346075" algn="l" rtl="0">
               <a:lnSpc>
                 <a:spcPct val="115000"/>
               </a:lnSpc>
@@ -7068,21 +7408,21 @@
               <a:buAutoNum type="arabicPeriod"/>
             </a:pPr>
             <a:r>
-              <a:rPr lang="pl" sz="1850">
+              <a:rPr lang="pl" sz="1850" dirty="0">
                 <a:solidFill>
                   <a:srgbClr val="FFD966"/>
                 </a:solidFill>
               </a:rPr>
               <a:t>Root </a:t>
             </a:r>
-            <a:endParaRPr sz="1850">
+            <a:endParaRPr sz="1850" dirty="0">
               <a:solidFill>
                 <a:srgbClr val="FFD966"/>
               </a:solidFill>
             </a:endParaRPr>
           </a:p>
           <a:p>
-            <a:pPr indent="-346075" lvl="0" marL="457200" rtl="0" algn="l">
+            <a:pPr marL="457200" lvl="0" indent="-346075" algn="l" rtl="0">
               <a:lnSpc>
                 <a:spcPct val="115000"/>
               </a:lnSpc>
@@ -7099,21 +7439,21 @@
               <a:buAutoNum type="arabicPeriod"/>
             </a:pPr>
             <a:r>
-              <a:rPr lang="pl" sz="1850">
+              <a:rPr lang="pl" sz="1850" dirty="0">
                 <a:solidFill>
                   <a:srgbClr val="FFD966"/>
                 </a:solidFill>
               </a:rPr>
               <a:t>Pi constant </a:t>
             </a:r>
-            <a:endParaRPr sz="1850">
+            <a:endParaRPr sz="1850" dirty="0">
               <a:solidFill>
                 <a:srgbClr val="FFD966"/>
               </a:solidFill>
             </a:endParaRPr>
           </a:p>
           <a:p>
-            <a:pPr indent="-346075" lvl="0" marL="457200" rtl="0" algn="l">
+            <a:pPr marL="457200" lvl="0" indent="-346075" algn="l" rtl="0">
               <a:lnSpc>
                 <a:spcPct val="115000"/>
               </a:lnSpc>
@@ -7130,21 +7470,21 @@
               <a:buAutoNum type="arabicPeriod"/>
             </a:pPr>
             <a:r>
-              <a:rPr lang="pl" sz="1850">
+              <a:rPr lang="pl" sz="1850" dirty="0">
                 <a:solidFill>
                   <a:srgbClr val="FFD966"/>
                 </a:solidFill>
               </a:rPr>
               <a:t>Euler's number </a:t>
             </a:r>
-            <a:endParaRPr sz="1850">
+            <a:endParaRPr sz="1850" dirty="0">
               <a:solidFill>
                 <a:srgbClr val="FFD966"/>
               </a:solidFill>
             </a:endParaRPr>
           </a:p>
           <a:p>
-            <a:pPr indent="-346075" lvl="0" marL="457200" rtl="0" algn="l">
+            <a:pPr marL="457200" lvl="0" indent="-346075" algn="l" rtl="0">
               <a:lnSpc>
                 <a:spcPct val="115000"/>
               </a:lnSpc>
@@ -7161,21 +7501,21 @@
               <a:buAutoNum type="arabicPeriod"/>
             </a:pPr>
             <a:r>
-              <a:rPr lang="pl" sz="1850">
+              <a:rPr lang="pl" sz="1850" dirty="0">
                 <a:solidFill>
                   <a:srgbClr val="FFD966"/>
                 </a:solidFill>
               </a:rPr>
               <a:t>Sine </a:t>
             </a:r>
-            <a:endParaRPr sz="1850">
+            <a:endParaRPr sz="1850" dirty="0">
               <a:solidFill>
                 <a:srgbClr val="FFD966"/>
               </a:solidFill>
             </a:endParaRPr>
           </a:p>
           <a:p>
-            <a:pPr indent="-346075" lvl="0" marL="457200" rtl="0" algn="l">
+            <a:pPr marL="457200" lvl="0" indent="-346075" algn="l" rtl="0">
               <a:lnSpc>
                 <a:spcPct val="115000"/>
               </a:lnSpc>
@@ -7192,21 +7532,21 @@
               <a:buAutoNum type="arabicPeriod"/>
             </a:pPr>
             <a:r>
-              <a:rPr lang="pl" sz="1850">
+              <a:rPr lang="pl" sz="1850" dirty="0">
                 <a:solidFill>
                   <a:srgbClr val="FFD966"/>
                 </a:solidFill>
               </a:rPr>
               <a:t>Cosine </a:t>
             </a:r>
-            <a:endParaRPr sz="1850">
+            <a:endParaRPr sz="1850" dirty="0">
               <a:solidFill>
                 <a:srgbClr val="FFD966"/>
               </a:solidFill>
             </a:endParaRPr>
           </a:p>
           <a:p>
-            <a:pPr indent="-346075" lvl="0" marL="457200" rtl="0" algn="l">
+            <a:pPr marL="457200" lvl="0" indent="-346075" algn="l" rtl="0">
               <a:lnSpc>
                 <a:spcPct val="115000"/>
               </a:lnSpc>
@@ -7223,21 +7563,21 @@
               <a:buAutoNum type="arabicPeriod"/>
             </a:pPr>
             <a:r>
-              <a:rPr lang="pl" sz="1850">
+              <a:rPr lang="pl" sz="1850" dirty="0">
                 <a:solidFill>
                   <a:srgbClr val="FFD966"/>
                 </a:solidFill>
               </a:rPr>
               <a:t>Tangent </a:t>
             </a:r>
-            <a:endParaRPr sz="1850">
+            <a:endParaRPr sz="1850" dirty="0">
               <a:solidFill>
                 <a:srgbClr val="FFD966"/>
               </a:solidFill>
             </a:endParaRPr>
           </a:p>
           <a:p>
-            <a:pPr indent="-346075" lvl="0" marL="457200" rtl="0" algn="l">
+            <a:pPr marL="457200" lvl="0" indent="-346075" algn="l" rtl="0">
               <a:lnSpc>
                 <a:spcPct val="115000"/>
               </a:lnSpc>
@@ -7254,21 +7594,21 @@
               <a:buAutoNum type="arabicPeriod"/>
             </a:pPr>
             <a:r>
-              <a:rPr lang="pl" sz="1850">
+              <a:rPr lang="pl" sz="1850" dirty="0">
                 <a:solidFill>
                   <a:srgbClr val="FFD966"/>
                 </a:solidFill>
               </a:rPr>
               <a:t>Cotangent </a:t>
             </a:r>
-            <a:endParaRPr sz="1850">
+            <a:endParaRPr sz="1850" dirty="0">
               <a:solidFill>
                 <a:srgbClr val="FFD966"/>
               </a:solidFill>
             </a:endParaRPr>
           </a:p>
           <a:p>
-            <a:pPr indent="0" lvl="0" marL="0" rtl="0" algn="l">
+            <a:pPr marL="0" lvl="0" indent="0" algn="l" rtl="0">
               <a:spcBef>
                 <a:spcPts val="300"/>
               </a:spcBef>
@@ -7277,10 +7617,7 @@
               </a:spcAft>
               <a:buNone/>
             </a:pPr>
-            <a:r>
-              <a:t/>
-            </a:r>
-            <a:endParaRPr sz="1800">
+            <a:endParaRPr sz="1800" dirty="0">
               <a:solidFill>
                 <a:schemeClr val="dk2"/>
               </a:solidFill>
@@ -7308,12 +7645,12 @@
           </a:ln>
         </p:spPr>
         <p:txBody>
-          <a:bodyPr anchorCtr="0" anchor="t" bIns="91425" lIns="91425" spcFirstLastPara="1" rIns="91425" wrap="square" tIns="91425">
+          <a:bodyPr spcFirstLastPara="1" wrap="square" lIns="91425" tIns="91425" rIns="91425" bIns="91425" anchor="t" anchorCtr="0">
             <a:noAutofit/>
           </a:bodyPr>
           <a:lstStyle/>
           <a:p>
-            <a:pPr indent="0" lvl="0" marL="0" rtl="0" algn="l">
+            <a:pPr marL="0" lvl="0" indent="0" algn="l" rtl="0">
               <a:spcBef>
                 <a:spcPts val="0"/>
               </a:spcBef>
@@ -7323,14 +7660,14 @@
               <a:buNone/>
             </a:pPr>
             <a:r>
-              <a:rPr b="1" lang="pl" sz="2200">
+              <a:rPr lang="pl" sz="2200" b="1">
                 <a:solidFill>
                   <a:srgbClr val="FFFFFF"/>
                 </a:solidFill>
               </a:rPr>
               <a:t>FUNCTIONALITY</a:t>
             </a:r>
-            <a:endParaRPr b="1" sz="2200">
+            <a:endParaRPr sz="2200" b="1">
               <a:solidFill>
                 <a:srgbClr val="FFFFFF"/>
               </a:solidFill>
@@ -7347,7 +7684,7 @@
 </file>
 
 <file path=ppt/slides/slide10.xml><?xml version="1.0" encoding="utf-8"?>
-<p:sld xmlns:a="http://schemas.openxmlformats.org/drawingml/2006/main" xmlns:r="http://schemas.openxmlformats.org/officeDocument/2006/relationships" xmlns:mc="http://schemas.openxmlformats.org/markup-compatibility/2006" xmlns:mv="urn:schemas-microsoft-com:mac:vml" xmlns:p="http://schemas.openxmlformats.org/presentationml/2006/main" xmlns:c="http://schemas.openxmlformats.org/drawingml/2006/chart" xmlns:dgm="http://schemas.openxmlformats.org/drawingml/2006/diagram" xmlns:o="urn:schemas-microsoft-com:office:office" xmlns:v="urn:schemas-microsoft-com:vml" xmlns:pvml="urn:schemas-microsoft-com:office:powerpoint" xmlns:com="http://schemas.openxmlformats.org/drawingml/2006/compatibility" xmlns:p14="http://schemas.microsoft.com/office/powerpoint/2010/main" xmlns:p15="http://schemas.microsoft.com/office/powerpoint/2012/main" xmlns:ahyp="http://schemas.microsoft.com/office/drawing/2018/hyperlinkcolor">
+<p:sld xmlns:a="http://schemas.openxmlformats.org/drawingml/2006/main" xmlns:r="http://schemas.openxmlformats.org/officeDocument/2006/relationships" xmlns:p="http://schemas.openxmlformats.org/presentationml/2006/main">
   <p:cSld>
     <p:bg>
       <p:bgPr>
@@ -7359,11 +7696,749 @@
             <a:fillRect/>
           </a:stretch>
         </a:blipFill>
+        <a:effectLst/>
       </p:bgPr>
     </p:bg>
     <p:spTree>
       <p:nvGrpSpPr>
-        <p:cNvPr id="113" name="Shape 113"/>
+        <p:cNvPr id="1" name="Shape 114"/>
+        <p:cNvGrpSpPr/>
+        <p:nvPr/>
+      </p:nvGrpSpPr>
+      <p:grpSpPr>
+        <a:xfrm>
+          <a:off x="0" y="0"/>
+          <a:ext cx="0" cy="0"/>
+          <a:chOff x="0" y="0"/>
+          <a:chExt cx="0" cy="0"/>
+        </a:xfrm>
+      </p:grpSpPr>
+      <p:sp>
+        <p:nvSpPr>
+          <p:cNvPr id="115" name="Google Shape;115;p22"/>
+          <p:cNvSpPr txBox="1"/>
+          <p:nvPr/>
+        </p:nvSpPr>
+        <p:spPr>
+          <a:xfrm>
+            <a:off x="3802425" y="186900"/>
+            <a:ext cx="3412800" cy="650100"/>
+          </a:xfrm>
+          <a:prstGeom prst="rect">
+            <a:avLst/>
+          </a:prstGeom>
+          <a:noFill/>
+          <a:ln>
+            <a:noFill/>
+          </a:ln>
+        </p:spPr>
+        <p:txBody>
+          <a:bodyPr spcFirstLastPara="1" wrap="square" lIns="91425" tIns="91425" rIns="91425" bIns="91425" anchor="t" anchorCtr="0">
+            <a:noAutofit/>
+          </a:bodyPr>
+          <a:lstStyle/>
+          <a:p>
+            <a:pPr marL="0" lvl="0" indent="0" algn="l" rtl="0">
+              <a:spcBef>
+                <a:spcPts val="0"/>
+              </a:spcBef>
+              <a:spcAft>
+                <a:spcPts val="0"/>
+              </a:spcAft>
+              <a:buNone/>
+            </a:pPr>
+            <a:r>
+              <a:rPr lang="pl" sz="2200" b="1">
+                <a:solidFill>
+                  <a:srgbClr val="FFFFFF"/>
+                </a:solidFill>
+              </a:rPr>
+              <a:t>EULER’S NUMBER</a:t>
+            </a:r>
+            <a:endParaRPr sz="2200" b="1">
+              <a:solidFill>
+                <a:srgbClr val="FFFFFF"/>
+              </a:solidFill>
+            </a:endParaRPr>
+          </a:p>
+        </p:txBody>
+      </p:sp>
+      <p:pic>
+        <p:nvPicPr>
+          <p:cNvPr id="116" name="Google Shape;116;p22"/>
+          <p:cNvPicPr preferRelativeResize="0"/>
+          <p:nvPr/>
+        </p:nvPicPr>
+        <p:blipFill>
+          <a:blip r:embed="rId4">
+            <a:alphaModFix/>
+          </a:blip>
+          <a:stretch>
+            <a:fillRect/>
+          </a:stretch>
+        </p:blipFill>
+        <p:spPr>
+          <a:xfrm>
+            <a:off x="249425" y="1136200"/>
+            <a:ext cx="3676650" cy="1924050"/>
+          </a:xfrm>
+          <a:prstGeom prst="rect">
+            <a:avLst/>
+          </a:prstGeom>
+          <a:noFill/>
+          <a:ln>
+            <a:noFill/>
+          </a:ln>
+        </p:spPr>
+      </p:pic>
+      <p:pic>
+        <p:nvPicPr>
+          <p:cNvPr id="117" name="Google Shape;117;p22"/>
+          <p:cNvPicPr preferRelativeResize="0"/>
+          <p:nvPr/>
+        </p:nvPicPr>
+        <p:blipFill>
+          <a:blip r:embed="rId5">
+            <a:alphaModFix/>
+          </a:blip>
+          <a:stretch>
+            <a:fillRect/>
+          </a:stretch>
+        </p:blipFill>
+        <p:spPr>
+          <a:xfrm>
+            <a:off x="249413" y="3060250"/>
+            <a:ext cx="4606771" cy="1625550"/>
+          </a:xfrm>
+          <a:prstGeom prst="rect">
+            <a:avLst/>
+          </a:prstGeom>
+          <a:noFill/>
+          <a:ln>
+            <a:noFill/>
+          </a:ln>
+        </p:spPr>
+      </p:pic>
+    </p:spTree>
+  </p:cSld>
+  <p:clrMapOvr>
+    <a:masterClrMapping/>
+  </p:clrMapOvr>
+</p:sld>
+</file>
+
+<file path=ppt/slides/slide11.xml><?xml version="1.0" encoding="utf-8"?>
+<p:sld xmlns:a="http://schemas.openxmlformats.org/drawingml/2006/main" xmlns:r="http://schemas.openxmlformats.org/officeDocument/2006/relationships" xmlns:p="http://schemas.openxmlformats.org/presentationml/2006/main">
+  <p:cSld>
+    <p:bg>
+      <p:bgPr>
+        <a:blipFill>
+          <a:blip r:embed="rId3">
+            <a:alphaModFix/>
+          </a:blip>
+          <a:stretch>
+            <a:fillRect/>
+          </a:stretch>
+        </a:blipFill>
+        <a:effectLst/>
+      </p:bgPr>
+    </p:bg>
+    <p:spTree>
+      <p:nvGrpSpPr>
+        <p:cNvPr id="1" name="Shape 121"/>
+        <p:cNvGrpSpPr/>
+        <p:nvPr/>
+      </p:nvGrpSpPr>
+      <p:grpSpPr>
+        <a:xfrm>
+          <a:off x="0" y="0"/>
+          <a:ext cx="0" cy="0"/>
+          <a:chOff x="0" y="0"/>
+          <a:chExt cx="0" cy="0"/>
+        </a:xfrm>
+      </p:grpSpPr>
+      <p:sp>
+        <p:nvSpPr>
+          <p:cNvPr id="122" name="Google Shape;122;p23"/>
+          <p:cNvSpPr txBox="1"/>
+          <p:nvPr/>
+        </p:nvSpPr>
+        <p:spPr>
+          <a:xfrm>
+            <a:off x="5571350" y="226675"/>
+            <a:ext cx="2867100" cy="535200"/>
+          </a:xfrm>
+          <a:prstGeom prst="rect">
+            <a:avLst/>
+          </a:prstGeom>
+          <a:noFill/>
+          <a:ln>
+            <a:noFill/>
+          </a:ln>
+        </p:spPr>
+        <p:txBody>
+          <a:bodyPr spcFirstLastPara="1" wrap="square" lIns="91425" tIns="91425" rIns="91425" bIns="91425" anchor="t" anchorCtr="0">
+            <a:noAutofit/>
+          </a:bodyPr>
+          <a:lstStyle/>
+          <a:p>
+            <a:pPr marL="0" lvl="0" indent="0" algn="l" rtl="0">
+              <a:spcBef>
+                <a:spcPts val="0"/>
+              </a:spcBef>
+              <a:spcAft>
+                <a:spcPts val="0"/>
+              </a:spcAft>
+              <a:buNone/>
+            </a:pPr>
+            <a:r>
+              <a:rPr lang="pl" sz="2200" b="1">
+                <a:solidFill>
+                  <a:srgbClr val="FFFFFF"/>
+                </a:solidFill>
+              </a:rPr>
+              <a:t>SINE</a:t>
+            </a:r>
+            <a:endParaRPr sz="2200" b="1">
+              <a:solidFill>
+                <a:srgbClr val="FFFFFF"/>
+              </a:solidFill>
+            </a:endParaRPr>
+          </a:p>
+        </p:txBody>
+      </p:sp>
+      <p:pic>
+        <p:nvPicPr>
+          <p:cNvPr id="123" name="Google Shape;123;p23"/>
+          <p:cNvPicPr preferRelativeResize="0"/>
+          <p:nvPr/>
+        </p:nvPicPr>
+        <p:blipFill>
+          <a:blip r:embed="rId4">
+            <a:alphaModFix/>
+          </a:blip>
+          <a:stretch>
+            <a:fillRect/>
+          </a:stretch>
+        </p:blipFill>
+        <p:spPr>
+          <a:xfrm>
+            <a:off x="24425" y="1136925"/>
+            <a:ext cx="3705225" cy="1943100"/>
+          </a:xfrm>
+          <a:prstGeom prst="rect">
+            <a:avLst/>
+          </a:prstGeom>
+          <a:noFill/>
+          <a:ln>
+            <a:noFill/>
+          </a:ln>
+        </p:spPr>
+      </p:pic>
+      <p:pic>
+        <p:nvPicPr>
+          <p:cNvPr id="124" name="Google Shape;124;p23"/>
+          <p:cNvPicPr preferRelativeResize="0"/>
+          <p:nvPr/>
+        </p:nvPicPr>
+        <p:blipFill>
+          <a:blip r:embed="rId5">
+            <a:alphaModFix/>
+          </a:blip>
+          <a:stretch>
+            <a:fillRect/>
+          </a:stretch>
+        </p:blipFill>
+        <p:spPr>
+          <a:xfrm>
+            <a:off x="24425" y="3080025"/>
+            <a:ext cx="7345876" cy="1087625"/>
+          </a:xfrm>
+          <a:prstGeom prst="rect">
+            <a:avLst/>
+          </a:prstGeom>
+          <a:noFill/>
+          <a:ln>
+            <a:noFill/>
+          </a:ln>
+        </p:spPr>
+      </p:pic>
+    </p:spTree>
+  </p:cSld>
+  <p:clrMapOvr>
+    <a:masterClrMapping/>
+  </p:clrMapOvr>
+</p:sld>
+</file>
+
+<file path=ppt/slides/slide12.xml><?xml version="1.0" encoding="utf-8"?>
+<p:sld xmlns:a="http://schemas.openxmlformats.org/drawingml/2006/main" xmlns:r="http://schemas.openxmlformats.org/officeDocument/2006/relationships" xmlns:p="http://schemas.openxmlformats.org/presentationml/2006/main">
+  <p:cSld>
+    <p:bg>
+      <p:bgPr>
+        <a:blipFill>
+          <a:blip r:embed="rId3">
+            <a:alphaModFix/>
+          </a:blip>
+          <a:stretch>
+            <a:fillRect/>
+          </a:stretch>
+        </a:blipFill>
+        <a:effectLst/>
+      </p:bgPr>
+    </p:bg>
+    <p:spTree>
+      <p:nvGrpSpPr>
+        <p:cNvPr id="1" name="Shape 128"/>
+        <p:cNvGrpSpPr/>
+        <p:nvPr/>
+      </p:nvGrpSpPr>
+      <p:grpSpPr>
+        <a:xfrm>
+          <a:off x="0" y="0"/>
+          <a:ext cx="0" cy="0"/>
+          <a:chOff x="0" y="0"/>
+          <a:chExt cx="0" cy="0"/>
+        </a:xfrm>
+      </p:grpSpPr>
+      <p:sp>
+        <p:nvSpPr>
+          <p:cNvPr id="129" name="Google Shape;129;p24"/>
+          <p:cNvSpPr txBox="1"/>
+          <p:nvPr/>
+        </p:nvSpPr>
+        <p:spPr>
+          <a:xfrm>
+            <a:off x="5178625" y="214700"/>
+            <a:ext cx="2585700" cy="594300"/>
+          </a:xfrm>
+          <a:prstGeom prst="rect">
+            <a:avLst/>
+          </a:prstGeom>
+          <a:noFill/>
+          <a:ln>
+            <a:noFill/>
+          </a:ln>
+        </p:spPr>
+        <p:txBody>
+          <a:bodyPr spcFirstLastPara="1" wrap="square" lIns="91425" tIns="91425" rIns="91425" bIns="91425" anchor="t" anchorCtr="0">
+            <a:noAutofit/>
+          </a:bodyPr>
+          <a:lstStyle/>
+          <a:p>
+            <a:pPr marL="0" lvl="0" indent="0" algn="l" rtl="0">
+              <a:spcBef>
+                <a:spcPts val="0"/>
+              </a:spcBef>
+              <a:spcAft>
+                <a:spcPts val="0"/>
+              </a:spcAft>
+              <a:buNone/>
+            </a:pPr>
+            <a:r>
+              <a:rPr lang="pl" sz="2200" b="1">
+                <a:solidFill>
+                  <a:srgbClr val="FFFFFF"/>
+                </a:solidFill>
+              </a:rPr>
+              <a:t>COSINE</a:t>
+            </a:r>
+            <a:endParaRPr sz="2200" b="1">
+              <a:solidFill>
+                <a:srgbClr val="FFFFFF"/>
+              </a:solidFill>
+            </a:endParaRPr>
+          </a:p>
+        </p:txBody>
+      </p:sp>
+      <p:pic>
+        <p:nvPicPr>
+          <p:cNvPr id="130" name="Google Shape;130;p24"/>
+          <p:cNvPicPr preferRelativeResize="0"/>
+          <p:nvPr/>
+        </p:nvPicPr>
+        <p:blipFill>
+          <a:blip r:embed="rId4">
+            <a:alphaModFix/>
+          </a:blip>
+          <a:stretch>
+            <a:fillRect/>
+          </a:stretch>
+        </p:blipFill>
+        <p:spPr>
+          <a:xfrm>
+            <a:off x="71725" y="809000"/>
+            <a:ext cx="3705225" cy="1943100"/>
+          </a:xfrm>
+          <a:prstGeom prst="rect">
+            <a:avLst/>
+          </a:prstGeom>
+          <a:noFill/>
+          <a:ln>
+            <a:noFill/>
+          </a:ln>
+        </p:spPr>
+      </p:pic>
+      <p:pic>
+        <p:nvPicPr>
+          <p:cNvPr id="131" name="Google Shape;131;p24"/>
+          <p:cNvPicPr preferRelativeResize="0"/>
+          <p:nvPr/>
+        </p:nvPicPr>
+        <p:blipFill>
+          <a:blip r:embed="rId5">
+            <a:alphaModFix/>
+          </a:blip>
+          <a:stretch>
+            <a:fillRect/>
+          </a:stretch>
+        </p:blipFill>
+        <p:spPr>
+          <a:xfrm>
+            <a:off x="71713" y="2752100"/>
+            <a:ext cx="6508601" cy="963650"/>
+          </a:xfrm>
+          <a:prstGeom prst="rect">
+            <a:avLst/>
+          </a:prstGeom>
+          <a:noFill/>
+          <a:ln>
+            <a:noFill/>
+          </a:ln>
+        </p:spPr>
+      </p:pic>
+    </p:spTree>
+  </p:cSld>
+  <p:clrMapOvr>
+    <a:masterClrMapping/>
+  </p:clrMapOvr>
+</p:sld>
+</file>
+
+<file path=ppt/slides/slide13.xml><?xml version="1.0" encoding="utf-8"?>
+<p:sld xmlns:a="http://schemas.openxmlformats.org/drawingml/2006/main" xmlns:r="http://schemas.openxmlformats.org/officeDocument/2006/relationships" xmlns:p="http://schemas.openxmlformats.org/presentationml/2006/main">
+  <p:cSld>
+    <p:bg>
+      <p:bgPr>
+        <a:blipFill>
+          <a:blip r:embed="rId3">
+            <a:alphaModFix/>
+          </a:blip>
+          <a:stretch>
+            <a:fillRect/>
+          </a:stretch>
+        </a:blipFill>
+        <a:effectLst/>
+      </p:bgPr>
+    </p:bg>
+    <p:spTree>
+      <p:nvGrpSpPr>
+        <p:cNvPr id="1" name="Shape 135"/>
+        <p:cNvGrpSpPr/>
+        <p:nvPr/>
+      </p:nvGrpSpPr>
+      <p:grpSpPr>
+        <a:xfrm>
+          <a:off x="0" y="0"/>
+          <a:ext cx="0" cy="0"/>
+          <a:chOff x="0" y="0"/>
+          <a:chExt cx="0" cy="0"/>
+        </a:xfrm>
+      </p:grpSpPr>
+      <p:sp>
+        <p:nvSpPr>
+          <p:cNvPr id="136" name="Google Shape;136;p25"/>
+          <p:cNvSpPr txBox="1"/>
+          <p:nvPr/>
+        </p:nvSpPr>
+        <p:spPr>
+          <a:xfrm>
+            <a:off x="4893675" y="195400"/>
+            <a:ext cx="2318100" cy="660300"/>
+          </a:xfrm>
+          <a:prstGeom prst="rect">
+            <a:avLst/>
+          </a:prstGeom>
+          <a:noFill/>
+          <a:ln>
+            <a:noFill/>
+          </a:ln>
+        </p:spPr>
+        <p:txBody>
+          <a:bodyPr spcFirstLastPara="1" wrap="square" lIns="91425" tIns="91425" rIns="91425" bIns="91425" anchor="t" anchorCtr="0">
+            <a:noAutofit/>
+          </a:bodyPr>
+          <a:lstStyle/>
+          <a:p>
+            <a:pPr marL="0" lvl="0" indent="0" algn="l" rtl="0">
+              <a:spcBef>
+                <a:spcPts val="0"/>
+              </a:spcBef>
+              <a:spcAft>
+                <a:spcPts val="0"/>
+              </a:spcAft>
+              <a:buNone/>
+            </a:pPr>
+            <a:r>
+              <a:rPr lang="pl" sz="2200" b="1">
+                <a:solidFill>
+                  <a:srgbClr val="FFFFFF"/>
+                </a:solidFill>
+              </a:rPr>
+              <a:t>TANGENT</a:t>
+            </a:r>
+            <a:endParaRPr sz="2200" b="1">
+              <a:solidFill>
+                <a:srgbClr val="FFFFFF"/>
+              </a:solidFill>
+            </a:endParaRPr>
+          </a:p>
+        </p:txBody>
+      </p:sp>
+      <p:pic>
+        <p:nvPicPr>
+          <p:cNvPr id="137" name="Google Shape;137;p25"/>
+          <p:cNvPicPr preferRelativeResize="0"/>
+          <p:nvPr/>
+        </p:nvPicPr>
+        <p:blipFill>
+          <a:blip r:embed="rId4">
+            <a:alphaModFix/>
+          </a:blip>
+          <a:stretch>
+            <a:fillRect/>
+          </a:stretch>
+        </p:blipFill>
+        <p:spPr>
+          <a:xfrm>
+            <a:off x="309525" y="855700"/>
+            <a:ext cx="3705225" cy="1943100"/>
+          </a:xfrm>
+          <a:prstGeom prst="rect">
+            <a:avLst/>
+          </a:prstGeom>
+          <a:noFill/>
+          <a:ln>
+            <a:noFill/>
+          </a:ln>
+        </p:spPr>
+      </p:pic>
+      <p:pic>
+        <p:nvPicPr>
+          <p:cNvPr id="138" name="Google Shape;138;p25"/>
+          <p:cNvPicPr preferRelativeResize="0"/>
+          <p:nvPr/>
+        </p:nvPicPr>
+        <p:blipFill>
+          <a:blip r:embed="rId5">
+            <a:alphaModFix/>
+          </a:blip>
+          <a:stretch>
+            <a:fillRect/>
+          </a:stretch>
+        </p:blipFill>
+        <p:spPr>
+          <a:xfrm>
+            <a:off x="309537" y="2798800"/>
+            <a:ext cx="6257600" cy="926475"/>
+          </a:xfrm>
+          <a:prstGeom prst="rect">
+            <a:avLst/>
+          </a:prstGeom>
+          <a:noFill/>
+          <a:ln>
+            <a:noFill/>
+          </a:ln>
+        </p:spPr>
+      </p:pic>
+    </p:spTree>
+  </p:cSld>
+  <p:clrMapOvr>
+    <a:masterClrMapping/>
+  </p:clrMapOvr>
+</p:sld>
+</file>
+
+<file path=ppt/slides/slide14.xml><?xml version="1.0" encoding="utf-8"?>
+<p:sld xmlns:a="http://schemas.openxmlformats.org/drawingml/2006/main" xmlns:r="http://schemas.openxmlformats.org/officeDocument/2006/relationships" xmlns:p="http://schemas.openxmlformats.org/presentationml/2006/main">
+  <p:cSld>
+    <p:bg>
+      <p:bgPr>
+        <a:blipFill>
+          <a:blip r:embed="rId3">
+            <a:alphaModFix/>
+          </a:blip>
+          <a:stretch>
+            <a:fillRect/>
+          </a:stretch>
+        </a:blipFill>
+        <a:effectLst/>
+      </p:bgPr>
+    </p:bg>
+    <p:spTree>
+      <p:nvGrpSpPr>
+        <p:cNvPr id="1" name="Shape 142"/>
+        <p:cNvGrpSpPr/>
+        <p:nvPr/>
+      </p:nvGrpSpPr>
+      <p:grpSpPr>
+        <a:xfrm>
+          <a:off x="0" y="0"/>
+          <a:ext cx="0" cy="0"/>
+          <a:chOff x="0" y="0"/>
+          <a:chExt cx="0" cy="0"/>
+        </a:xfrm>
+      </p:grpSpPr>
+      <p:sp>
+        <p:nvSpPr>
+          <p:cNvPr id="143" name="Google Shape;143;p26"/>
+          <p:cNvSpPr txBox="1">
+            <a:spLocks noGrp="1"/>
+          </p:cNvSpPr>
+          <p:nvPr>
+            <p:ph type="title"/>
+          </p:nvPr>
+        </p:nvSpPr>
+        <p:spPr>
+          <a:xfrm>
+            <a:off x="4898750" y="-173875"/>
+            <a:ext cx="4079100" cy="578700"/>
+          </a:xfrm>
+          <a:prstGeom prst="rect">
+            <a:avLst/>
+          </a:prstGeom>
+          <a:noFill/>
+        </p:spPr>
+        <p:txBody>
+          <a:bodyPr spcFirstLastPara="1" wrap="square" lIns="91425" tIns="91425" rIns="91425" bIns="91425" anchor="t" anchorCtr="0">
+            <a:normAutofit fontScale="90000"/>
+          </a:bodyPr>
+          <a:lstStyle/>
+          <a:p>
+            <a:pPr marL="0" lvl="0" indent="0" algn="l" rtl="0">
+              <a:spcBef>
+                <a:spcPts val="0"/>
+              </a:spcBef>
+              <a:spcAft>
+                <a:spcPts val="0"/>
+              </a:spcAft>
+              <a:buNone/>
+            </a:pPr>
+            <a:endParaRPr>
+              <a:solidFill>
+                <a:schemeClr val="lt1"/>
+              </a:solidFill>
+            </a:endParaRPr>
+          </a:p>
+          <a:p>
+            <a:pPr marL="0" lvl="0" indent="0" algn="l" rtl="0">
+              <a:spcBef>
+                <a:spcPts val="0"/>
+              </a:spcBef>
+              <a:spcAft>
+                <a:spcPts val="0"/>
+              </a:spcAft>
+              <a:buNone/>
+            </a:pPr>
+            <a:r>
+              <a:rPr lang="pl" sz="2400" b="1">
+                <a:solidFill>
+                  <a:schemeClr val="lt1"/>
+                </a:solidFill>
+              </a:rPr>
+              <a:t>Cotangent</a:t>
+            </a:r>
+            <a:endParaRPr sz="2400" b="1">
+              <a:solidFill>
+                <a:schemeClr val="lt1"/>
+              </a:solidFill>
+            </a:endParaRPr>
+          </a:p>
+        </p:txBody>
+      </p:sp>
+      <p:pic>
+        <p:nvPicPr>
+          <p:cNvPr id="144" name="Google Shape;144;p26"/>
+          <p:cNvPicPr preferRelativeResize="0"/>
+          <p:nvPr/>
+        </p:nvPicPr>
+        <p:blipFill>
+          <a:blip r:embed="rId4">
+            <a:alphaModFix/>
+          </a:blip>
+          <a:stretch>
+            <a:fillRect/>
+          </a:stretch>
+        </p:blipFill>
+        <p:spPr>
+          <a:xfrm>
+            <a:off x="205050" y="964150"/>
+            <a:ext cx="3705225" cy="1943100"/>
+          </a:xfrm>
+          <a:prstGeom prst="rect">
+            <a:avLst/>
+          </a:prstGeom>
+          <a:noFill/>
+          <a:ln>
+            <a:noFill/>
+          </a:ln>
+        </p:spPr>
+      </p:pic>
+      <p:pic>
+        <p:nvPicPr>
+          <p:cNvPr id="145" name="Google Shape;145;p26"/>
+          <p:cNvPicPr preferRelativeResize="0"/>
+          <p:nvPr/>
+        </p:nvPicPr>
+        <p:blipFill>
+          <a:blip r:embed="rId5">
+            <a:alphaModFix/>
+          </a:blip>
+          <a:stretch>
+            <a:fillRect/>
+          </a:stretch>
+        </p:blipFill>
+        <p:spPr>
+          <a:xfrm>
+            <a:off x="205062" y="2907250"/>
+            <a:ext cx="6460050" cy="996375"/>
+          </a:xfrm>
+          <a:prstGeom prst="rect">
+            <a:avLst/>
+          </a:prstGeom>
+          <a:noFill/>
+          <a:ln>
+            <a:noFill/>
+          </a:ln>
+        </p:spPr>
+      </p:pic>
+    </p:spTree>
+  </p:cSld>
+  <p:clrMapOvr>
+    <a:masterClrMapping/>
+  </p:clrMapOvr>
+</p:sld>
+</file>
+
+<file path=ppt/slides/slide15.xml><?xml version="1.0" encoding="utf-8"?>
+<p:sld xmlns:a="http://schemas.openxmlformats.org/drawingml/2006/main" xmlns:r="http://schemas.openxmlformats.org/officeDocument/2006/relationships" xmlns:p="http://schemas.openxmlformats.org/presentationml/2006/main">
+  <p:cSld>
+    <p:bg>
+      <p:bgPr>
+        <a:blipFill>
+          <a:blip r:embed="rId3">
+            <a:alphaModFix/>
+          </a:blip>
+          <a:stretch>
+            <a:fillRect/>
+          </a:stretch>
+        </a:blipFill>
+        <a:effectLst/>
+      </p:bgPr>
+    </p:bg>
+    <p:spTree>
+      <p:nvGrpSpPr>
+        <p:cNvPr id="1" name="Shape 149"/>
         <p:cNvGrpSpPr/>
         <p:nvPr/>
       </p:nvGrpSpPr>
@@ -7377,7 +8452,7 @@
       </p:grpSpPr>
       <p:pic>
         <p:nvPicPr>
-          <p:cNvPr id="114" name="Google Shape;114;p22"/>
+          <p:cNvPr id="150" name="Google Shape;150;p27"/>
           <p:cNvPicPr preferRelativeResize="0"/>
           <p:nvPr/>
         </p:nvPicPr>
@@ -7391,8 +8466,8 @@
         </p:blipFill>
         <p:spPr>
           <a:xfrm>
-            <a:off x="1079100" y="1152475"/>
-            <a:ext cx="4220675" cy="2454151"/>
+            <a:off x="1309175" y="3650150"/>
+            <a:ext cx="3676650" cy="895350"/>
           </a:xfrm>
           <a:prstGeom prst="rect">
             <a:avLst/>
@@ -7403,16 +8478,24 @@
           </a:ln>
         </p:spPr>
       </p:pic>
-      <p:sp>
-        <p:nvSpPr>
-          <p:cNvPr id="115" name="Google Shape;115;p22"/>
-          <p:cNvSpPr txBox="1"/>
+      <p:pic>
+        <p:nvPicPr>
+          <p:cNvPr id="151" name="Google Shape;151;p27"/>
+          <p:cNvPicPr preferRelativeResize="0"/>
           <p:nvPr/>
-        </p:nvSpPr>
-        <p:spPr>
-          <a:xfrm>
-            <a:off x="3802425" y="186900"/>
-            <a:ext cx="3412800" cy="650100"/>
+        </p:nvPicPr>
+        <p:blipFill>
+          <a:blip r:embed="rId5">
+            <a:alphaModFix/>
+          </a:blip>
+          <a:stretch>
+            <a:fillRect/>
+          </a:stretch>
+        </p:blipFill>
+        <p:spPr>
+          <a:xfrm>
+            <a:off x="1309175" y="424851"/>
+            <a:ext cx="3059700" cy="3225300"/>
           </a:xfrm>
           <a:prstGeom prst="rect">
             <a:avLst/>
@@ -7422,37 +8505,7 @@
             <a:noFill/>
           </a:ln>
         </p:spPr>
-        <p:txBody>
-          <a:bodyPr anchorCtr="0" anchor="t" bIns="91425" lIns="91425" spcFirstLastPara="1" rIns="91425" wrap="square" tIns="91425">
-            <a:noAutofit/>
-          </a:bodyPr>
-          <a:lstStyle/>
-          <a:p>
-            <a:pPr indent="0" lvl="0" marL="0" rtl="0" algn="l">
-              <a:spcBef>
-                <a:spcPts val="0"/>
-              </a:spcBef>
-              <a:spcAft>
-                <a:spcPts val="0"/>
-              </a:spcAft>
-              <a:buNone/>
-            </a:pPr>
-            <a:r>
-              <a:rPr b="1" lang="pl" sz="2200">
-                <a:solidFill>
-                  <a:srgbClr val="FFFFFF"/>
-                </a:solidFill>
-              </a:rPr>
-              <a:t>EULER’S NUMBER</a:t>
-            </a:r>
-            <a:endParaRPr b="1" sz="2200">
-              <a:solidFill>
-                <a:srgbClr val="FFFFFF"/>
-              </a:solidFill>
-            </a:endParaRPr>
-          </a:p>
-        </p:txBody>
-      </p:sp>
+      </p:pic>
     </p:spTree>
   </p:cSld>
   <p:clrMapOvr>
@@ -7461,8 +8514,8 @@
 </p:sld>
 </file>
 
-<file path=ppt/slides/slide11.xml><?xml version="1.0" encoding="utf-8"?>
-<p:sld xmlns:a="http://schemas.openxmlformats.org/drawingml/2006/main" xmlns:r="http://schemas.openxmlformats.org/officeDocument/2006/relationships" xmlns:mc="http://schemas.openxmlformats.org/markup-compatibility/2006" xmlns:mv="urn:schemas-microsoft-com:mac:vml" xmlns:p="http://schemas.openxmlformats.org/presentationml/2006/main" xmlns:c="http://schemas.openxmlformats.org/drawingml/2006/chart" xmlns:dgm="http://schemas.openxmlformats.org/drawingml/2006/diagram" xmlns:o="urn:schemas-microsoft-com:office:office" xmlns:v="urn:schemas-microsoft-com:vml" xmlns:pvml="urn:schemas-microsoft-com:office:powerpoint" xmlns:com="http://schemas.openxmlformats.org/drawingml/2006/compatibility" xmlns:p14="http://schemas.microsoft.com/office/powerpoint/2010/main" xmlns:p15="http://schemas.microsoft.com/office/powerpoint/2012/main" xmlns:ahyp="http://schemas.microsoft.com/office/drawing/2018/hyperlinkcolor">
+<file path=ppt/slides/slide16.xml><?xml version="1.0" encoding="utf-8"?>
+<p:sld xmlns:a="http://schemas.openxmlformats.org/drawingml/2006/main" xmlns:r="http://schemas.openxmlformats.org/officeDocument/2006/relationships" xmlns:p="http://schemas.openxmlformats.org/presentationml/2006/main">
   <p:cSld>
     <p:bg>
       <p:bgPr>
@@ -7474,11 +8527,12 @@
             <a:fillRect/>
           </a:stretch>
         </a:blipFill>
+        <a:effectLst/>
       </p:bgPr>
     </p:bg>
     <p:spTree>
       <p:nvGrpSpPr>
-        <p:cNvPr id="119" name="Shape 119"/>
+        <p:cNvPr id="1" name="Shape 155"/>
         <p:cNvGrpSpPr/>
         <p:nvPr/>
       </p:nvGrpSpPr>
@@ -7492,30 +8546,30 @@
       </p:grpSpPr>
       <p:sp>
         <p:nvSpPr>
-          <p:cNvPr id="120" name="Google Shape;120;p23"/>
-          <p:cNvSpPr txBox="1"/>
-          <p:nvPr/>
+          <p:cNvPr id="156" name="Google Shape;156;p28"/>
+          <p:cNvSpPr txBox="1">
+            <a:spLocks noGrp="1"/>
+          </p:cNvSpPr>
+          <p:nvPr>
+            <p:ph type="title"/>
+          </p:nvPr>
         </p:nvSpPr>
         <p:spPr>
           <a:xfrm>
-            <a:off x="5571350" y="226675"/>
-            <a:ext cx="2867100" cy="535200"/>
+            <a:off x="3153100" y="139000"/>
+            <a:ext cx="4586100" cy="572700"/>
           </a:xfrm>
           <a:prstGeom prst="rect">
             <a:avLst/>
           </a:prstGeom>
-          <a:noFill/>
-          <a:ln>
-            <a:noFill/>
-          </a:ln>
         </p:spPr>
         <p:txBody>
-          <a:bodyPr anchorCtr="0" anchor="t" bIns="91425" lIns="91425" spcFirstLastPara="1" rIns="91425" wrap="square" tIns="91425">
-            <a:noAutofit/>
+          <a:bodyPr spcFirstLastPara="1" wrap="square" lIns="91425" tIns="91425" rIns="91425" bIns="91425" anchor="t" anchorCtr="0">
+            <a:normAutofit fontScale="90000"/>
           </a:bodyPr>
           <a:lstStyle/>
           <a:p>
-            <a:pPr indent="0" lvl="0" marL="0" rtl="0" algn="l">
+            <a:pPr marL="0" lvl="0" indent="0" algn="l" rtl="0">
               <a:spcBef>
                 <a:spcPts val="0"/>
               </a:spcBef>
@@ -7525,16 +8579,16 @@
               <a:buNone/>
             </a:pPr>
             <a:r>
-              <a:rPr b="1" lang="pl" sz="2200">
+              <a:rPr lang="pl">
                 <a:solidFill>
-                  <a:srgbClr val="FFFFFF"/>
+                  <a:schemeClr val="lt1"/>
                 </a:solidFill>
               </a:rPr>
-              <a:t>SINE</a:t>
+              <a:t>Działanie pod linuxem</a:t>
             </a:r>
-            <a:endParaRPr b="1" sz="2200">
+            <a:endParaRPr>
               <a:solidFill>
-                <a:srgbClr val="FFFFFF"/>
+                <a:schemeClr val="lt1"/>
               </a:solidFill>
             </a:endParaRPr>
           </a:p>
@@ -7542,7 +8596,7 @@
       </p:sp>
       <p:pic>
         <p:nvPicPr>
-          <p:cNvPr id="121" name="Google Shape;121;p23"/>
+          <p:cNvPr id="157" name="Google Shape;157;p28"/>
           <p:cNvPicPr preferRelativeResize="0"/>
           <p:nvPr/>
         </p:nvPicPr>
@@ -7556,8 +8610,8 @@
         </p:blipFill>
         <p:spPr>
           <a:xfrm>
-            <a:off x="1055500" y="1095975"/>
-            <a:ext cx="4242851" cy="2467026"/>
+            <a:off x="112150" y="677425"/>
+            <a:ext cx="7970025" cy="511725"/>
           </a:xfrm>
           <a:prstGeom prst="rect">
             <a:avLst/>
@@ -7570,7 +8624,7 @@
       </p:pic>
       <p:pic>
         <p:nvPicPr>
-          <p:cNvPr id="122" name="Google Shape;122;p23"/>
+          <p:cNvPr id="158" name="Google Shape;158;p28"/>
           <p:cNvPicPr preferRelativeResize="0"/>
           <p:nvPr/>
         </p:nvPicPr>
@@ -7584,8 +8638,64 @@
         </p:blipFill>
         <p:spPr>
           <a:xfrm>
-            <a:off x="515375" y="3716650"/>
-            <a:ext cx="4782975" cy="468350"/>
+            <a:off x="112150" y="1189149"/>
+            <a:ext cx="7627049" cy="511725"/>
+          </a:xfrm>
+          <a:prstGeom prst="rect">
+            <a:avLst/>
+          </a:prstGeom>
+          <a:noFill/>
+          <a:ln>
+            <a:noFill/>
+          </a:ln>
+        </p:spPr>
+      </p:pic>
+      <p:pic>
+        <p:nvPicPr>
+          <p:cNvPr id="159" name="Google Shape;159;p28"/>
+          <p:cNvPicPr preferRelativeResize="0"/>
+          <p:nvPr/>
+        </p:nvPicPr>
+        <p:blipFill>
+          <a:blip r:embed="rId6">
+            <a:alphaModFix/>
+          </a:blip>
+          <a:stretch>
+            <a:fillRect/>
+          </a:stretch>
+        </p:blipFill>
+        <p:spPr>
+          <a:xfrm>
+            <a:off x="112150" y="1700875"/>
+            <a:ext cx="3293384" cy="2972250"/>
+          </a:xfrm>
+          <a:prstGeom prst="rect">
+            <a:avLst/>
+          </a:prstGeom>
+          <a:noFill/>
+          <a:ln>
+            <a:noFill/>
+          </a:ln>
+        </p:spPr>
+      </p:pic>
+      <p:pic>
+        <p:nvPicPr>
+          <p:cNvPr id="160" name="Google Shape;160;p28"/>
+          <p:cNvPicPr preferRelativeResize="0"/>
+          <p:nvPr/>
+        </p:nvPicPr>
+        <p:blipFill>
+          <a:blip r:embed="rId7">
+            <a:alphaModFix/>
+          </a:blip>
+          <a:stretch>
+            <a:fillRect/>
+          </a:stretch>
+        </p:blipFill>
+        <p:spPr>
+          <a:xfrm>
+            <a:off x="5307225" y="1700875"/>
+            <a:ext cx="3076725" cy="3211726"/>
           </a:xfrm>
           <a:prstGeom prst="rect">
             <a:avLst/>
@@ -7604,8 +8714,8 @@
 </p:sld>
 </file>
 
-<file path=ppt/slides/slide12.xml><?xml version="1.0" encoding="utf-8"?>
-<p:sld xmlns:a="http://schemas.openxmlformats.org/drawingml/2006/main" xmlns:r="http://schemas.openxmlformats.org/officeDocument/2006/relationships" xmlns:mc="http://schemas.openxmlformats.org/markup-compatibility/2006" xmlns:mv="urn:schemas-microsoft-com:mac:vml" xmlns:p="http://schemas.openxmlformats.org/presentationml/2006/main" xmlns:c="http://schemas.openxmlformats.org/drawingml/2006/chart" xmlns:dgm="http://schemas.openxmlformats.org/drawingml/2006/diagram" xmlns:o="urn:schemas-microsoft-com:office:office" xmlns:v="urn:schemas-microsoft-com:vml" xmlns:pvml="urn:schemas-microsoft-com:office:powerpoint" xmlns:com="http://schemas.openxmlformats.org/drawingml/2006/compatibility" xmlns:p14="http://schemas.microsoft.com/office/powerpoint/2010/main" xmlns:p15="http://schemas.microsoft.com/office/powerpoint/2012/main" xmlns:ahyp="http://schemas.microsoft.com/office/drawing/2018/hyperlinkcolor">
+<file path=ppt/slides/slide2.xml><?xml version="1.0" encoding="utf-8"?>
+<p:sld xmlns:a="http://schemas.openxmlformats.org/drawingml/2006/main" xmlns:r="http://schemas.openxmlformats.org/officeDocument/2006/relationships" xmlns:p="http://schemas.openxmlformats.org/presentationml/2006/main">
   <p:cSld>
     <p:bg>
       <p:bgPr>
@@ -7617,523 +8727,12 @@
             <a:fillRect/>
           </a:stretch>
         </a:blipFill>
+        <a:effectLst/>
       </p:bgPr>
     </p:bg>
     <p:spTree>
       <p:nvGrpSpPr>
-        <p:cNvPr id="126" name="Shape 126"/>
-        <p:cNvGrpSpPr/>
-        <p:nvPr/>
-      </p:nvGrpSpPr>
-      <p:grpSpPr>
-        <a:xfrm>
-          <a:off x="0" y="0"/>
-          <a:ext cx="0" cy="0"/>
-          <a:chOff x="0" y="0"/>
-          <a:chExt cx="0" cy="0"/>
-        </a:xfrm>
-      </p:grpSpPr>
-      <p:pic>
-        <p:nvPicPr>
-          <p:cNvPr id="127" name="Google Shape;127;p24"/>
-          <p:cNvPicPr preferRelativeResize="0"/>
-          <p:nvPr/>
-        </p:nvPicPr>
-        <p:blipFill>
-          <a:blip r:embed="rId4">
-            <a:alphaModFix/>
-          </a:blip>
-          <a:stretch>
-            <a:fillRect/>
-          </a:stretch>
-        </p:blipFill>
-        <p:spPr>
-          <a:xfrm>
-            <a:off x="1163371" y="1152475"/>
-            <a:ext cx="4139875" cy="2407175"/>
-          </a:xfrm>
-          <a:prstGeom prst="rect">
-            <a:avLst/>
-          </a:prstGeom>
-          <a:noFill/>
-          <a:ln>
-            <a:noFill/>
-          </a:ln>
-        </p:spPr>
-      </p:pic>
-      <p:sp>
-        <p:nvSpPr>
-          <p:cNvPr id="128" name="Google Shape;128;p24"/>
-          <p:cNvSpPr txBox="1"/>
-          <p:nvPr/>
-        </p:nvSpPr>
-        <p:spPr>
-          <a:xfrm>
-            <a:off x="5178625" y="214700"/>
-            <a:ext cx="2585700" cy="594300"/>
-          </a:xfrm>
-          <a:prstGeom prst="rect">
-            <a:avLst/>
-          </a:prstGeom>
-          <a:noFill/>
-          <a:ln>
-            <a:noFill/>
-          </a:ln>
-        </p:spPr>
-        <p:txBody>
-          <a:bodyPr anchorCtr="0" anchor="t" bIns="91425" lIns="91425" spcFirstLastPara="1" rIns="91425" wrap="square" tIns="91425">
-            <a:noAutofit/>
-          </a:bodyPr>
-          <a:lstStyle/>
-          <a:p>
-            <a:pPr indent="0" lvl="0" marL="0" rtl="0" algn="l">
-              <a:spcBef>
-                <a:spcPts val="0"/>
-              </a:spcBef>
-              <a:spcAft>
-                <a:spcPts val="0"/>
-              </a:spcAft>
-              <a:buNone/>
-            </a:pPr>
-            <a:r>
-              <a:rPr b="1" lang="pl" sz="2200">
-                <a:solidFill>
-                  <a:srgbClr val="FFFFFF"/>
-                </a:solidFill>
-              </a:rPr>
-              <a:t>COSINE</a:t>
-            </a:r>
-            <a:endParaRPr b="1" sz="2200">
-              <a:solidFill>
-                <a:srgbClr val="FFFFFF"/>
-              </a:solidFill>
-            </a:endParaRPr>
-          </a:p>
-        </p:txBody>
-      </p:sp>
-      <p:pic>
-        <p:nvPicPr>
-          <p:cNvPr id="129" name="Google Shape;129;p24"/>
-          <p:cNvPicPr preferRelativeResize="0"/>
-          <p:nvPr/>
-        </p:nvPicPr>
-        <p:blipFill>
-          <a:blip r:embed="rId5">
-            <a:alphaModFix/>
-          </a:blip>
-          <a:stretch>
-            <a:fillRect/>
-          </a:stretch>
-        </p:blipFill>
-        <p:spPr>
-          <a:xfrm>
-            <a:off x="239425" y="3689725"/>
-            <a:ext cx="5063825" cy="495875"/>
-          </a:xfrm>
-          <a:prstGeom prst="rect">
-            <a:avLst/>
-          </a:prstGeom>
-          <a:noFill/>
-          <a:ln>
-            <a:noFill/>
-          </a:ln>
-        </p:spPr>
-      </p:pic>
-    </p:spTree>
-  </p:cSld>
-  <p:clrMapOvr>
-    <a:masterClrMapping/>
-  </p:clrMapOvr>
-</p:sld>
-</file>
-
-<file path=ppt/slides/slide13.xml><?xml version="1.0" encoding="utf-8"?>
-<p:sld xmlns:a="http://schemas.openxmlformats.org/drawingml/2006/main" xmlns:r="http://schemas.openxmlformats.org/officeDocument/2006/relationships" xmlns:mc="http://schemas.openxmlformats.org/markup-compatibility/2006" xmlns:mv="urn:schemas-microsoft-com:mac:vml" xmlns:p="http://schemas.openxmlformats.org/presentationml/2006/main" xmlns:c="http://schemas.openxmlformats.org/drawingml/2006/chart" xmlns:dgm="http://schemas.openxmlformats.org/drawingml/2006/diagram" xmlns:o="urn:schemas-microsoft-com:office:office" xmlns:v="urn:schemas-microsoft-com:vml" xmlns:pvml="urn:schemas-microsoft-com:office:powerpoint" xmlns:com="http://schemas.openxmlformats.org/drawingml/2006/compatibility" xmlns:p14="http://schemas.microsoft.com/office/powerpoint/2010/main" xmlns:p15="http://schemas.microsoft.com/office/powerpoint/2012/main" xmlns:ahyp="http://schemas.microsoft.com/office/drawing/2018/hyperlinkcolor">
-  <p:cSld>
-    <p:bg>
-      <p:bgPr>
-        <a:blipFill>
-          <a:blip r:embed="rId3">
-            <a:alphaModFix/>
-          </a:blip>
-          <a:stretch>
-            <a:fillRect/>
-          </a:stretch>
-        </a:blipFill>
-      </p:bgPr>
-    </p:bg>
-    <p:spTree>
-      <p:nvGrpSpPr>
-        <p:cNvPr id="133" name="Shape 133"/>
-        <p:cNvGrpSpPr/>
-        <p:nvPr/>
-      </p:nvGrpSpPr>
-      <p:grpSpPr>
-        <a:xfrm>
-          <a:off x="0" y="0"/>
-          <a:ext cx="0" cy="0"/>
-          <a:chOff x="0" y="0"/>
-          <a:chExt cx="0" cy="0"/>
-        </a:xfrm>
-      </p:grpSpPr>
-      <p:pic>
-        <p:nvPicPr>
-          <p:cNvPr id="134" name="Google Shape;134;p25"/>
-          <p:cNvPicPr preferRelativeResize="0"/>
-          <p:nvPr/>
-        </p:nvPicPr>
-        <p:blipFill>
-          <a:blip r:embed="rId4">
-            <a:alphaModFix/>
-          </a:blip>
-          <a:stretch>
-            <a:fillRect/>
-          </a:stretch>
-        </p:blipFill>
-        <p:spPr>
-          <a:xfrm>
-            <a:off x="994325" y="1129975"/>
-            <a:ext cx="4302475" cy="2501725"/>
-          </a:xfrm>
-          <a:prstGeom prst="rect">
-            <a:avLst/>
-          </a:prstGeom>
-          <a:noFill/>
-          <a:ln>
-            <a:noFill/>
-          </a:ln>
-        </p:spPr>
-      </p:pic>
-      <p:pic>
-        <p:nvPicPr>
-          <p:cNvPr id="135" name="Google Shape;135;p25"/>
-          <p:cNvPicPr preferRelativeResize="0"/>
-          <p:nvPr/>
-        </p:nvPicPr>
-        <p:blipFill>
-          <a:blip r:embed="rId5">
-            <a:alphaModFix/>
-          </a:blip>
-          <a:stretch>
-            <a:fillRect/>
-          </a:stretch>
-        </p:blipFill>
-        <p:spPr>
-          <a:xfrm>
-            <a:off x="357450" y="3707950"/>
-            <a:ext cx="4939349" cy="483650"/>
-          </a:xfrm>
-          <a:prstGeom prst="rect">
-            <a:avLst/>
-          </a:prstGeom>
-          <a:noFill/>
-          <a:ln>
-            <a:noFill/>
-          </a:ln>
-        </p:spPr>
-      </p:pic>
-      <p:sp>
-        <p:nvSpPr>
-          <p:cNvPr id="136" name="Google Shape;136;p25"/>
-          <p:cNvSpPr txBox="1"/>
-          <p:nvPr/>
-        </p:nvSpPr>
-        <p:spPr>
-          <a:xfrm>
-            <a:off x="4893675" y="195400"/>
-            <a:ext cx="2318100" cy="660300"/>
-          </a:xfrm>
-          <a:prstGeom prst="rect">
-            <a:avLst/>
-          </a:prstGeom>
-          <a:noFill/>
-          <a:ln>
-            <a:noFill/>
-          </a:ln>
-        </p:spPr>
-        <p:txBody>
-          <a:bodyPr anchorCtr="0" anchor="t" bIns="91425" lIns="91425" spcFirstLastPara="1" rIns="91425" wrap="square" tIns="91425">
-            <a:noAutofit/>
-          </a:bodyPr>
-          <a:lstStyle/>
-          <a:p>
-            <a:pPr indent="0" lvl="0" marL="0" rtl="0" algn="l">
-              <a:spcBef>
-                <a:spcPts val="0"/>
-              </a:spcBef>
-              <a:spcAft>
-                <a:spcPts val="0"/>
-              </a:spcAft>
-              <a:buNone/>
-            </a:pPr>
-            <a:r>
-              <a:rPr b="1" lang="pl" sz="2200">
-                <a:solidFill>
-                  <a:srgbClr val="FFFFFF"/>
-                </a:solidFill>
-              </a:rPr>
-              <a:t>TANGENT</a:t>
-            </a:r>
-            <a:endParaRPr b="1" sz="2200">
-              <a:solidFill>
-                <a:srgbClr val="FFFFFF"/>
-              </a:solidFill>
-            </a:endParaRPr>
-          </a:p>
-        </p:txBody>
-      </p:sp>
-    </p:spTree>
-  </p:cSld>
-  <p:clrMapOvr>
-    <a:masterClrMapping/>
-  </p:clrMapOvr>
-</p:sld>
-</file>
-
-<file path=ppt/slides/slide14.xml><?xml version="1.0" encoding="utf-8"?>
-<p:sld xmlns:a="http://schemas.openxmlformats.org/drawingml/2006/main" xmlns:r="http://schemas.openxmlformats.org/officeDocument/2006/relationships" xmlns:mc="http://schemas.openxmlformats.org/markup-compatibility/2006" xmlns:mv="urn:schemas-microsoft-com:mac:vml" xmlns:p="http://schemas.openxmlformats.org/presentationml/2006/main" xmlns:c="http://schemas.openxmlformats.org/drawingml/2006/chart" xmlns:dgm="http://schemas.openxmlformats.org/drawingml/2006/diagram" xmlns:o="urn:schemas-microsoft-com:office:office" xmlns:v="urn:schemas-microsoft-com:vml" xmlns:pvml="urn:schemas-microsoft-com:office:powerpoint" xmlns:com="http://schemas.openxmlformats.org/drawingml/2006/compatibility" xmlns:p14="http://schemas.microsoft.com/office/powerpoint/2010/main" xmlns:p15="http://schemas.microsoft.com/office/powerpoint/2012/main" xmlns:ahyp="http://schemas.microsoft.com/office/drawing/2018/hyperlinkcolor">
-  <p:cSld>
-    <p:bg>
-      <p:bgPr>
-        <a:blipFill>
-          <a:blip r:embed="rId3">
-            <a:alphaModFix/>
-          </a:blip>
-          <a:stretch>
-            <a:fillRect/>
-          </a:stretch>
-        </a:blipFill>
-      </p:bgPr>
-    </p:bg>
-    <p:spTree>
-      <p:nvGrpSpPr>
-        <p:cNvPr id="140" name="Shape 140"/>
-        <p:cNvGrpSpPr/>
-        <p:nvPr/>
-      </p:nvGrpSpPr>
-      <p:grpSpPr>
-        <a:xfrm>
-          <a:off x="0" y="0"/>
-          <a:ext cx="0" cy="0"/>
-          <a:chOff x="0" y="0"/>
-          <a:chExt cx="0" cy="0"/>
-        </a:xfrm>
-      </p:grpSpPr>
-      <p:sp>
-        <p:nvSpPr>
-          <p:cNvPr id="141" name="Google Shape;141;p26"/>
-          <p:cNvSpPr txBox="1"/>
-          <p:nvPr>
-            <p:ph type="title"/>
-          </p:nvPr>
-        </p:nvSpPr>
-        <p:spPr>
-          <a:xfrm>
-            <a:off x="4898750" y="-173875"/>
-            <a:ext cx="4079100" cy="578700"/>
-          </a:xfrm>
-          <a:prstGeom prst="rect">
-            <a:avLst/>
-          </a:prstGeom>
-          <a:noFill/>
-        </p:spPr>
-        <p:txBody>
-          <a:bodyPr anchorCtr="0" anchor="t" bIns="91425" lIns="91425" spcFirstLastPara="1" rIns="91425" wrap="square" tIns="91425">
-            <a:normAutofit fontScale="90000"/>
-          </a:bodyPr>
-          <a:lstStyle/>
-          <a:p>
-            <a:pPr indent="0" lvl="0" marL="0" rtl="0" algn="l">
-              <a:spcBef>
-                <a:spcPts val="0"/>
-              </a:spcBef>
-              <a:spcAft>
-                <a:spcPts val="0"/>
-              </a:spcAft>
-              <a:buNone/>
-            </a:pPr>
-            <a:r>
-              <a:t/>
-            </a:r>
-            <a:endParaRPr>
-              <a:solidFill>
-                <a:schemeClr val="lt1"/>
-              </a:solidFill>
-            </a:endParaRPr>
-          </a:p>
-          <a:p>
-            <a:pPr indent="0" lvl="0" marL="0" rtl="0" algn="l">
-              <a:spcBef>
-                <a:spcPts val="0"/>
-              </a:spcBef>
-              <a:spcAft>
-                <a:spcPts val="0"/>
-              </a:spcAft>
-              <a:buNone/>
-            </a:pPr>
-            <a:r>
-              <a:rPr b="1" lang="pl" sz="2400">
-                <a:solidFill>
-                  <a:schemeClr val="lt1"/>
-                </a:solidFill>
-              </a:rPr>
-              <a:t>Cotangent</a:t>
-            </a:r>
-            <a:endParaRPr b="1" sz="2400">
-              <a:solidFill>
-                <a:schemeClr val="lt1"/>
-              </a:solidFill>
-            </a:endParaRPr>
-          </a:p>
-        </p:txBody>
-      </p:sp>
-      <p:pic>
-        <p:nvPicPr>
-          <p:cNvPr id="142" name="Google Shape;142;p26"/>
-          <p:cNvPicPr preferRelativeResize="0"/>
-          <p:nvPr/>
-        </p:nvPicPr>
-        <p:blipFill>
-          <a:blip r:embed="rId4">
-            <a:alphaModFix/>
-          </a:blip>
-          <a:stretch>
-            <a:fillRect/>
-          </a:stretch>
-        </p:blipFill>
-        <p:spPr>
-          <a:xfrm>
-            <a:off x="1001275" y="1132075"/>
-            <a:ext cx="4292051" cy="2495650"/>
-          </a:xfrm>
-          <a:prstGeom prst="rect">
-            <a:avLst/>
-          </a:prstGeom>
-          <a:noFill/>
-          <a:ln>
-            <a:noFill/>
-          </a:ln>
-        </p:spPr>
-      </p:pic>
-      <p:pic>
-        <p:nvPicPr>
-          <p:cNvPr id="143" name="Google Shape;143;p26"/>
-          <p:cNvPicPr preferRelativeResize="0"/>
-          <p:nvPr/>
-        </p:nvPicPr>
-        <p:blipFill>
-          <a:blip r:embed="rId5">
-            <a:alphaModFix/>
-          </a:blip>
-          <a:stretch>
-            <a:fillRect/>
-          </a:stretch>
-        </p:blipFill>
-        <p:spPr>
-          <a:xfrm>
-            <a:off x="551275" y="3766325"/>
-            <a:ext cx="4742050" cy="464325"/>
-          </a:xfrm>
-          <a:prstGeom prst="rect">
-            <a:avLst/>
-          </a:prstGeom>
-          <a:noFill/>
-          <a:ln>
-            <a:noFill/>
-          </a:ln>
-        </p:spPr>
-      </p:pic>
-    </p:spTree>
-  </p:cSld>
-  <p:clrMapOvr>
-    <a:masterClrMapping/>
-  </p:clrMapOvr>
-</p:sld>
-</file>
-
-<file path=ppt/slides/slide15.xml><?xml version="1.0" encoding="utf-8"?>
-<p:sld xmlns:a="http://schemas.openxmlformats.org/drawingml/2006/main" xmlns:r="http://schemas.openxmlformats.org/officeDocument/2006/relationships" xmlns:mc="http://schemas.openxmlformats.org/markup-compatibility/2006" xmlns:mv="urn:schemas-microsoft-com:mac:vml" xmlns:p="http://schemas.openxmlformats.org/presentationml/2006/main" xmlns:c="http://schemas.openxmlformats.org/drawingml/2006/chart" xmlns:dgm="http://schemas.openxmlformats.org/drawingml/2006/diagram" xmlns:o="urn:schemas-microsoft-com:office:office" xmlns:v="urn:schemas-microsoft-com:vml" xmlns:pvml="urn:schemas-microsoft-com:office:powerpoint" xmlns:com="http://schemas.openxmlformats.org/drawingml/2006/compatibility" xmlns:p14="http://schemas.microsoft.com/office/powerpoint/2010/main" xmlns:p15="http://schemas.microsoft.com/office/powerpoint/2012/main" xmlns:ahyp="http://schemas.microsoft.com/office/drawing/2018/hyperlinkcolor">
-  <p:cSld>
-    <p:bg>
-      <p:bgPr>
-        <a:blipFill>
-          <a:blip r:embed="rId3">
-            <a:alphaModFix/>
-          </a:blip>
-          <a:stretch>
-            <a:fillRect/>
-          </a:stretch>
-        </a:blipFill>
-      </p:bgPr>
-    </p:bg>
-    <p:spTree>
-      <p:nvGrpSpPr>
-        <p:cNvPr id="147" name="Shape 147"/>
-        <p:cNvGrpSpPr/>
-        <p:nvPr/>
-      </p:nvGrpSpPr>
-      <p:grpSpPr>
-        <a:xfrm>
-          <a:off x="0" y="0"/>
-          <a:ext cx="0" cy="0"/>
-          <a:chOff x="0" y="0"/>
-          <a:chExt cx="0" cy="0"/>
-        </a:xfrm>
-      </p:grpSpPr>
-      <p:pic>
-        <p:nvPicPr>
-          <p:cNvPr id="148" name="Google Shape;148;p27"/>
-          <p:cNvPicPr preferRelativeResize="0"/>
-          <p:nvPr/>
-        </p:nvPicPr>
-        <p:blipFill>
-          <a:blip r:embed="rId4">
-            <a:alphaModFix/>
-          </a:blip>
-          <a:stretch>
-            <a:fillRect/>
-          </a:stretch>
-        </p:blipFill>
-        <p:spPr>
-          <a:xfrm>
-            <a:off x="1617825" y="1135200"/>
-            <a:ext cx="3676650" cy="895350"/>
-          </a:xfrm>
-          <a:prstGeom prst="rect">
-            <a:avLst/>
-          </a:prstGeom>
-          <a:noFill/>
-          <a:ln>
-            <a:noFill/>
-          </a:ln>
-        </p:spPr>
-      </p:pic>
-    </p:spTree>
-  </p:cSld>
-  <p:clrMapOvr>
-    <a:masterClrMapping/>
-  </p:clrMapOvr>
-</p:sld>
-</file>
-
-<file path=ppt/slides/slide2.xml><?xml version="1.0" encoding="utf-8"?>
-<p:sld xmlns:a="http://schemas.openxmlformats.org/drawingml/2006/main" xmlns:r="http://schemas.openxmlformats.org/officeDocument/2006/relationships" xmlns:mc="http://schemas.openxmlformats.org/markup-compatibility/2006" xmlns:mv="urn:schemas-microsoft-com:mac:vml" xmlns:p="http://schemas.openxmlformats.org/presentationml/2006/main" xmlns:c="http://schemas.openxmlformats.org/drawingml/2006/chart" xmlns:dgm="http://schemas.openxmlformats.org/drawingml/2006/diagram" xmlns:o="urn:schemas-microsoft-com:office:office" xmlns:v="urn:schemas-microsoft-com:vml" xmlns:pvml="urn:schemas-microsoft-com:office:powerpoint" xmlns:com="http://schemas.openxmlformats.org/drawingml/2006/compatibility" xmlns:p14="http://schemas.microsoft.com/office/powerpoint/2010/main" xmlns:p15="http://schemas.microsoft.com/office/powerpoint/2012/main" xmlns:ahyp="http://schemas.microsoft.com/office/drawing/2018/hyperlinkcolor">
-  <p:cSld>
-    <p:bg>
-      <p:bgPr>
-        <a:blipFill>
-          <a:blip r:embed="rId3">
-            <a:alphaModFix/>
-          </a:blip>
-          <a:stretch>
-            <a:fillRect/>
-          </a:stretch>
-        </a:blipFill>
-      </p:bgPr>
-    </p:bg>
-    <p:spTree>
-      <p:nvGrpSpPr>
-        <p:cNvPr id="59" name="Shape 59"/>
+        <p:cNvPr id="1" name="Shape 59"/>
         <p:cNvGrpSpPr/>
         <p:nvPr/>
       </p:nvGrpSpPr>
@@ -8165,12 +8764,12 @@
           </a:ln>
         </p:spPr>
         <p:txBody>
-          <a:bodyPr anchorCtr="0" anchor="t" bIns="91425" lIns="91425" spcFirstLastPara="1" rIns="91425" wrap="square" tIns="91425">
+          <a:bodyPr spcFirstLastPara="1" wrap="square" lIns="91425" tIns="91425" rIns="91425" bIns="91425" anchor="t" anchorCtr="0">
             <a:noAutofit/>
           </a:bodyPr>
           <a:lstStyle/>
           <a:p>
-            <a:pPr indent="0" lvl="0" marL="0" rtl="0" algn="l">
+            <a:pPr marL="0" lvl="0" indent="0" algn="l" rtl="0">
               <a:spcBef>
                 <a:spcPts val="0"/>
               </a:spcBef>
@@ -8180,14 +8779,14 @@
               <a:buNone/>
             </a:pPr>
             <a:r>
-              <a:rPr b="1" lang="pl" sz="2200">
+              <a:rPr lang="pl" sz="2200" b="1">
                 <a:solidFill>
                   <a:srgbClr val="FFFFFF"/>
                 </a:solidFill>
               </a:rPr>
               <a:t>Console </a:t>
             </a:r>
-            <a:endParaRPr b="1" sz="2200">
+            <a:endParaRPr sz="2200" b="1">
               <a:solidFill>
                 <a:srgbClr val="FFFFFF"/>
               </a:solidFill>
@@ -8211,8 +8810,8 @@
         </p:blipFill>
         <p:spPr>
           <a:xfrm>
-            <a:off x="1083251" y="1176999"/>
-            <a:ext cx="4213098" cy="2449726"/>
+            <a:off x="1601601" y="939237"/>
+            <a:ext cx="3559750" cy="3525775"/>
           </a:xfrm>
           <a:prstGeom prst="rect">
             <a:avLst/>
@@ -8232,7 +8831,7 @@
 </file>
 
 <file path=ppt/slides/slide3.xml><?xml version="1.0" encoding="utf-8"?>
-<p:sld xmlns:a="http://schemas.openxmlformats.org/drawingml/2006/main" xmlns:r="http://schemas.openxmlformats.org/officeDocument/2006/relationships" xmlns:mc="http://schemas.openxmlformats.org/markup-compatibility/2006" xmlns:mv="urn:schemas-microsoft-com:mac:vml" xmlns:p="http://schemas.openxmlformats.org/presentationml/2006/main" xmlns:c="http://schemas.openxmlformats.org/drawingml/2006/chart" xmlns:dgm="http://schemas.openxmlformats.org/drawingml/2006/diagram" xmlns:o="urn:schemas-microsoft-com:office:office" xmlns:v="urn:schemas-microsoft-com:vml" xmlns:pvml="urn:schemas-microsoft-com:office:powerpoint" xmlns:com="http://schemas.openxmlformats.org/drawingml/2006/compatibility" xmlns:p14="http://schemas.microsoft.com/office/powerpoint/2010/main" xmlns:p15="http://schemas.microsoft.com/office/powerpoint/2012/main" xmlns:ahyp="http://schemas.microsoft.com/office/drawing/2018/hyperlinkcolor">
+<p:sld xmlns:a="http://schemas.openxmlformats.org/drawingml/2006/main" xmlns:r="http://schemas.openxmlformats.org/officeDocument/2006/relationships" xmlns:p="http://schemas.openxmlformats.org/presentationml/2006/main">
   <p:cSld>
     <p:bg>
       <p:bgPr>
@@ -8244,11 +8843,12 @@
             <a:fillRect/>
           </a:stretch>
         </a:blipFill>
+        <a:effectLst/>
       </p:bgPr>
     </p:bg>
     <p:spTree>
       <p:nvGrpSpPr>
-        <p:cNvPr id="65" name="Shape 65"/>
+        <p:cNvPr id="1" name="Shape 65"/>
         <p:cNvGrpSpPr/>
         <p:nvPr/>
       </p:nvGrpSpPr>
@@ -8260,9 +8860,59 @@
           <a:chExt cx="0" cy="0"/>
         </a:xfrm>
       </p:grpSpPr>
+      <p:sp>
+        <p:nvSpPr>
+          <p:cNvPr id="66" name="Google Shape;66;p15"/>
+          <p:cNvSpPr txBox="1"/>
+          <p:nvPr/>
+        </p:nvSpPr>
+        <p:spPr>
+          <a:xfrm>
+            <a:off x="4973600" y="192025"/>
+            <a:ext cx="2373600" cy="770100"/>
+          </a:xfrm>
+          <a:prstGeom prst="rect">
+            <a:avLst/>
+          </a:prstGeom>
+          <a:noFill/>
+          <a:ln>
+            <a:noFill/>
+          </a:ln>
+        </p:spPr>
+        <p:txBody>
+          <a:bodyPr spcFirstLastPara="1" wrap="square" lIns="91425" tIns="91425" rIns="91425" bIns="91425" anchor="t" anchorCtr="0">
+            <a:noAutofit/>
+          </a:bodyPr>
+          <a:lstStyle/>
+          <a:p>
+            <a:pPr marL="0" lvl="0" indent="0" algn="l" rtl="0">
+              <a:spcBef>
+                <a:spcPts val="0"/>
+              </a:spcBef>
+              <a:spcAft>
+                <a:spcPts val="0"/>
+              </a:spcAft>
+              <a:buNone/>
+            </a:pPr>
+            <a:r>
+              <a:rPr lang="pl" sz="2200" b="1">
+                <a:solidFill>
+                  <a:srgbClr val="FFFFFF"/>
+                </a:solidFill>
+              </a:rPr>
+              <a:t>ADDITION</a:t>
+            </a:r>
+            <a:endParaRPr sz="2200" b="1">
+              <a:solidFill>
+                <a:srgbClr val="FFFFFF"/>
+              </a:solidFill>
+            </a:endParaRPr>
+          </a:p>
+        </p:txBody>
+      </p:sp>
       <p:pic>
         <p:nvPicPr>
-          <p:cNvPr id="66" name="Google Shape;66;p15"/>
+          <p:cNvPr id="67" name="Google Shape;67;p15"/>
           <p:cNvPicPr preferRelativeResize="0"/>
           <p:nvPr/>
         </p:nvPicPr>
@@ -8276,8 +8926,8 @@
         </p:blipFill>
         <p:spPr>
           <a:xfrm>
-            <a:off x="1070800" y="1152475"/>
-            <a:ext cx="4219250" cy="2453326"/>
+            <a:off x="73600" y="962125"/>
+            <a:ext cx="2719025" cy="2693075"/>
           </a:xfrm>
           <a:prstGeom prst="rect">
             <a:avLst/>
@@ -8288,56 +8938,6 @@
           </a:ln>
         </p:spPr>
       </p:pic>
-      <p:sp>
-        <p:nvSpPr>
-          <p:cNvPr id="67" name="Google Shape;67;p15"/>
-          <p:cNvSpPr txBox="1"/>
-          <p:nvPr/>
-        </p:nvSpPr>
-        <p:spPr>
-          <a:xfrm>
-            <a:off x="4973600" y="192025"/>
-            <a:ext cx="2373600" cy="770100"/>
-          </a:xfrm>
-          <a:prstGeom prst="rect">
-            <a:avLst/>
-          </a:prstGeom>
-          <a:noFill/>
-          <a:ln>
-            <a:noFill/>
-          </a:ln>
-        </p:spPr>
-        <p:txBody>
-          <a:bodyPr anchorCtr="0" anchor="t" bIns="91425" lIns="91425" spcFirstLastPara="1" rIns="91425" wrap="square" tIns="91425">
-            <a:noAutofit/>
-          </a:bodyPr>
-          <a:lstStyle/>
-          <a:p>
-            <a:pPr indent="0" lvl="0" marL="0" rtl="0" algn="l">
-              <a:spcBef>
-                <a:spcPts val="0"/>
-              </a:spcBef>
-              <a:spcAft>
-                <a:spcPts val="0"/>
-              </a:spcAft>
-              <a:buNone/>
-            </a:pPr>
-            <a:r>
-              <a:rPr b="1" lang="pl" sz="2200">
-                <a:solidFill>
-                  <a:srgbClr val="FFFFFF"/>
-                </a:solidFill>
-              </a:rPr>
-              <a:t>ADDITION</a:t>
-            </a:r>
-            <a:endParaRPr b="1" sz="2200">
-              <a:solidFill>
-                <a:srgbClr val="FFFFFF"/>
-              </a:solidFill>
-            </a:endParaRPr>
-          </a:p>
-        </p:txBody>
-      </p:sp>
       <p:pic>
         <p:nvPicPr>
           <p:cNvPr id="68" name="Google Shape;68;p15"/>
@@ -8354,8 +8954,8 @@
         </p:blipFill>
         <p:spPr>
           <a:xfrm>
-            <a:off x="1109125" y="3863850"/>
-            <a:ext cx="3864475" cy="310475"/>
+            <a:off x="73588" y="3655200"/>
+            <a:ext cx="6655901" cy="252200"/>
           </a:xfrm>
           <a:prstGeom prst="rect">
             <a:avLst/>
@@ -8375,7 +8975,7 @@
 </file>
 
 <file path=ppt/slides/slide4.xml><?xml version="1.0" encoding="utf-8"?>
-<p:sld xmlns:a="http://schemas.openxmlformats.org/drawingml/2006/main" xmlns:r="http://schemas.openxmlformats.org/officeDocument/2006/relationships" xmlns:mc="http://schemas.openxmlformats.org/markup-compatibility/2006" xmlns:mv="urn:schemas-microsoft-com:mac:vml" xmlns:p="http://schemas.openxmlformats.org/presentationml/2006/main" xmlns:c="http://schemas.openxmlformats.org/drawingml/2006/chart" xmlns:dgm="http://schemas.openxmlformats.org/drawingml/2006/diagram" xmlns:o="urn:schemas-microsoft-com:office:office" xmlns:v="urn:schemas-microsoft-com:vml" xmlns:pvml="urn:schemas-microsoft-com:office:powerpoint" xmlns:com="http://schemas.openxmlformats.org/drawingml/2006/compatibility" xmlns:p14="http://schemas.microsoft.com/office/powerpoint/2010/main" xmlns:p15="http://schemas.microsoft.com/office/powerpoint/2012/main" xmlns:ahyp="http://schemas.microsoft.com/office/drawing/2018/hyperlinkcolor">
+<p:sld xmlns:a="http://schemas.openxmlformats.org/drawingml/2006/main" xmlns:r="http://schemas.openxmlformats.org/officeDocument/2006/relationships" xmlns:p="http://schemas.openxmlformats.org/presentationml/2006/main">
   <p:cSld>
     <p:bg>
       <p:bgPr>
@@ -8387,11 +8987,12 @@
             <a:fillRect/>
           </a:stretch>
         </a:blipFill>
+        <a:effectLst/>
       </p:bgPr>
     </p:bg>
     <p:spTree>
       <p:nvGrpSpPr>
-        <p:cNvPr id="72" name="Shape 72"/>
+        <p:cNvPr id="1" name="Shape 72"/>
         <p:cNvGrpSpPr/>
         <p:nvPr/>
       </p:nvGrpSpPr>
@@ -8403,9 +9004,59 @@
           <a:chExt cx="0" cy="0"/>
         </a:xfrm>
       </p:grpSpPr>
+      <p:sp>
+        <p:nvSpPr>
+          <p:cNvPr id="73" name="Google Shape;73;p16"/>
+          <p:cNvSpPr txBox="1"/>
+          <p:nvPr/>
+        </p:nvSpPr>
+        <p:spPr>
+          <a:xfrm>
+            <a:off x="4271550" y="202350"/>
+            <a:ext cx="2919300" cy="809700"/>
+          </a:xfrm>
+          <a:prstGeom prst="rect">
+            <a:avLst/>
+          </a:prstGeom>
+          <a:noFill/>
+          <a:ln>
+            <a:noFill/>
+          </a:ln>
+        </p:spPr>
+        <p:txBody>
+          <a:bodyPr spcFirstLastPara="1" wrap="square" lIns="91425" tIns="91425" rIns="91425" bIns="91425" anchor="t" anchorCtr="0">
+            <a:noAutofit/>
+          </a:bodyPr>
+          <a:lstStyle/>
+          <a:p>
+            <a:pPr marL="0" lvl="0" indent="0" algn="l" rtl="0">
+              <a:spcBef>
+                <a:spcPts val="0"/>
+              </a:spcBef>
+              <a:spcAft>
+                <a:spcPts val="0"/>
+              </a:spcAft>
+              <a:buNone/>
+            </a:pPr>
+            <a:r>
+              <a:rPr lang="pl" sz="2200" b="1">
+                <a:solidFill>
+                  <a:srgbClr val="FFFFFF"/>
+                </a:solidFill>
+              </a:rPr>
+              <a:t>SUBTRACTION</a:t>
+            </a:r>
+            <a:endParaRPr sz="2200" b="1">
+              <a:solidFill>
+                <a:srgbClr val="FFFFFF"/>
+              </a:solidFill>
+            </a:endParaRPr>
+          </a:p>
+        </p:txBody>
+      </p:sp>
       <p:pic>
         <p:nvPicPr>
-          <p:cNvPr id="73" name="Google Shape;73;p16"/>
+          <p:cNvPr id="74" name="Google Shape;74;p16"/>
           <p:cNvPicPr preferRelativeResize="0"/>
           <p:nvPr/>
         </p:nvPicPr>
@@ -8419,8 +9070,8 @@
         </p:blipFill>
         <p:spPr>
           <a:xfrm>
-            <a:off x="1097570" y="1152475"/>
-            <a:ext cx="4209129" cy="2447450"/>
+            <a:off x="152400" y="654327"/>
+            <a:ext cx="2993425" cy="2964850"/>
           </a:xfrm>
           <a:prstGeom prst="rect">
             <a:avLst/>
@@ -8431,56 +9082,6 @@
           </a:ln>
         </p:spPr>
       </p:pic>
-      <p:sp>
-        <p:nvSpPr>
-          <p:cNvPr id="74" name="Google Shape;74;p16"/>
-          <p:cNvSpPr txBox="1"/>
-          <p:nvPr/>
-        </p:nvSpPr>
-        <p:spPr>
-          <a:xfrm>
-            <a:off x="4271550" y="202350"/>
-            <a:ext cx="2919300" cy="809700"/>
-          </a:xfrm>
-          <a:prstGeom prst="rect">
-            <a:avLst/>
-          </a:prstGeom>
-          <a:noFill/>
-          <a:ln>
-            <a:noFill/>
-          </a:ln>
-        </p:spPr>
-        <p:txBody>
-          <a:bodyPr anchorCtr="0" anchor="t" bIns="91425" lIns="91425" spcFirstLastPara="1" rIns="91425" wrap="square" tIns="91425">
-            <a:noAutofit/>
-          </a:bodyPr>
-          <a:lstStyle/>
-          <a:p>
-            <a:pPr indent="0" lvl="0" marL="0" rtl="0" algn="l">
-              <a:spcBef>
-                <a:spcPts val="0"/>
-              </a:spcBef>
-              <a:spcAft>
-                <a:spcPts val="0"/>
-              </a:spcAft>
-              <a:buNone/>
-            </a:pPr>
-            <a:r>
-              <a:rPr b="1" lang="pl" sz="2200">
-                <a:solidFill>
-                  <a:srgbClr val="FFFFFF"/>
-                </a:solidFill>
-              </a:rPr>
-              <a:t>SUBTRACTION</a:t>
-            </a:r>
-            <a:endParaRPr b="1" sz="2200">
-              <a:solidFill>
-                <a:srgbClr val="FFFFFF"/>
-              </a:solidFill>
-            </a:endParaRPr>
-          </a:p>
-        </p:txBody>
-      </p:sp>
       <p:pic>
         <p:nvPicPr>
           <p:cNvPr id="75" name="Google Shape;75;p16"/>
@@ -8497,8 +9098,8 @@
         </p:blipFill>
         <p:spPr>
           <a:xfrm>
-            <a:off x="1097575" y="3878013"/>
-            <a:ext cx="4209126" cy="303962"/>
+            <a:off x="152400" y="3619177"/>
+            <a:ext cx="6105525" cy="219075"/>
           </a:xfrm>
           <a:prstGeom prst="rect">
             <a:avLst/>
@@ -8518,7 +9119,7 @@
 </file>
 
 <file path=ppt/slides/slide5.xml><?xml version="1.0" encoding="utf-8"?>
-<p:sld xmlns:a="http://schemas.openxmlformats.org/drawingml/2006/main" xmlns:r="http://schemas.openxmlformats.org/officeDocument/2006/relationships" xmlns:mc="http://schemas.openxmlformats.org/markup-compatibility/2006" xmlns:mv="urn:schemas-microsoft-com:mac:vml" xmlns:p="http://schemas.openxmlformats.org/presentationml/2006/main" xmlns:c="http://schemas.openxmlformats.org/drawingml/2006/chart" xmlns:dgm="http://schemas.openxmlformats.org/drawingml/2006/diagram" xmlns:o="urn:schemas-microsoft-com:office:office" xmlns:v="urn:schemas-microsoft-com:vml" xmlns:pvml="urn:schemas-microsoft-com:office:powerpoint" xmlns:com="http://schemas.openxmlformats.org/drawingml/2006/compatibility" xmlns:p14="http://schemas.microsoft.com/office/powerpoint/2010/main" xmlns:p15="http://schemas.microsoft.com/office/powerpoint/2012/main" xmlns:ahyp="http://schemas.microsoft.com/office/drawing/2018/hyperlinkcolor">
+<p:sld xmlns:a="http://schemas.openxmlformats.org/drawingml/2006/main" xmlns:r="http://schemas.openxmlformats.org/officeDocument/2006/relationships" xmlns:p="http://schemas.openxmlformats.org/presentationml/2006/main">
   <p:cSld>
     <p:bg>
       <p:bgPr>
@@ -8530,11 +9131,12 @@
             <a:fillRect/>
           </a:stretch>
         </a:blipFill>
+        <a:effectLst/>
       </p:bgPr>
     </p:bg>
     <p:spTree>
       <p:nvGrpSpPr>
-        <p:cNvPr id="79" name="Shape 79"/>
+        <p:cNvPr id="1" name="Shape 79"/>
         <p:cNvGrpSpPr/>
         <p:nvPr/>
       </p:nvGrpSpPr>
@@ -8546,9 +9148,59 @@
           <a:chExt cx="0" cy="0"/>
         </a:xfrm>
       </p:grpSpPr>
+      <p:sp>
+        <p:nvSpPr>
+          <p:cNvPr id="80" name="Google Shape;80;p17"/>
+          <p:cNvSpPr txBox="1"/>
+          <p:nvPr/>
+        </p:nvSpPr>
+        <p:spPr>
+          <a:xfrm>
+            <a:off x="3937950" y="193850"/>
+            <a:ext cx="2769900" cy="611700"/>
+          </a:xfrm>
+          <a:prstGeom prst="rect">
+            <a:avLst/>
+          </a:prstGeom>
+          <a:noFill/>
+          <a:ln>
+            <a:noFill/>
+          </a:ln>
+        </p:spPr>
+        <p:txBody>
+          <a:bodyPr spcFirstLastPara="1" wrap="square" lIns="91425" tIns="91425" rIns="91425" bIns="91425" anchor="t" anchorCtr="0">
+            <a:noAutofit/>
+          </a:bodyPr>
+          <a:lstStyle/>
+          <a:p>
+            <a:pPr marL="0" lvl="0" indent="0" algn="l" rtl="0">
+              <a:spcBef>
+                <a:spcPts val="0"/>
+              </a:spcBef>
+              <a:spcAft>
+                <a:spcPts val="0"/>
+              </a:spcAft>
+              <a:buNone/>
+            </a:pPr>
+            <a:r>
+              <a:rPr lang="pl" sz="2200" b="1">
+                <a:solidFill>
+                  <a:srgbClr val="FFFFFF"/>
+                </a:solidFill>
+              </a:rPr>
+              <a:t>MULTIPLICATION</a:t>
+            </a:r>
+            <a:endParaRPr sz="2200" b="1">
+              <a:solidFill>
+                <a:srgbClr val="FFFFFF"/>
+              </a:solidFill>
+            </a:endParaRPr>
+          </a:p>
+        </p:txBody>
+      </p:sp>
       <p:pic>
         <p:nvPicPr>
-          <p:cNvPr id="80" name="Google Shape;80;p17"/>
+          <p:cNvPr id="81" name="Google Shape;81;p17"/>
           <p:cNvPicPr preferRelativeResize="0"/>
           <p:nvPr/>
         </p:nvPicPr>
@@ -8562,8 +9214,8 @@
         </p:blipFill>
         <p:spPr>
           <a:xfrm>
-            <a:off x="1056900" y="1152475"/>
-            <a:ext cx="4236426" cy="2463300"/>
+            <a:off x="115500" y="805550"/>
+            <a:ext cx="2803050" cy="2776300"/>
           </a:xfrm>
           <a:prstGeom prst="rect">
             <a:avLst/>
@@ -8574,56 +9226,6 @@
           </a:ln>
         </p:spPr>
       </p:pic>
-      <p:sp>
-        <p:nvSpPr>
-          <p:cNvPr id="81" name="Google Shape;81;p17"/>
-          <p:cNvSpPr txBox="1"/>
-          <p:nvPr/>
-        </p:nvSpPr>
-        <p:spPr>
-          <a:xfrm>
-            <a:off x="3937950" y="193850"/>
-            <a:ext cx="2769900" cy="611700"/>
-          </a:xfrm>
-          <a:prstGeom prst="rect">
-            <a:avLst/>
-          </a:prstGeom>
-          <a:noFill/>
-          <a:ln>
-            <a:noFill/>
-          </a:ln>
-        </p:spPr>
-        <p:txBody>
-          <a:bodyPr anchorCtr="0" anchor="t" bIns="91425" lIns="91425" spcFirstLastPara="1" rIns="91425" wrap="square" tIns="91425">
-            <a:noAutofit/>
-          </a:bodyPr>
-          <a:lstStyle/>
-          <a:p>
-            <a:pPr indent="0" lvl="0" marL="0" rtl="0" algn="l">
-              <a:spcBef>
-                <a:spcPts val="0"/>
-              </a:spcBef>
-              <a:spcAft>
-                <a:spcPts val="0"/>
-              </a:spcAft>
-              <a:buNone/>
-            </a:pPr>
-            <a:r>
-              <a:rPr b="1" lang="pl" sz="2200">
-                <a:solidFill>
-                  <a:srgbClr val="FFFFFF"/>
-                </a:solidFill>
-              </a:rPr>
-              <a:t>MULTIPLICATION</a:t>
-            </a:r>
-            <a:endParaRPr b="1" sz="2200">
-              <a:solidFill>
-                <a:srgbClr val="FFFFFF"/>
-              </a:solidFill>
-            </a:endParaRPr>
-          </a:p>
-        </p:txBody>
-      </p:sp>
       <p:pic>
         <p:nvPicPr>
           <p:cNvPr id="82" name="Google Shape;82;p17"/>
@@ -8640,8 +9242,8 @@
         </p:blipFill>
         <p:spPr>
           <a:xfrm>
-            <a:off x="1078849" y="3889675"/>
-            <a:ext cx="4192526" cy="305475"/>
+            <a:off x="115500" y="3581850"/>
+            <a:ext cx="5920649" cy="203205"/>
           </a:xfrm>
           <a:prstGeom prst="rect">
             <a:avLst/>
@@ -8661,7 +9263,7 @@
 </file>
 
 <file path=ppt/slides/slide6.xml><?xml version="1.0" encoding="utf-8"?>
-<p:sld xmlns:a="http://schemas.openxmlformats.org/drawingml/2006/main" xmlns:r="http://schemas.openxmlformats.org/officeDocument/2006/relationships" xmlns:mc="http://schemas.openxmlformats.org/markup-compatibility/2006" xmlns:mv="urn:schemas-microsoft-com:mac:vml" xmlns:p="http://schemas.openxmlformats.org/presentationml/2006/main" xmlns:c="http://schemas.openxmlformats.org/drawingml/2006/chart" xmlns:dgm="http://schemas.openxmlformats.org/drawingml/2006/diagram" xmlns:o="urn:schemas-microsoft-com:office:office" xmlns:v="urn:schemas-microsoft-com:vml" xmlns:pvml="urn:schemas-microsoft-com:office:powerpoint" xmlns:com="http://schemas.openxmlformats.org/drawingml/2006/compatibility" xmlns:p14="http://schemas.microsoft.com/office/powerpoint/2010/main" xmlns:p15="http://schemas.microsoft.com/office/powerpoint/2012/main" xmlns:ahyp="http://schemas.microsoft.com/office/drawing/2018/hyperlinkcolor">
+<p:sld xmlns:a="http://schemas.openxmlformats.org/drawingml/2006/main" xmlns:r="http://schemas.openxmlformats.org/officeDocument/2006/relationships" xmlns:p="http://schemas.openxmlformats.org/presentationml/2006/main">
   <p:cSld>
     <p:bg>
       <p:bgPr>
@@ -8673,11 +9275,12 @@
             <a:fillRect/>
           </a:stretch>
         </a:blipFill>
+        <a:effectLst/>
       </p:bgPr>
     </p:bg>
     <p:spTree>
       <p:nvGrpSpPr>
-        <p:cNvPr id="86" name="Shape 86"/>
+        <p:cNvPr id="1" name="Shape 86"/>
         <p:cNvGrpSpPr/>
         <p:nvPr/>
       </p:nvGrpSpPr>
@@ -8689,9 +9292,59 @@
           <a:chExt cx="0" cy="0"/>
         </a:xfrm>
       </p:grpSpPr>
+      <p:sp>
+        <p:nvSpPr>
+          <p:cNvPr id="87" name="Google Shape;87;p18"/>
+          <p:cNvSpPr txBox="1"/>
+          <p:nvPr/>
+        </p:nvSpPr>
+        <p:spPr>
+          <a:xfrm>
+            <a:off x="5050050" y="183425"/>
+            <a:ext cx="2933100" cy="497100"/>
+          </a:xfrm>
+          <a:prstGeom prst="rect">
+            <a:avLst/>
+          </a:prstGeom>
+          <a:noFill/>
+          <a:ln>
+            <a:noFill/>
+          </a:ln>
+        </p:spPr>
+        <p:txBody>
+          <a:bodyPr spcFirstLastPara="1" wrap="square" lIns="91425" tIns="91425" rIns="91425" bIns="91425" anchor="t" anchorCtr="0">
+            <a:noAutofit/>
+          </a:bodyPr>
+          <a:lstStyle/>
+          <a:p>
+            <a:pPr marL="0" lvl="0" indent="0" algn="l" rtl="0">
+              <a:spcBef>
+                <a:spcPts val="0"/>
+              </a:spcBef>
+              <a:spcAft>
+                <a:spcPts val="0"/>
+              </a:spcAft>
+              <a:buNone/>
+            </a:pPr>
+            <a:r>
+              <a:rPr lang="pl" sz="2200" b="1">
+                <a:solidFill>
+                  <a:srgbClr val="FFFFFF"/>
+                </a:solidFill>
+              </a:rPr>
+              <a:t>DIVISION</a:t>
+            </a:r>
+            <a:endParaRPr sz="2200" b="1">
+              <a:solidFill>
+                <a:srgbClr val="FFFFFF"/>
+              </a:solidFill>
+            </a:endParaRPr>
+          </a:p>
+        </p:txBody>
+      </p:sp>
       <p:pic>
         <p:nvPicPr>
-          <p:cNvPr id="87" name="Google Shape;87;p18"/>
+          <p:cNvPr id="88" name="Google Shape;88;p18"/>
           <p:cNvPicPr preferRelativeResize="0"/>
           <p:nvPr/>
         </p:nvPicPr>
@@ -8705,8 +9358,8 @@
         </p:blipFill>
         <p:spPr>
           <a:xfrm>
-            <a:off x="1086925" y="1152475"/>
-            <a:ext cx="4199449" cy="2441799"/>
+            <a:off x="152400" y="832925"/>
+            <a:ext cx="2851475" cy="2958400"/>
           </a:xfrm>
           <a:prstGeom prst="rect">
             <a:avLst/>
@@ -8717,56 +9370,6 @@
           </a:ln>
         </p:spPr>
       </p:pic>
-      <p:sp>
-        <p:nvSpPr>
-          <p:cNvPr id="88" name="Google Shape;88;p18"/>
-          <p:cNvSpPr txBox="1"/>
-          <p:nvPr/>
-        </p:nvSpPr>
-        <p:spPr>
-          <a:xfrm>
-            <a:off x="5050050" y="183425"/>
-            <a:ext cx="2933100" cy="497100"/>
-          </a:xfrm>
-          <a:prstGeom prst="rect">
-            <a:avLst/>
-          </a:prstGeom>
-          <a:noFill/>
-          <a:ln>
-            <a:noFill/>
-          </a:ln>
-        </p:spPr>
-        <p:txBody>
-          <a:bodyPr anchorCtr="0" anchor="t" bIns="91425" lIns="91425" spcFirstLastPara="1" rIns="91425" wrap="square" tIns="91425">
-            <a:noAutofit/>
-          </a:bodyPr>
-          <a:lstStyle/>
-          <a:p>
-            <a:pPr indent="0" lvl="0" marL="0" rtl="0" algn="l">
-              <a:spcBef>
-                <a:spcPts val="0"/>
-              </a:spcBef>
-              <a:spcAft>
-                <a:spcPts val="0"/>
-              </a:spcAft>
-              <a:buNone/>
-            </a:pPr>
-            <a:r>
-              <a:rPr b="1" lang="pl" sz="2200">
-                <a:solidFill>
-                  <a:srgbClr val="FFFFFF"/>
-                </a:solidFill>
-              </a:rPr>
-              <a:t>DIVISION</a:t>
-            </a:r>
-            <a:endParaRPr b="1" sz="2200">
-              <a:solidFill>
-                <a:srgbClr val="FFFFFF"/>
-              </a:solidFill>
-            </a:endParaRPr>
-          </a:p>
-        </p:txBody>
-      </p:sp>
       <p:pic>
         <p:nvPicPr>
           <p:cNvPr id="89" name="Google Shape;89;p18"/>
@@ -8783,8 +9386,8 @@
         </p:blipFill>
         <p:spPr>
           <a:xfrm>
-            <a:off x="542900" y="3638900"/>
-            <a:ext cx="4743476" cy="549950"/>
+            <a:off x="152400" y="3791325"/>
+            <a:ext cx="6315075" cy="885825"/>
           </a:xfrm>
           <a:prstGeom prst="rect">
             <a:avLst/>
@@ -8804,7 +9407,7 @@
 </file>
 
 <file path=ppt/slides/slide7.xml><?xml version="1.0" encoding="utf-8"?>
-<p:sld xmlns:a="http://schemas.openxmlformats.org/drawingml/2006/main" xmlns:r="http://schemas.openxmlformats.org/officeDocument/2006/relationships" xmlns:mc="http://schemas.openxmlformats.org/markup-compatibility/2006" xmlns:mv="urn:schemas-microsoft-com:mac:vml" xmlns:p="http://schemas.openxmlformats.org/presentationml/2006/main" xmlns:c="http://schemas.openxmlformats.org/drawingml/2006/chart" xmlns:dgm="http://schemas.openxmlformats.org/drawingml/2006/diagram" xmlns:o="urn:schemas-microsoft-com:office:office" xmlns:v="urn:schemas-microsoft-com:vml" xmlns:pvml="urn:schemas-microsoft-com:office:powerpoint" xmlns:com="http://schemas.openxmlformats.org/drawingml/2006/compatibility" xmlns:p14="http://schemas.microsoft.com/office/powerpoint/2010/main" xmlns:p15="http://schemas.microsoft.com/office/powerpoint/2012/main" xmlns:ahyp="http://schemas.microsoft.com/office/drawing/2018/hyperlinkcolor">
+<p:sld xmlns:a="http://schemas.openxmlformats.org/drawingml/2006/main" xmlns:r="http://schemas.openxmlformats.org/officeDocument/2006/relationships" xmlns:p="http://schemas.openxmlformats.org/presentationml/2006/main">
   <p:cSld>
     <p:bg>
       <p:bgPr>
@@ -8816,11 +9419,12 @@
             <a:fillRect/>
           </a:stretch>
         </a:blipFill>
+        <a:effectLst/>
       </p:bgPr>
     </p:bg>
     <p:spTree>
       <p:nvGrpSpPr>
-        <p:cNvPr id="93" name="Shape 93"/>
+        <p:cNvPr id="1" name="Shape 93"/>
         <p:cNvGrpSpPr/>
         <p:nvPr/>
       </p:nvGrpSpPr>
@@ -8832,9 +9436,59 @@
           <a:chExt cx="0" cy="0"/>
         </a:xfrm>
       </p:grpSpPr>
+      <p:sp>
+        <p:nvSpPr>
+          <p:cNvPr id="94" name="Google Shape;94;p19"/>
+          <p:cNvSpPr txBox="1"/>
+          <p:nvPr/>
+        </p:nvSpPr>
+        <p:spPr>
+          <a:xfrm>
+            <a:off x="3809375" y="197650"/>
+            <a:ext cx="3892500" cy="733200"/>
+          </a:xfrm>
+          <a:prstGeom prst="rect">
+            <a:avLst/>
+          </a:prstGeom>
+          <a:noFill/>
+          <a:ln>
+            <a:noFill/>
+          </a:ln>
+        </p:spPr>
+        <p:txBody>
+          <a:bodyPr spcFirstLastPara="1" wrap="square" lIns="91425" tIns="91425" rIns="91425" bIns="91425" anchor="t" anchorCtr="0">
+            <a:noAutofit/>
+          </a:bodyPr>
+          <a:lstStyle/>
+          <a:p>
+            <a:pPr marL="0" lvl="0" indent="0" algn="l" rtl="0">
+              <a:spcBef>
+                <a:spcPts val="0"/>
+              </a:spcBef>
+              <a:spcAft>
+                <a:spcPts val="0"/>
+              </a:spcAft>
+              <a:buNone/>
+            </a:pPr>
+            <a:r>
+              <a:rPr lang="pl" sz="2200" b="1">
+                <a:solidFill>
+                  <a:srgbClr val="FFFFFF"/>
+                </a:solidFill>
+              </a:rPr>
+              <a:t>EXPONENTIATION</a:t>
+            </a:r>
+            <a:endParaRPr sz="2200" b="1">
+              <a:solidFill>
+                <a:srgbClr val="FFFFFF"/>
+              </a:solidFill>
+            </a:endParaRPr>
+          </a:p>
+        </p:txBody>
+      </p:sp>
       <p:pic>
         <p:nvPicPr>
-          <p:cNvPr id="94" name="Google Shape;94;p19"/>
+          <p:cNvPr id="95" name="Google Shape;95;p19"/>
           <p:cNvPicPr preferRelativeResize="0"/>
           <p:nvPr/>
         </p:nvPicPr>
@@ -8848,8 +9502,8 @@
         </p:blipFill>
         <p:spPr>
           <a:xfrm>
-            <a:off x="1113976" y="1152475"/>
-            <a:ext cx="4178824" cy="2429826"/>
+            <a:off x="5013575" y="2044250"/>
+            <a:ext cx="3605382" cy="2508900"/>
           </a:xfrm>
           <a:prstGeom prst="rect">
             <a:avLst/>
@@ -8860,56 +9514,6 @@
           </a:ln>
         </p:spPr>
       </p:pic>
-      <p:sp>
-        <p:nvSpPr>
-          <p:cNvPr id="95" name="Google Shape;95;p19"/>
-          <p:cNvSpPr txBox="1"/>
-          <p:nvPr/>
-        </p:nvSpPr>
-        <p:spPr>
-          <a:xfrm>
-            <a:off x="3809375" y="197650"/>
-            <a:ext cx="3892500" cy="733200"/>
-          </a:xfrm>
-          <a:prstGeom prst="rect">
-            <a:avLst/>
-          </a:prstGeom>
-          <a:noFill/>
-          <a:ln>
-            <a:noFill/>
-          </a:ln>
-        </p:spPr>
-        <p:txBody>
-          <a:bodyPr anchorCtr="0" anchor="t" bIns="91425" lIns="91425" spcFirstLastPara="1" rIns="91425" wrap="square" tIns="91425">
-            <a:noAutofit/>
-          </a:bodyPr>
-          <a:lstStyle/>
-          <a:p>
-            <a:pPr indent="0" lvl="0" marL="0" rtl="0" algn="l">
-              <a:spcBef>
-                <a:spcPts val="0"/>
-              </a:spcBef>
-              <a:spcAft>
-                <a:spcPts val="0"/>
-              </a:spcAft>
-              <a:buNone/>
-            </a:pPr>
-            <a:r>
-              <a:rPr b="1" lang="pl" sz="2200">
-                <a:solidFill>
-                  <a:srgbClr val="FFFFFF"/>
-                </a:solidFill>
-              </a:rPr>
-              <a:t>EXPONENTIATION</a:t>
-            </a:r>
-            <a:endParaRPr b="1" sz="2200">
-              <a:solidFill>
-                <a:srgbClr val="FFFFFF"/>
-              </a:solidFill>
-            </a:endParaRPr>
-          </a:p>
-        </p:txBody>
-      </p:sp>
       <p:pic>
         <p:nvPicPr>
           <p:cNvPr id="96" name="Google Shape;96;p19"/>
@@ -8926,8 +9530,8 @@
         </p:blipFill>
         <p:spPr>
           <a:xfrm>
-            <a:off x="1086400" y="3744550"/>
-            <a:ext cx="4206401" cy="433900"/>
+            <a:off x="19500" y="670292"/>
+            <a:ext cx="4419600" cy="4445384"/>
           </a:xfrm>
           <a:prstGeom prst="rect">
             <a:avLst/>
@@ -8947,7 +9551,7 @@
 </file>
 
 <file path=ppt/slides/slide8.xml><?xml version="1.0" encoding="utf-8"?>
-<p:sld xmlns:a="http://schemas.openxmlformats.org/drawingml/2006/main" xmlns:r="http://schemas.openxmlformats.org/officeDocument/2006/relationships" xmlns:mc="http://schemas.openxmlformats.org/markup-compatibility/2006" xmlns:mv="urn:schemas-microsoft-com:mac:vml" xmlns:p="http://schemas.openxmlformats.org/presentationml/2006/main" xmlns:c="http://schemas.openxmlformats.org/drawingml/2006/chart" xmlns:dgm="http://schemas.openxmlformats.org/drawingml/2006/diagram" xmlns:o="urn:schemas-microsoft-com:office:office" xmlns:v="urn:schemas-microsoft-com:vml" xmlns:pvml="urn:schemas-microsoft-com:office:powerpoint" xmlns:com="http://schemas.openxmlformats.org/drawingml/2006/compatibility" xmlns:p14="http://schemas.microsoft.com/office/powerpoint/2010/main" xmlns:p15="http://schemas.microsoft.com/office/powerpoint/2012/main" xmlns:ahyp="http://schemas.microsoft.com/office/drawing/2018/hyperlinkcolor">
+<p:sld xmlns:a="http://schemas.openxmlformats.org/drawingml/2006/main" xmlns:r="http://schemas.openxmlformats.org/officeDocument/2006/relationships" xmlns:p="http://schemas.openxmlformats.org/presentationml/2006/main">
   <p:cSld>
     <p:bg>
       <p:bgPr>
@@ -8959,11 +9563,12 @@
             <a:fillRect/>
           </a:stretch>
         </a:blipFill>
+        <a:effectLst/>
       </p:bgPr>
     </p:bg>
     <p:spTree>
       <p:nvGrpSpPr>
-        <p:cNvPr id="100" name="Shape 100"/>
+        <p:cNvPr id="1" name="Shape 100"/>
         <p:cNvGrpSpPr/>
         <p:nvPr/>
       </p:nvGrpSpPr>
@@ -8975,9 +9580,59 @@
           <a:chExt cx="0" cy="0"/>
         </a:xfrm>
       </p:grpSpPr>
+      <p:sp>
+        <p:nvSpPr>
+          <p:cNvPr id="101" name="Google Shape;101;p20"/>
+          <p:cNvSpPr txBox="1"/>
+          <p:nvPr/>
+        </p:nvSpPr>
+        <p:spPr>
+          <a:xfrm>
+            <a:off x="5289325" y="188450"/>
+            <a:ext cx="2210400" cy="642900"/>
+          </a:xfrm>
+          <a:prstGeom prst="rect">
+            <a:avLst/>
+          </a:prstGeom>
+          <a:noFill/>
+          <a:ln>
+            <a:noFill/>
+          </a:ln>
+        </p:spPr>
+        <p:txBody>
+          <a:bodyPr spcFirstLastPara="1" wrap="square" lIns="91425" tIns="91425" rIns="91425" bIns="91425" anchor="t" anchorCtr="0">
+            <a:noAutofit/>
+          </a:bodyPr>
+          <a:lstStyle/>
+          <a:p>
+            <a:pPr marL="0" lvl="0" indent="0" algn="l" rtl="0">
+              <a:spcBef>
+                <a:spcPts val="0"/>
+              </a:spcBef>
+              <a:spcAft>
+                <a:spcPts val="0"/>
+              </a:spcAft>
+              <a:buNone/>
+            </a:pPr>
+            <a:r>
+              <a:rPr lang="pl" sz="2200" b="1">
+                <a:solidFill>
+                  <a:srgbClr val="FFFFFF"/>
+                </a:solidFill>
+              </a:rPr>
+              <a:t>ROOT</a:t>
+            </a:r>
+            <a:endParaRPr sz="2200" b="1">
+              <a:solidFill>
+                <a:srgbClr val="FFFFFF"/>
+              </a:solidFill>
+            </a:endParaRPr>
+          </a:p>
+        </p:txBody>
+      </p:sp>
       <p:pic>
         <p:nvPicPr>
-          <p:cNvPr id="101" name="Google Shape;101;p20"/>
+          <p:cNvPr id="102" name="Google Shape;102;p20"/>
           <p:cNvPicPr preferRelativeResize="0"/>
           <p:nvPr/>
         </p:nvPicPr>
@@ -8991,8 +9646,8 @@
         </p:blipFill>
         <p:spPr>
           <a:xfrm>
-            <a:off x="1050725" y="1152475"/>
-            <a:ext cx="4238601" cy="2464576"/>
+            <a:off x="50375" y="2412650"/>
+            <a:ext cx="3843500" cy="2509225"/>
           </a:xfrm>
           <a:prstGeom prst="rect">
             <a:avLst/>
@@ -9005,7 +9660,7 @@
       </p:pic>
       <p:pic>
         <p:nvPicPr>
-          <p:cNvPr id="102" name="Google Shape;102;p20"/>
+          <p:cNvPr id="103" name="Google Shape;103;p20"/>
           <p:cNvPicPr preferRelativeResize="0"/>
           <p:nvPr/>
         </p:nvPicPr>
@@ -9019,8 +9674,8 @@
         </p:blipFill>
         <p:spPr>
           <a:xfrm>
-            <a:off x="780900" y="3696525"/>
-            <a:ext cx="4508424" cy="487400"/>
+            <a:off x="50373" y="666823"/>
+            <a:ext cx="7171776" cy="1745825"/>
           </a:xfrm>
           <a:prstGeom prst="rect">
             <a:avLst/>
@@ -9031,56 +9686,6 @@
           </a:ln>
         </p:spPr>
       </p:pic>
-      <p:sp>
-        <p:nvSpPr>
-          <p:cNvPr id="103" name="Google Shape;103;p20"/>
-          <p:cNvSpPr txBox="1"/>
-          <p:nvPr/>
-        </p:nvSpPr>
-        <p:spPr>
-          <a:xfrm>
-            <a:off x="5289325" y="188450"/>
-            <a:ext cx="2210400" cy="642900"/>
-          </a:xfrm>
-          <a:prstGeom prst="rect">
-            <a:avLst/>
-          </a:prstGeom>
-          <a:noFill/>
-          <a:ln>
-            <a:noFill/>
-          </a:ln>
-        </p:spPr>
-        <p:txBody>
-          <a:bodyPr anchorCtr="0" anchor="t" bIns="91425" lIns="91425" spcFirstLastPara="1" rIns="91425" wrap="square" tIns="91425">
-            <a:noAutofit/>
-          </a:bodyPr>
-          <a:lstStyle/>
-          <a:p>
-            <a:pPr indent="0" lvl="0" marL="0" rtl="0" algn="l">
-              <a:spcBef>
-                <a:spcPts val="0"/>
-              </a:spcBef>
-              <a:spcAft>
-                <a:spcPts val="0"/>
-              </a:spcAft>
-              <a:buNone/>
-            </a:pPr>
-            <a:r>
-              <a:rPr b="1" lang="pl" sz="2200">
-                <a:solidFill>
-                  <a:srgbClr val="FFFFFF"/>
-                </a:solidFill>
-              </a:rPr>
-              <a:t>ROOT</a:t>
-            </a:r>
-            <a:endParaRPr b="1" sz="2200">
-              <a:solidFill>
-                <a:srgbClr val="FFFFFF"/>
-              </a:solidFill>
-            </a:endParaRPr>
-          </a:p>
-        </p:txBody>
-      </p:sp>
     </p:spTree>
   </p:cSld>
   <p:clrMapOvr>
@@ -9090,7 +9695,7 @@
 </file>
 
 <file path=ppt/slides/slide9.xml><?xml version="1.0" encoding="utf-8"?>
-<p:sld xmlns:a="http://schemas.openxmlformats.org/drawingml/2006/main" xmlns:r="http://schemas.openxmlformats.org/officeDocument/2006/relationships" xmlns:mc="http://schemas.openxmlformats.org/markup-compatibility/2006" xmlns:mv="urn:schemas-microsoft-com:mac:vml" xmlns:p="http://schemas.openxmlformats.org/presentationml/2006/main" xmlns:c="http://schemas.openxmlformats.org/drawingml/2006/chart" xmlns:dgm="http://schemas.openxmlformats.org/drawingml/2006/diagram" xmlns:o="urn:schemas-microsoft-com:office:office" xmlns:v="urn:schemas-microsoft-com:vml" xmlns:pvml="urn:schemas-microsoft-com:office:powerpoint" xmlns:com="http://schemas.openxmlformats.org/drawingml/2006/compatibility" xmlns:p14="http://schemas.microsoft.com/office/powerpoint/2010/main" xmlns:p15="http://schemas.microsoft.com/office/powerpoint/2012/main" xmlns:ahyp="http://schemas.microsoft.com/office/drawing/2018/hyperlinkcolor">
+<p:sld xmlns:a="http://schemas.openxmlformats.org/drawingml/2006/main" xmlns:r="http://schemas.openxmlformats.org/officeDocument/2006/relationships" xmlns:p="http://schemas.openxmlformats.org/presentationml/2006/main">
   <p:cSld>
     <p:bg>
       <p:bgPr>
@@ -9102,11 +9707,12 @@
             <a:fillRect/>
           </a:stretch>
         </a:blipFill>
+        <a:effectLst/>
       </p:bgPr>
     </p:bg>
     <p:spTree>
       <p:nvGrpSpPr>
-        <p:cNvPr id="107" name="Shape 107"/>
+        <p:cNvPr id="1" name="Shape 107"/>
         <p:cNvGrpSpPr/>
         <p:nvPr/>
       </p:nvGrpSpPr>
@@ -9118,9 +9724,59 @@
           <a:chExt cx="0" cy="0"/>
         </a:xfrm>
       </p:grpSpPr>
+      <p:sp>
+        <p:nvSpPr>
+          <p:cNvPr id="108" name="Google Shape;108;p21"/>
+          <p:cNvSpPr txBox="1"/>
+          <p:nvPr/>
+        </p:nvSpPr>
+        <p:spPr>
+          <a:xfrm>
+            <a:off x="4421025" y="186900"/>
+            <a:ext cx="2982000" cy="803100"/>
+          </a:xfrm>
+          <a:prstGeom prst="rect">
+            <a:avLst/>
+          </a:prstGeom>
+          <a:noFill/>
+          <a:ln>
+            <a:noFill/>
+          </a:ln>
+        </p:spPr>
+        <p:txBody>
+          <a:bodyPr spcFirstLastPara="1" wrap="square" lIns="91425" tIns="91425" rIns="91425" bIns="91425" anchor="t" anchorCtr="0">
+            <a:noAutofit/>
+          </a:bodyPr>
+          <a:lstStyle/>
+          <a:p>
+            <a:pPr marL="0" lvl="0" indent="0" algn="l" rtl="0">
+              <a:spcBef>
+                <a:spcPts val="0"/>
+              </a:spcBef>
+              <a:spcAft>
+                <a:spcPts val="0"/>
+              </a:spcAft>
+              <a:buNone/>
+            </a:pPr>
+            <a:r>
+              <a:rPr lang="pl" sz="2200" b="1">
+                <a:solidFill>
+                  <a:srgbClr val="FFFFFF"/>
+                </a:solidFill>
+              </a:rPr>
+              <a:t>PI CONSTANT</a:t>
+            </a:r>
+            <a:endParaRPr sz="2200" b="1">
+              <a:solidFill>
+                <a:srgbClr val="FFFFFF"/>
+              </a:solidFill>
+            </a:endParaRPr>
+          </a:p>
+        </p:txBody>
+      </p:sp>
       <p:pic>
         <p:nvPicPr>
-          <p:cNvPr id="108" name="Google Shape;108;p21"/>
+          <p:cNvPr id="109" name="Google Shape;109;p21"/>
           <p:cNvPicPr preferRelativeResize="0"/>
           <p:nvPr/>
         </p:nvPicPr>
@@ -9134,8 +9790,8 @@
         </p:blipFill>
         <p:spPr>
           <a:xfrm>
-            <a:off x="1102075" y="1152475"/>
-            <a:ext cx="4204649" cy="2444826"/>
+            <a:off x="325450" y="818200"/>
+            <a:ext cx="3676650" cy="2400300"/>
           </a:xfrm>
           <a:prstGeom prst="rect">
             <a:avLst/>
@@ -9146,16 +9802,24 @@
           </a:ln>
         </p:spPr>
       </p:pic>
-      <p:sp>
-        <p:nvSpPr>
-          <p:cNvPr id="109" name="Google Shape;109;p21"/>
-          <p:cNvSpPr txBox="1"/>
+      <p:pic>
+        <p:nvPicPr>
+          <p:cNvPr id="110" name="Google Shape;110;p21"/>
+          <p:cNvPicPr preferRelativeResize="0"/>
           <p:nvPr/>
-        </p:nvSpPr>
-        <p:spPr>
-          <a:xfrm>
-            <a:off x="4421025" y="186900"/>
-            <a:ext cx="2982000" cy="803100"/>
+        </p:nvPicPr>
+        <p:blipFill>
+          <a:blip r:embed="rId5">
+            <a:alphaModFix/>
+          </a:blip>
+          <a:stretch>
+            <a:fillRect/>
+          </a:stretch>
+        </p:blipFill>
+        <p:spPr>
+          <a:xfrm>
+            <a:off x="325450" y="3218500"/>
+            <a:ext cx="4960951" cy="1431575"/>
           </a:xfrm>
           <a:prstGeom prst="rect">
             <a:avLst/>
@@ -9165,37 +9829,7 @@
             <a:noFill/>
           </a:ln>
         </p:spPr>
-        <p:txBody>
-          <a:bodyPr anchorCtr="0" anchor="t" bIns="91425" lIns="91425" spcFirstLastPara="1" rIns="91425" wrap="square" tIns="91425">
-            <a:noAutofit/>
-          </a:bodyPr>
-          <a:lstStyle/>
-          <a:p>
-            <a:pPr indent="0" lvl="0" marL="0" rtl="0" algn="l">
-              <a:spcBef>
-                <a:spcPts val="0"/>
-              </a:spcBef>
-              <a:spcAft>
-                <a:spcPts val="0"/>
-              </a:spcAft>
-              <a:buNone/>
-            </a:pPr>
-            <a:r>
-              <a:rPr b="1" lang="pl" sz="2200">
-                <a:solidFill>
-                  <a:srgbClr val="FFFFFF"/>
-                </a:solidFill>
-              </a:rPr>
-              <a:t>PI CONSTANT</a:t>
-            </a:r>
-            <a:endParaRPr b="1" sz="2200">
-              <a:solidFill>
-                <a:srgbClr val="FFFFFF"/>
-              </a:solidFill>
-            </a:endParaRPr>
-          </a:p>
-        </p:txBody>
-      </p:sp>
+      </p:pic>
     </p:spTree>
   </p:cSld>
   <p:clrMapOvr>
@@ -9205,7 +9839,288 @@
 </file>
 
 <file path=ppt/theme/theme1.xml><?xml version="1.0" encoding="utf-8"?>
-<a:theme xmlns:a="http://schemas.openxmlformats.org/drawingml/2006/main" xmlns:r="http://schemas.openxmlformats.org/officeDocument/2006/relationships">
+<a:theme xmlns:a="http://schemas.openxmlformats.org/drawingml/2006/main" name="Simple Light">
+  <a:themeElements>
+    <a:clrScheme name="Simple Light">
+      <a:dk1>
+        <a:srgbClr val="000000"/>
+      </a:dk1>
+      <a:lt1>
+        <a:srgbClr val="FFFFFF"/>
+      </a:lt1>
+      <a:dk2>
+        <a:srgbClr val="595959"/>
+      </a:dk2>
+      <a:lt2>
+        <a:srgbClr val="EEEEEE"/>
+      </a:lt2>
+      <a:accent1>
+        <a:srgbClr val="4285F4"/>
+      </a:accent1>
+      <a:accent2>
+        <a:srgbClr val="212121"/>
+      </a:accent2>
+      <a:accent3>
+        <a:srgbClr val="78909C"/>
+      </a:accent3>
+      <a:accent4>
+        <a:srgbClr val="FFAB40"/>
+      </a:accent4>
+      <a:accent5>
+        <a:srgbClr val="0097A7"/>
+      </a:accent5>
+      <a:accent6>
+        <a:srgbClr val="EEFF41"/>
+      </a:accent6>
+      <a:hlink>
+        <a:srgbClr val="0097A7"/>
+      </a:hlink>
+      <a:folHlink>
+        <a:srgbClr val="0097A7"/>
+      </a:folHlink>
+    </a:clrScheme>
+    <a:fontScheme name="Office">
+      <a:majorFont>
+        <a:latin typeface="Arial"/>
+        <a:ea typeface=""/>
+        <a:cs typeface=""/>
+        <a:font script="Jpan" typeface="ＭＳ Ｐゴシック"/>
+        <a:font script="Hang" typeface="맑은 고딕"/>
+        <a:font script="Hans" typeface="宋体"/>
+        <a:font script="Hant" typeface="新細明體"/>
+        <a:font script="Arab" typeface="Times New Roman"/>
+        <a:font script="Hebr" typeface="Times New Roman"/>
+        <a:font script="Thai" typeface="Angsana New"/>
+        <a:font script="Ethi" typeface="Nyala"/>
+        <a:font script="Beng" typeface="Vrinda"/>
+        <a:font script="Gujr" typeface="Shruti"/>
+        <a:font script="Khmr" typeface="MoolBoran"/>
+        <a:font script="Knda" typeface="Tunga"/>
+        <a:font script="Guru" typeface="Raavi"/>
+        <a:font script="Cans" typeface="Euphemia"/>
+        <a:font script="Cher" typeface="Plantagenet Cherokee"/>
+        <a:font script="Yiii" typeface="Microsoft Yi Baiti"/>
+        <a:font script="Tibt" typeface="Microsoft Himalaya"/>
+        <a:font script="Thaa" typeface="MV Boli"/>
+        <a:font script="Deva" typeface="Mangal"/>
+        <a:font script="Telu" typeface="Gautami"/>
+        <a:font script="Taml" typeface="Latha"/>
+        <a:font script="Syrc" typeface="Estrangelo Edessa"/>
+        <a:font script="Orya" typeface="Kalinga"/>
+        <a:font script="Mlym" typeface="Kartika"/>
+        <a:font script="Laoo" typeface="DokChampa"/>
+        <a:font script="Sinh" typeface="Iskoola Pota"/>
+        <a:font script="Mong" typeface="Mongolian Baiti"/>
+        <a:font script="Viet" typeface="Times New Roman"/>
+        <a:font script="Uigh" typeface="Microsoft Uighur"/>
+        <a:font script="Geor" typeface="Sylfaen"/>
+      </a:majorFont>
+      <a:minorFont>
+        <a:latin typeface="Arial"/>
+        <a:ea typeface=""/>
+        <a:cs typeface=""/>
+        <a:font script="Jpan" typeface="ＭＳ Ｐゴシック"/>
+        <a:font script="Hang" typeface="맑은 고딕"/>
+        <a:font script="Hans" typeface="宋体"/>
+        <a:font script="Hant" typeface="新細明體"/>
+        <a:font script="Arab" typeface="Arial"/>
+        <a:font script="Hebr" typeface="Arial"/>
+        <a:font script="Thai" typeface="Cordia New"/>
+        <a:font script="Ethi" typeface="Nyala"/>
+        <a:font script="Beng" typeface="Vrinda"/>
+        <a:font script="Gujr" typeface="Shruti"/>
+        <a:font script="Khmr" typeface="DaunPenh"/>
+        <a:font script="Knda" typeface="Tunga"/>
+        <a:font script="Guru" typeface="Raavi"/>
+        <a:font script="Cans" typeface="Euphemia"/>
+        <a:font script="Cher" typeface="Plantagenet Cherokee"/>
+        <a:font script="Yiii" typeface="Microsoft Yi Baiti"/>
+        <a:font script="Tibt" typeface="Microsoft Himalaya"/>
+        <a:font script="Thaa" typeface="MV Boli"/>
+        <a:font script="Deva" typeface="Mangal"/>
+        <a:font script="Telu" typeface="Gautami"/>
+        <a:font script="Taml" typeface="Latha"/>
+        <a:font script="Syrc" typeface="Estrangelo Edessa"/>
+        <a:font script="Orya" typeface="Kalinga"/>
+        <a:font script="Mlym" typeface="Kartika"/>
+        <a:font script="Laoo" typeface="DokChampa"/>
+        <a:font script="Sinh" typeface="Iskoola Pota"/>
+        <a:font script="Mong" typeface="Mongolian Baiti"/>
+        <a:font script="Viet" typeface="Arial"/>
+        <a:font script="Uigh" typeface="Microsoft Uighur"/>
+        <a:font script="Geor" typeface="Sylfaen"/>
+      </a:minorFont>
+    </a:fontScheme>
+    <a:fmtScheme name="Office">
+      <a:fillStyleLst>
+        <a:solidFill>
+          <a:schemeClr val="phClr"/>
+        </a:solidFill>
+        <a:gradFill rotWithShape="1">
+          <a:gsLst>
+            <a:gs pos="0">
+              <a:schemeClr val="phClr">
+                <a:tint val="50000"/>
+                <a:satMod val="300000"/>
+              </a:schemeClr>
+            </a:gs>
+            <a:gs pos="35000">
+              <a:schemeClr val="phClr">
+                <a:tint val="37000"/>
+                <a:satMod val="300000"/>
+              </a:schemeClr>
+            </a:gs>
+            <a:gs pos="100000">
+              <a:schemeClr val="phClr">
+                <a:tint val="15000"/>
+                <a:satMod val="350000"/>
+              </a:schemeClr>
+            </a:gs>
+          </a:gsLst>
+          <a:lin ang="16200000" scaled="1"/>
+        </a:gradFill>
+        <a:gradFill rotWithShape="1">
+          <a:gsLst>
+            <a:gs pos="0">
+              <a:schemeClr val="phClr">
+                <a:tint val="100000"/>
+                <a:shade val="100000"/>
+                <a:satMod val="130000"/>
+              </a:schemeClr>
+            </a:gs>
+            <a:gs pos="100000">
+              <a:schemeClr val="phClr">
+                <a:tint val="50000"/>
+                <a:shade val="100000"/>
+                <a:satMod val="350000"/>
+              </a:schemeClr>
+            </a:gs>
+          </a:gsLst>
+          <a:lin ang="16200000" scaled="0"/>
+        </a:gradFill>
+      </a:fillStyleLst>
+      <a:lnStyleLst>
+        <a:ln w="9525" cap="flat" cmpd="sng" algn="ctr">
+          <a:solidFill>
+            <a:schemeClr val="phClr">
+              <a:shade val="95000"/>
+              <a:satMod val="105000"/>
+            </a:schemeClr>
+          </a:solidFill>
+          <a:prstDash val="solid"/>
+        </a:ln>
+        <a:ln w="25400" cap="flat" cmpd="sng" algn="ctr">
+          <a:solidFill>
+            <a:schemeClr val="phClr"/>
+          </a:solidFill>
+          <a:prstDash val="solid"/>
+        </a:ln>
+        <a:ln w="38100" cap="flat" cmpd="sng" algn="ctr">
+          <a:solidFill>
+            <a:schemeClr val="phClr"/>
+          </a:solidFill>
+          <a:prstDash val="solid"/>
+        </a:ln>
+      </a:lnStyleLst>
+      <a:effectStyleLst>
+        <a:effectStyle>
+          <a:effectLst>
+            <a:outerShdw blurRad="40000" dist="20000" dir="5400000" rotWithShape="0">
+              <a:srgbClr val="000000">
+                <a:alpha val="38000"/>
+              </a:srgbClr>
+            </a:outerShdw>
+          </a:effectLst>
+        </a:effectStyle>
+        <a:effectStyle>
+          <a:effectLst>
+            <a:outerShdw blurRad="40000" dist="23000" dir="5400000" rotWithShape="0">
+              <a:srgbClr val="000000">
+                <a:alpha val="35000"/>
+              </a:srgbClr>
+            </a:outerShdw>
+          </a:effectLst>
+        </a:effectStyle>
+        <a:effectStyle>
+          <a:effectLst>
+            <a:outerShdw blurRad="40000" dist="23000" dir="5400000" rotWithShape="0">
+              <a:srgbClr val="000000">
+                <a:alpha val="35000"/>
+              </a:srgbClr>
+            </a:outerShdw>
+          </a:effectLst>
+          <a:scene3d>
+            <a:camera prst="orthographicFront">
+              <a:rot lat="0" lon="0" rev="0"/>
+            </a:camera>
+            <a:lightRig rig="threePt" dir="t">
+              <a:rot lat="0" lon="0" rev="1200000"/>
+            </a:lightRig>
+          </a:scene3d>
+          <a:sp3d>
+            <a:bevelT w="63500" h="25400"/>
+          </a:sp3d>
+        </a:effectStyle>
+      </a:effectStyleLst>
+      <a:bgFillStyleLst>
+        <a:solidFill>
+          <a:schemeClr val="phClr"/>
+        </a:solidFill>
+        <a:gradFill rotWithShape="1">
+          <a:gsLst>
+            <a:gs pos="0">
+              <a:schemeClr val="phClr">
+                <a:tint val="40000"/>
+                <a:satMod val="350000"/>
+              </a:schemeClr>
+            </a:gs>
+            <a:gs pos="40000">
+              <a:schemeClr val="phClr">
+                <a:tint val="45000"/>
+                <a:shade val="99000"/>
+                <a:satMod val="350000"/>
+              </a:schemeClr>
+            </a:gs>
+            <a:gs pos="100000">
+              <a:schemeClr val="phClr">
+                <a:shade val="20000"/>
+                <a:satMod val="255000"/>
+              </a:schemeClr>
+            </a:gs>
+          </a:gsLst>
+          <a:path path="circle">
+            <a:fillToRect l="50000" t="-80000" r="50000" b="180000"/>
+          </a:path>
+        </a:gradFill>
+        <a:gradFill rotWithShape="1">
+          <a:gsLst>
+            <a:gs pos="0">
+              <a:schemeClr val="phClr">
+                <a:tint val="80000"/>
+                <a:satMod val="300000"/>
+              </a:schemeClr>
+            </a:gs>
+            <a:gs pos="100000">
+              <a:schemeClr val="phClr">
+                <a:shade val="30000"/>
+                <a:satMod val="200000"/>
+              </a:schemeClr>
+            </a:gs>
+          </a:gsLst>
+          <a:path path="circle">
+            <a:fillToRect l="50000" t="50000" r="50000" b="50000"/>
+          </a:path>
+        </a:gradFill>
+      </a:bgFillStyleLst>
+    </a:fmtScheme>
+  </a:themeElements>
+  <a:objectDefaults/>
+  <a:extraClrSchemeLst/>
+</a:theme>
+</file>
+
+<file path=ppt/theme/theme2.xml><?xml version="1.0" encoding="utf-8"?>
+<a:theme xmlns:a="http://schemas.openxmlformats.org/drawingml/2006/main">
   <a:themeElements>
     <a:clrScheme name="Default">
       <a:dk1>
@@ -9480,284 +10395,7 @@
       </a:bgFillStyleLst>
     </a:fmtScheme>
   </a:themeElements>
-</a:theme>
-</file>
-
-<file path=ppt/theme/theme2.xml><?xml version="1.0" encoding="utf-8"?>
-<a:theme xmlns:a="http://schemas.openxmlformats.org/drawingml/2006/main" xmlns:r="http://schemas.openxmlformats.org/officeDocument/2006/relationships" name="Simple Light">
-  <a:themeElements>
-    <a:clrScheme name="Simple Light">
-      <a:dk1>
-        <a:srgbClr val="000000"/>
-      </a:dk1>
-      <a:lt1>
-        <a:srgbClr val="FFFFFF"/>
-      </a:lt1>
-      <a:dk2>
-        <a:srgbClr val="595959"/>
-      </a:dk2>
-      <a:lt2>
-        <a:srgbClr val="EEEEEE"/>
-      </a:lt2>
-      <a:accent1>
-        <a:srgbClr val="4285F4"/>
-      </a:accent1>
-      <a:accent2>
-        <a:srgbClr val="212121"/>
-      </a:accent2>
-      <a:accent3>
-        <a:srgbClr val="78909C"/>
-      </a:accent3>
-      <a:accent4>
-        <a:srgbClr val="FFAB40"/>
-      </a:accent4>
-      <a:accent5>
-        <a:srgbClr val="0097A7"/>
-      </a:accent5>
-      <a:accent6>
-        <a:srgbClr val="EEFF41"/>
-      </a:accent6>
-      <a:hlink>
-        <a:srgbClr val="0097A7"/>
-      </a:hlink>
-      <a:folHlink>
-        <a:srgbClr val="0097A7"/>
-      </a:folHlink>
-    </a:clrScheme>
-    <a:fontScheme name="Office">
-      <a:majorFont>
-        <a:latin typeface="Arial"/>
-        <a:ea typeface=""/>
-        <a:cs typeface=""/>
-        <a:font script="Jpan" typeface="ＭＳ Ｐゴシック"/>
-        <a:font script="Hang" typeface="맑은 고딕"/>
-        <a:font script="Hans" typeface="宋体"/>
-        <a:font script="Hant" typeface="新細明體"/>
-        <a:font script="Arab" typeface="Times New Roman"/>
-        <a:font script="Hebr" typeface="Times New Roman"/>
-        <a:font script="Thai" typeface="Angsana New"/>
-        <a:font script="Ethi" typeface="Nyala"/>
-        <a:font script="Beng" typeface="Vrinda"/>
-        <a:font script="Gujr" typeface="Shruti"/>
-        <a:font script="Khmr" typeface="MoolBoran"/>
-        <a:font script="Knda" typeface="Tunga"/>
-        <a:font script="Guru" typeface="Raavi"/>
-        <a:font script="Cans" typeface="Euphemia"/>
-        <a:font script="Cher" typeface="Plantagenet Cherokee"/>
-        <a:font script="Yiii" typeface="Microsoft Yi Baiti"/>
-        <a:font script="Tibt" typeface="Microsoft Himalaya"/>
-        <a:font script="Thaa" typeface="MV Boli"/>
-        <a:font script="Deva" typeface="Mangal"/>
-        <a:font script="Telu" typeface="Gautami"/>
-        <a:font script="Taml" typeface="Latha"/>
-        <a:font script="Syrc" typeface="Estrangelo Edessa"/>
-        <a:font script="Orya" typeface="Kalinga"/>
-        <a:font script="Mlym" typeface="Kartika"/>
-        <a:font script="Laoo" typeface="DokChampa"/>
-        <a:font script="Sinh" typeface="Iskoola Pota"/>
-        <a:font script="Mong" typeface="Mongolian Baiti"/>
-        <a:font script="Viet" typeface="Times New Roman"/>
-        <a:font script="Uigh" typeface="Microsoft Uighur"/>
-        <a:font script="Geor" typeface="Sylfaen"/>
-      </a:majorFont>
-      <a:minorFont>
-        <a:latin typeface="Arial"/>
-        <a:ea typeface=""/>
-        <a:cs typeface=""/>
-        <a:font script="Jpan" typeface="ＭＳ Ｐゴシック"/>
-        <a:font script="Hang" typeface="맑은 고딕"/>
-        <a:font script="Hans" typeface="宋体"/>
-        <a:font script="Hant" typeface="新細明體"/>
-        <a:font script="Arab" typeface="Arial"/>
-        <a:font script="Hebr" typeface="Arial"/>
-        <a:font script="Thai" typeface="Cordia New"/>
-        <a:font script="Ethi" typeface="Nyala"/>
-        <a:font script="Beng" typeface="Vrinda"/>
-        <a:font script="Gujr" typeface="Shruti"/>
-        <a:font script="Khmr" typeface="DaunPenh"/>
-        <a:font script="Knda" typeface="Tunga"/>
-        <a:font script="Guru" typeface="Raavi"/>
-        <a:font script="Cans" typeface="Euphemia"/>
-        <a:font script="Cher" typeface="Plantagenet Cherokee"/>
-        <a:font script="Yiii" typeface="Microsoft Yi Baiti"/>
-        <a:font script="Tibt" typeface="Microsoft Himalaya"/>
-        <a:font script="Thaa" typeface="MV Boli"/>
-        <a:font script="Deva" typeface="Mangal"/>
-        <a:font script="Telu" typeface="Gautami"/>
-        <a:font script="Taml" typeface="Latha"/>
-        <a:font script="Syrc" typeface="Estrangelo Edessa"/>
-        <a:font script="Orya" typeface="Kalinga"/>
-        <a:font script="Mlym" typeface="Kartika"/>
-        <a:font script="Laoo" typeface="DokChampa"/>
-        <a:font script="Sinh" typeface="Iskoola Pota"/>
-        <a:font script="Mong" typeface="Mongolian Baiti"/>
-        <a:font script="Viet" typeface="Arial"/>
-        <a:font script="Uigh" typeface="Microsoft Uighur"/>
-        <a:font script="Geor" typeface="Sylfaen"/>
-      </a:minorFont>
-    </a:fontScheme>
-    <a:fmtScheme name="Office">
-      <a:fillStyleLst>
-        <a:solidFill>
-          <a:schemeClr val="phClr"/>
-        </a:solidFill>
-        <a:gradFill rotWithShape="1">
-          <a:gsLst>
-            <a:gs pos="0">
-              <a:schemeClr val="phClr">
-                <a:tint val="50000"/>
-                <a:satMod val="300000"/>
-              </a:schemeClr>
-            </a:gs>
-            <a:gs pos="35000">
-              <a:schemeClr val="phClr">
-                <a:tint val="37000"/>
-                <a:satMod val="300000"/>
-              </a:schemeClr>
-            </a:gs>
-            <a:gs pos="100000">
-              <a:schemeClr val="phClr">
-                <a:tint val="15000"/>
-                <a:satMod val="350000"/>
-              </a:schemeClr>
-            </a:gs>
-          </a:gsLst>
-          <a:lin ang="16200000" scaled="1"/>
-        </a:gradFill>
-        <a:gradFill rotWithShape="1">
-          <a:gsLst>
-            <a:gs pos="0">
-              <a:schemeClr val="phClr">
-                <a:tint val="100000"/>
-                <a:shade val="100000"/>
-                <a:satMod val="130000"/>
-              </a:schemeClr>
-            </a:gs>
-            <a:gs pos="100000">
-              <a:schemeClr val="phClr">
-                <a:tint val="50000"/>
-                <a:shade val="100000"/>
-                <a:satMod val="350000"/>
-              </a:schemeClr>
-            </a:gs>
-          </a:gsLst>
-          <a:lin ang="16200000" scaled="0"/>
-        </a:gradFill>
-      </a:fillStyleLst>
-      <a:lnStyleLst>
-        <a:ln w="9525" cap="flat" cmpd="sng" algn="ctr">
-          <a:solidFill>
-            <a:schemeClr val="phClr">
-              <a:shade val="95000"/>
-              <a:satMod val="105000"/>
-            </a:schemeClr>
-          </a:solidFill>
-          <a:prstDash val="solid"/>
-        </a:ln>
-        <a:ln w="25400" cap="flat" cmpd="sng" algn="ctr">
-          <a:solidFill>
-            <a:schemeClr val="phClr"/>
-          </a:solidFill>
-          <a:prstDash val="solid"/>
-        </a:ln>
-        <a:ln w="38100" cap="flat" cmpd="sng" algn="ctr">
-          <a:solidFill>
-            <a:schemeClr val="phClr"/>
-          </a:solidFill>
-          <a:prstDash val="solid"/>
-        </a:ln>
-      </a:lnStyleLst>
-      <a:effectStyleLst>
-        <a:effectStyle>
-          <a:effectLst>
-            <a:outerShdw blurRad="40000" dist="20000" dir="5400000" rotWithShape="0">
-              <a:srgbClr val="000000">
-                <a:alpha val="38000"/>
-              </a:srgbClr>
-            </a:outerShdw>
-          </a:effectLst>
-        </a:effectStyle>
-        <a:effectStyle>
-          <a:effectLst>
-            <a:outerShdw blurRad="40000" dist="23000" dir="5400000" rotWithShape="0">
-              <a:srgbClr val="000000">
-                <a:alpha val="35000"/>
-              </a:srgbClr>
-            </a:outerShdw>
-          </a:effectLst>
-        </a:effectStyle>
-        <a:effectStyle>
-          <a:effectLst>
-            <a:outerShdw blurRad="40000" dist="23000" dir="5400000" rotWithShape="0">
-              <a:srgbClr val="000000">
-                <a:alpha val="35000"/>
-              </a:srgbClr>
-            </a:outerShdw>
-          </a:effectLst>
-          <a:scene3d>
-            <a:camera prst="orthographicFront">
-              <a:rot lat="0" lon="0" rev="0"/>
-            </a:camera>
-            <a:lightRig rig="threePt" dir="t">
-              <a:rot lat="0" lon="0" rev="1200000"/>
-            </a:lightRig>
-          </a:scene3d>
-          <a:sp3d>
-            <a:bevelT w="63500" h="25400"/>
-          </a:sp3d>
-        </a:effectStyle>
-      </a:effectStyleLst>
-      <a:bgFillStyleLst>
-        <a:solidFill>
-          <a:schemeClr val="phClr"/>
-        </a:solidFill>
-        <a:gradFill rotWithShape="1">
-          <a:gsLst>
-            <a:gs pos="0">
-              <a:schemeClr val="phClr">
-                <a:tint val="40000"/>
-                <a:satMod val="350000"/>
-              </a:schemeClr>
-            </a:gs>
-            <a:gs pos="40000">
-              <a:schemeClr val="phClr">
-                <a:tint val="45000"/>
-                <a:shade val="99000"/>
-                <a:satMod val="350000"/>
-              </a:schemeClr>
-            </a:gs>
-            <a:gs pos="100000">
-              <a:schemeClr val="phClr">
-                <a:shade val="20000"/>
-                <a:satMod val="255000"/>
-              </a:schemeClr>
-            </a:gs>
-          </a:gsLst>
-          <a:path path="circle">
-            <a:fillToRect l="50000" t="-80000" r="50000" b="180000"/>
-          </a:path>
-        </a:gradFill>
-        <a:gradFill rotWithShape="1">
-          <a:gsLst>
-            <a:gs pos="0">
-              <a:schemeClr val="phClr">
-                <a:tint val="80000"/>
-                <a:satMod val="300000"/>
-              </a:schemeClr>
-            </a:gs>
-            <a:gs pos="100000">
-              <a:schemeClr val="phClr">
-                <a:shade val="30000"/>
-                <a:satMod val="200000"/>
-              </a:schemeClr>
-            </a:gs>
-          </a:gsLst>
-          <a:path path="circle">
-            <a:fillToRect l="50000" t="50000" r="50000" b="50000"/>
-          </a:path>
-        </a:gradFill>
-      </a:bgFillStyleLst>
-    </a:fmtScheme>
-  </a:themeElements>
+  <a:objectDefaults/>
+  <a:extraClrSchemeLst/>
 </a:theme>
 </file>